--- a/Kafka/Kafka_20160430.pptx
+++ b/Kafka/Kafka_20160430.pptx
@@ -5,7 +5,7 @@
     <p:sldMasterId id="2147483660" r:id="rId1"/>
   </p:sldMasterIdLst>
   <p:notesMasterIdLst>
-    <p:notesMasterId r:id="rId25"/>
+    <p:notesMasterId r:id="rId26"/>
   </p:notesMasterIdLst>
   <p:sldIdLst>
     <p:sldId id="256" r:id="rId2"/>
@@ -15,22 +15,23 @@
     <p:sldId id="260" r:id="rId6"/>
     <p:sldId id="259" r:id="rId7"/>
     <p:sldId id="263" r:id="rId8"/>
-    <p:sldId id="261" r:id="rId9"/>
-    <p:sldId id="262" r:id="rId10"/>
-    <p:sldId id="264" r:id="rId11"/>
-    <p:sldId id="265" r:id="rId12"/>
-    <p:sldId id="267" r:id="rId13"/>
-    <p:sldId id="268" r:id="rId14"/>
-    <p:sldId id="269" r:id="rId15"/>
-    <p:sldId id="270" r:id="rId16"/>
-    <p:sldId id="271" r:id="rId17"/>
-    <p:sldId id="272" r:id="rId18"/>
-    <p:sldId id="273" r:id="rId19"/>
-    <p:sldId id="274" r:id="rId20"/>
-    <p:sldId id="275" r:id="rId21"/>
-    <p:sldId id="276" r:id="rId22"/>
-    <p:sldId id="277" r:id="rId23"/>
-    <p:sldId id="278" r:id="rId24"/>
+    <p:sldId id="279" r:id="rId9"/>
+    <p:sldId id="261" r:id="rId10"/>
+    <p:sldId id="262" r:id="rId11"/>
+    <p:sldId id="264" r:id="rId12"/>
+    <p:sldId id="265" r:id="rId13"/>
+    <p:sldId id="267" r:id="rId14"/>
+    <p:sldId id="268" r:id="rId15"/>
+    <p:sldId id="269" r:id="rId16"/>
+    <p:sldId id="270" r:id="rId17"/>
+    <p:sldId id="271" r:id="rId18"/>
+    <p:sldId id="272" r:id="rId19"/>
+    <p:sldId id="273" r:id="rId20"/>
+    <p:sldId id="274" r:id="rId21"/>
+    <p:sldId id="275" r:id="rId22"/>
+    <p:sldId id="276" r:id="rId23"/>
+    <p:sldId id="277" r:id="rId24"/>
+    <p:sldId id="278" r:id="rId25"/>
   </p:sldIdLst>
   <p:sldSz cx="9144000" cy="6858000" type="screen4x3"/>
   <p:notesSz cx="6858000" cy="9144000"/>
@@ -219,7 +220,7 @@
           <a:p>
             <a:fld id="{38CE4285-FB3E-47BA-83D8-F1235AFA5264}" type="datetimeFigureOut">
               <a:rPr lang="zh-TW" altLang="en-US" smtClean="0"/>
-              <a:t>2016/4/30</a:t>
+              <a:t>2016/5/9</a:t>
             </a:fld>
             <a:endParaRPr lang="zh-TW" altLang="en-US"/>
           </a:p>
@@ -552,7 +553,7 @@
           <a:p>
             <a:fld id="{90A4234C-5F4E-4118-9F9C-960B66CE0029}" type="slidenum">
               <a:rPr lang="zh-TW" altLang="en-US" smtClean="0"/>
-              <a:t>10</a:t>
+              <a:t>11</a:t>
             </a:fld>
             <a:endParaRPr lang="zh-TW" altLang="en-US"/>
           </a:p>
@@ -702,7 +703,7 @@
           <a:p>
             <a:fld id="{59D0B638-1921-4DD6-AB43-36C0254F6062}" type="datetime1">
               <a:rPr lang="zh-TW" altLang="en-US" smtClean="0"/>
-              <a:t>2016/4/30</a:t>
+              <a:t>2016/5/9</a:t>
             </a:fld>
             <a:endParaRPr lang="zh-TW" altLang="en-US"/>
           </a:p>
@@ -880,7 +881,7 @@
           <a:p>
             <a:fld id="{D812EA59-BA03-4FD5-8FAF-5B68ACADE19C}" type="datetime1">
               <a:rPr lang="zh-TW" altLang="en-US" smtClean="0"/>
-              <a:t>2016/4/30</a:t>
+              <a:t>2016/5/9</a:t>
             </a:fld>
             <a:endParaRPr lang="zh-TW" altLang="en-US"/>
           </a:p>
@@ -1068,7 +1069,7 @@
           <a:p>
             <a:fld id="{8D782779-F43C-417D-8CB3-C664A5E59528}" type="datetime1">
               <a:rPr lang="zh-TW" altLang="en-US" smtClean="0"/>
-              <a:t>2016/4/30</a:t>
+              <a:t>2016/5/9</a:t>
             </a:fld>
             <a:endParaRPr lang="zh-TW" altLang="en-US"/>
           </a:p>
@@ -1294,7 +1295,7 @@
           <a:p>
             <a:fld id="{92D689F0-93C6-4C05-849C-0706C5E0351F}" type="datetime1">
               <a:rPr lang="zh-TW" altLang="en-US" smtClean="0"/>
-              <a:t>2016/4/30</a:t>
+              <a:t>2016/5/9</a:t>
             </a:fld>
             <a:endParaRPr lang="zh-TW" altLang="en-US"/>
           </a:p>
@@ -1546,7 +1547,7 @@
           <a:p>
             <a:fld id="{B8973B17-6588-444B-B785-EF180C293640}" type="datetime1">
               <a:rPr lang="zh-TW" altLang="en-US" smtClean="0"/>
-              <a:t>2016/4/30</a:t>
+              <a:t>2016/5/9</a:t>
             </a:fld>
             <a:endParaRPr lang="zh-TW" altLang="en-US"/>
           </a:p>
@@ -1786,7 +1787,7 @@
           <a:p>
             <a:fld id="{9D86279A-2642-46A4-A5F3-B73B29ECC26D}" type="datetime1">
               <a:rPr lang="zh-TW" altLang="en-US" smtClean="0"/>
-              <a:t>2016/4/30</a:t>
+              <a:t>2016/5/9</a:t>
             </a:fld>
             <a:endParaRPr lang="zh-TW" altLang="en-US"/>
           </a:p>
@@ -2161,7 +2162,7 @@
           <a:p>
             <a:fld id="{4CDDFCB9-A22B-463D-9491-11A3665805C0}" type="datetime1">
               <a:rPr lang="zh-TW" altLang="en-US" smtClean="0"/>
-              <a:t>2016/4/30</a:t>
+              <a:t>2016/5/9</a:t>
             </a:fld>
             <a:endParaRPr lang="zh-TW" altLang="en-US"/>
           </a:p>
@@ -2287,7 +2288,7 @@
           <a:p>
             <a:fld id="{C13D016D-A3E1-48E9-8956-B48EE8F0D29A}" type="datetime1">
               <a:rPr lang="zh-TW" altLang="en-US" smtClean="0"/>
-              <a:t>2016/4/30</a:t>
+              <a:t>2016/5/9</a:t>
             </a:fld>
             <a:endParaRPr lang="zh-TW" altLang="en-US"/>
           </a:p>
@@ -2390,7 +2391,7 @@
           <a:p>
             <a:fld id="{12DCDB6B-F5CA-4987-B125-063C2AC33446}" type="datetime1">
               <a:rPr lang="zh-TW" altLang="en-US" smtClean="0"/>
-              <a:t>2016/4/30</a:t>
+              <a:t>2016/5/9</a:t>
             </a:fld>
             <a:endParaRPr lang="zh-TW" altLang="en-US"/>
           </a:p>
@@ -2675,7 +2676,7 @@
           <a:p>
             <a:fld id="{74FAFADD-5F20-4133-8B8F-129365254AAE}" type="datetime1">
               <a:rPr lang="zh-TW" altLang="en-US" smtClean="0"/>
-              <a:t>2016/4/30</a:t>
+              <a:t>2016/5/9</a:t>
             </a:fld>
             <a:endParaRPr lang="zh-TW" altLang="en-US"/>
           </a:p>
@@ -2940,7 +2941,7 @@
           <a:p>
             <a:fld id="{C7668ACF-8992-4615-9B51-25C3C8F7C7E9}" type="datetime1">
               <a:rPr lang="zh-TW" altLang="en-US" smtClean="0"/>
-              <a:t>2016/4/30</a:t>
+              <a:t>2016/5/9</a:t>
             </a:fld>
             <a:endParaRPr lang="zh-TW" altLang="en-US"/>
           </a:p>
@@ -3161,7 +3162,7 @@
           <a:p>
             <a:fld id="{0C9C7736-C9D7-44C5-9C30-4C3D0A657F8E}" type="datetime1">
               <a:rPr lang="zh-TW" altLang="en-US" smtClean="0"/>
-              <a:t>2016/4/30</a:t>
+              <a:t>2016/5/9</a:t>
             </a:fld>
             <a:endParaRPr lang="zh-TW" altLang="en-US"/>
           </a:p>
@@ -3657,7 +3658,7 @@
           <a:p>
             <a:fld id="{5AFC3753-978C-4932-9A4C-82E550D99C66}" type="datetime1">
               <a:rPr lang="zh-TW" altLang="en-US" smtClean="0"/>
-              <a:t>2016/4/30</a:t>
+              <a:t>2016/5/9</a:t>
             </a:fld>
             <a:endParaRPr lang="zh-TW" altLang="en-US"/>
           </a:p>
@@ -3727,6 +3728,563 @@
 </file>
 
 <file path=ppt/slides/slide10.xml><?xml version="1.0" encoding="utf-8"?>
+<p:sld xmlns:a="http://schemas.openxmlformats.org/drawingml/2006/main" xmlns:r="http://schemas.openxmlformats.org/officeDocument/2006/relationships" xmlns:p="http://schemas.openxmlformats.org/presentationml/2006/main">
+  <p:cSld>
+    <p:spTree>
+      <p:nvGrpSpPr>
+        <p:cNvPr id="1" name=""/>
+        <p:cNvGrpSpPr/>
+        <p:nvPr/>
+      </p:nvGrpSpPr>
+      <p:grpSpPr>
+        <a:xfrm>
+          <a:off x="0" y="0"/>
+          <a:ext cx="0" cy="0"/>
+          <a:chOff x="0" y="0"/>
+          <a:chExt cx="0" cy="0"/>
+        </a:xfrm>
+      </p:grpSpPr>
+      <p:sp>
+        <p:nvSpPr>
+          <p:cNvPr id="2" name="標題 1"/>
+          <p:cNvSpPr>
+            <a:spLocks noGrp="1"/>
+          </p:cNvSpPr>
+          <p:nvPr>
+            <p:ph type="title"/>
+          </p:nvPr>
+        </p:nvSpPr>
+        <p:spPr/>
+        <p:txBody>
+          <a:bodyPr>
+            <a:normAutofit fontScale="90000"/>
+          </a:bodyPr>
+          <a:lstStyle/>
+          <a:p>
+            <a:r>
+              <a:rPr lang="en-US" altLang="zh-TW" b="1" dirty="0"/>
+              <a:t>Topic &amp; </a:t>
+            </a:r>
+            <a:r>
+              <a:rPr lang="en-US" altLang="zh-TW" b="1" dirty="0" smtClean="0"/>
+              <a:t>Partition</a:t>
+            </a:r>
+            <a:endParaRPr lang="zh-TW" altLang="en-US" dirty="0"/>
+          </a:p>
+        </p:txBody>
+      </p:sp>
+      <p:sp>
+        <p:nvSpPr>
+          <p:cNvPr id="3" name="內容版面配置區 2"/>
+          <p:cNvSpPr>
+            <a:spLocks noGrp="1"/>
+          </p:cNvSpPr>
+          <p:nvPr>
+            <p:ph idx="1"/>
+          </p:nvPr>
+        </p:nvSpPr>
+        <p:spPr/>
+        <p:txBody>
+          <a:bodyPr>
+            <a:normAutofit/>
+          </a:bodyPr>
+          <a:lstStyle/>
+          <a:p>
+            <a:r>
+              <a:rPr lang="en-US" altLang="zh-TW" sz="2000" dirty="0" smtClean="0"/>
+              <a:t>Topic </a:t>
+            </a:r>
+            <a:r>
+              <a:rPr lang="zh-TW" altLang="en-US" sz="2000" dirty="0" smtClean="0"/>
+              <a:t>在</a:t>
+            </a:r>
+            <a:r>
+              <a:rPr lang="zh-TW" altLang="en-US" sz="2000" dirty="0"/>
+              <a:t>邏輯上可以被認為是一個</a:t>
+            </a:r>
+            <a:r>
+              <a:rPr lang="en-US" altLang="zh-TW" sz="2000" dirty="0" smtClean="0"/>
+              <a:t>queue</a:t>
+            </a:r>
+            <a:r>
+              <a:rPr lang="zh-TW" altLang="en-US" sz="2000" dirty="0" smtClean="0"/>
+              <a:t>，每次 </a:t>
+            </a:r>
+            <a:r>
+              <a:rPr lang="en-US" altLang="zh-TW" sz="2000" dirty="0" smtClean="0"/>
+              <a:t>Produce </a:t>
+            </a:r>
+            <a:r>
+              <a:rPr lang="zh-TW" altLang="en-US" sz="2000" dirty="0" smtClean="0"/>
+              <a:t>或是 </a:t>
+            </a:r>
+            <a:r>
+              <a:rPr lang="en-US" altLang="zh-TW" sz="2000" dirty="0" smtClean="0"/>
+              <a:t>Consume </a:t>
+            </a:r>
+            <a:r>
+              <a:rPr lang="zh-TW" altLang="en-US" sz="2000" dirty="0" smtClean="0"/>
+              <a:t>都</a:t>
+            </a:r>
+            <a:r>
+              <a:rPr lang="zh-TW" altLang="en-US" sz="2000" dirty="0"/>
+              <a:t>必須</a:t>
+            </a:r>
+            <a:r>
+              <a:rPr lang="zh-TW" altLang="en-US" sz="2000" dirty="0" smtClean="0"/>
+              <a:t>指定</a:t>
+            </a:r>
+            <a:r>
+              <a:rPr lang="zh-TW" altLang="en-US" sz="2000" dirty="0"/>
+              <a:t> </a:t>
+            </a:r>
+            <a:r>
+              <a:rPr lang="en-US" altLang="zh-TW" sz="2000" dirty="0" smtClean="0"/>
+              <a:t>topic</a:t>
+            </a:r>
+            <a:r>
+              <a:rPr lang="zh-TW" altLang="en-US" sz="2000" dirty="0"/>
+              <a:t>，可以簡單理解為必須指明把這</a:t>
+            </a:r>
+            <a:r>
+              <a:rPr lang="zh-TW" altLang="en-US" sz="2000" dirty="0" smtClean="0"/>
+              <a:t>條</a:t>
+            </a:r>
+            <a:r>
+              <a:rPr lang="en-US" altLang="zh-TW" sz="2000" dirty="0" smtClean="0"/>
+              <a:t>Message</a:t>
+            </a:r>
+            <a:r>
+              <a:rPr lang="zh-TW" altLang="en-US" sz="2000" dirty="0" smtClean="0"/>
+              <a:t>放進那個</a:t>
+            </a:r>
+            <a:r>
+              <a:rPr lang="en-US" altLang="zh-TW" sz="2000" dirty="0" smtClean="0"/>
+              <a:t>queue</a:t>
+            </a:r>
+            <a:r>
+              <a:rPr lang="zh-TW" altLang="en-US" sz="2000" dirty="0" smtClean="0"/>
+              <a:t>裡</a:t>
+            </a:r>
+            <a:endParaRPr lang="en-US" altLang="zh-TW" sz="2000" dirty="0" smtClean="0"/>
+          </a:p>
+          <a:p>
+            <a:r>
+              <a:rPr lang="zh-TW" altLang="en-US" sz="2000" dirty="0" smtClean="0"/>
+              <a:t>為使吞吐</a:t>
+            </a:r>
+            <a:r>
+              <a:rPr lang="zh-TW" altLang="en-US" sz="2000" dirty="0"/>
+              <a:t>率可以水平擴展，</a:t>
+            </a:r>
+            <a:r>
+              <a:rPr lang="zh-TW" altLang="en-US" sz="2000" dirty="0">
+                <a:solidFill>
+                  <a:srgbClr val="FF0000"/>
+                </a:solidFill>
+              </a:rPr>
+              <a:t>物理上</a:t>
+            </a:r>
+            <a:r>
+              <a:rPr lang="zh-TW" altLang="en-US" sz="2000" dirty="0" smtClean="0">
+                <a:solidFill>
+                  <a:srgbClr val="FF0000"/>
+                </a:solidFill>
+              </a:rPr>
+              <a:t>把 </a:t>
+            </a:r>
+            <a:r>
+              <a:rPr lang="en-US" altLang="zh-TW" sz="2000" dirty="0" smtClean="0">
+                <a:solidFill>
+                  <a:srgbClr val="FF0000"/>
+                </a:solidFill>
+              </a:rPr>
+              <a:t>topic </a:t>
+            </a:r>
+            <a:r>
+              <a:rPr lang="zh-TW" altLang="en-US" sz="2000" dirty="0" smtClean="0">
+                <a:solidFill>
+                  <a:srgbClr val="FF0000"/>
+                </a:solidFill>
+              </a:rPr>
+              <a:t>分成</a:t>
+            </a:r>
+            <a:r>
+              <a:rPr lang="zh-TW" altLang="en-US" sz="2000" dirty="0">
+                <a:solidFill>
+                  <a:srgbClr val="FF0000"/>
+                </a:solidFill>
+              </a:rPr>
+              <a:t>一個或多個</a:t>
+            </a:r>
+            <a:r>
+              <a:rPr lang="en-US" altLang="zh-TW" sz="2000" dirty="0">
+                <a:solidFill>
+                  <a:srgbClr val="FF0000"/>
+                </a:solidFill>
+              </a:rPr>
+              <a:t>partition</a:t>
+            </a:r>
+            <a:r>
+              <a:rPr lang="zh-TW" altLang="en-US" sz="2000" dirty="0">
+                <a:solidFill>
+                  <a:srgbClr val="FF0000"/>
+                </a:solidFill>
+              </a:rPr>
+              <a:t>，每</a:t>
+            </a:r>
+            <a:r>
+              <a:rPr lang="zh-TW" altLang="en-US" sz="2000" dirty="0" smtClean="0">
+                <a:solidFill>
+                  <a:srgbClr val="FF0000"/>
+                </a:solidFill>
+              </a:rPr>
+              <a:t>個 </a:t>
+            </a:r>
+            <a:r>
+              <a:rPr lang="en-US" altLang="zh-TW" sz="2000" dirty="0" smtClean="0">
+                <a:solidFill>
+                  <a:srgbClr val="FF0000"/>
+                </a:solidFill>
+              </a:rPr>
+              <a:t>partition </a:t>
+            </a:r>
+            <a:r>
+              <a:rPr lang="zh-TW" altLang="en-US" sz="2000" dirty="0" smtClean="0">
+                <a:solidFill>
+                  <a:srgbClr val="FF0000"/>
+                </a:solidFill>
+              </a:rPr>
+              <a:t>在</a:t>
+            </a:r>
+            <a:r>
+              <a:rPr lang="zh-TW" altLang="en-US" sz="2000" dirty="0">
+                <a:solidFill>
+                  <a:srgbClr val="FF0000"/>
+                </a:solidFill>
+              </a:rPr>
+              <a:t>物理上對應一個文件夾</a:t>
+            </a:r>
+            <a:r>
+              <a:rPr lang="zh-TW" altLang="en-US" sz="2000" dirty="0"/>
+              <a:t>，該文件夾</a:t>
+            </a:r>
+            <a:r>
+              <a:rPr lang="zh-TW" altLang="en-US" sz="2000" dirty="0" smtClean="0"/>
+              <a:t>下儲存這個 </a:t>
+            </a:r>
+            <a:r>
+              <a:rPr lang="en-US" altLang="zh-TW" sz="2000" dirty="0" smtClean="0"/>
+              <a:t>partition </a:t>
+            </a:r>
+            <a:r>
+              <a:rPr lang="zh-TW" altLang="en-US" sz="2000" dirty="0" smtClean="0"/>
+              <a:t>的所有</a:t>
+            </a:r>
+            <a:r>
+              <a:rPr lang="en-US" altLang="zh-TW" sz="2000" dirty="0" smtClean="0"/>
+              <a:t>Message</a:t>
+            </a:r>
+            <a:r>
+              <a:rPr lang="zh-TW" altLang="en-US" sz="2000" dirty="0" smtClean="0"/>
+              <a:t>和</a:t>
+            </a:r>
+            <a:r>
+              <a:rPr lang="zh-TW" altLang="en-US" sz="2000" dirty="0"/>
+              <a:t>索引文件</a:t>
+            </a:r>
+            <a:r>
+              <a:rPr lang="zh-TW" altLang="en-US" sz="2000" dirty="0" smtClean="0"/>
+              <a:t>。</a:t>
+            </a:r>
+            <a:endParaRPr lang="en-US" altLang="zh-TW" sz="2000" dirty="0" smtClean="0"/>
+          </a:p>
+          <a:p>
+            <a:r>
+              <a:rPr lang="zh-TW" altLang="en-US" sz="2000" dirty="0"/>
+              <a:t>每個日誌文件都</a:t>
+            </a:r>
+            <a:r>
+              <a:rPr lang="zh-TW" altLang="en-US" sz="2000" dirty="0" smtClean="0"/>
+              <a:t>是 </a:t>
+            </a:r>
+            <a:r>
+              <a:rPr lang="en-US" altLang="zh-TW" sz="2000" dirty="0" smtClean="0"/>
+              <a:t>log entries</a:t>
+            </a:r>
+            <a:r>
+              <a:rPr lang="zh-TW" altLang="en-US" sz="2000" dirty="0" smtClean="0"/>
+              <a:t>，每條 </a:t>
+            </a:r>
+            <a:r>
+              <a:rPr lang="en-US" altLang="zh-TW" sz="2000" dirty="0" smtClean="0"/>
+              <a:t>Message </a:t>
+            </a:r>
+            <a:r>
+              <a:rPr lang="zh-TW" altLang="en-US" sz="2000" dirty="0" smtClean="0"/>
+              <a:t>都</a:t>
+            </a:r>
+            <a:r>
+              <a:rPr lang="zh-TW" altLang="en-US" sz="2000" dirty="0"/>
+              <a:t>有一個當前</a:t>
+            </a:r>
+            <a:r>
+              <a:rPr lang="en-US" altLang="zh-TW" sz="2000" dirty="0"/>
+              <a:t>partition</a:t>
+            </a:r>
+            <a:r>
+              <a:rPr lang="zh-TW" altLang="en-US" sz="2000" dirty="0"/>
+              <a:t>下唯一</a:t>
+            </a:r>
+            <a:r>
+              <a:rPr lang="zh-TW" altLang="en-US" sz="2000" dirty="0" smtClean="0"/>
+              <a:t>的 </a:t>
+            </a:r>
+            <a:r>
+              <a:rPr lang="en-US" altLang="zh-TW" sz="2000" dirty="0" smtClean="0"/>
+              <a:t>64 </a:t>
+            </a:r>
+            <a:r>
+              <a:rPr lang="zh-TW" altLang="en-US" sz="2000" dirty="0" smtClean="0"/>
+              <a:t>位元的 </a:t>
+            </a:r>
+            <a:r>
+              <a:rPr lang="en-US" altLang="zh-TW" sz="2000" dirty="0" smtClean="0"/>
+              <a:t>Offset</a:t>
+            </a:r>
+            <a:r>
+              <a:rPr lang="zh-TW" altLang="en-US" sz="2000" dirty="0" smtClean="0"/>
+              <a:t>，說明</a:t>
+            </a:r>
+            <a:r>
+              <a:rPr lang="en-US" altLang="zh-TW" sz="2000" dirty="0" smtClean="0"/>
+              <a:t>Message</a:t>
+            </a:r>
+            <a:r>
+              <a:rPr lang="zh-TW" altLang="en-US" sz="2000" dirty="0" smtClean="0"/>
+              <a:t>的</a:t>
+            </a:r>
+            <a:r>
+              <a:rPr lang="zh-TW" altLang="en-US" sz="2000" dirty="0"/>
+              <a:t>起始</a:t>
+            </a:r>
+            <a:r>
+              <a:rPr lang="zh-TW" altLang="en-US" sz="2000" dirty="0" smtClean="0"/>
+              <a:t>位置</a:t>
+            </a:r>
+            <a:endParaRPr lang="en-US" altLang="zh-TW" sz="2000" dirty="0" smtClean="0"/>
+          </a:p>
+          <a:p>
+            <a:r>
+              <a:rPr lang="zh-TW" altLang="en-US" sz="2000" dirty="0" smtClean="0"/>
+              <a:t>實際儲存的格式</a:t>
+            </a:r>
+            <a:r>
+              <a:rPr lang="zh-TW" altLang="en-US" sz="2000" dirty="0"/>
+              <a:t>如下： </a:t>
+            </a:r>
+            <a:br>
+              <a:rPr lang="zh-TW" altLang="en-US" sz="2000" dirty="0"/>
+            </a:br>
+            <a:r>
+              <a:rPr lang="en-US" altLang="zh-TW" sz="2000" dirty="0"/>
+              <a:t>message length </a:t>
+            </a:r>
+            <a:r>
+              <a:rPr lang="zh-TW" altLang="en-US" sz="2000" dirty="0"/>
+              <a:t>： </a:t>
+            </a:r>
+            <a:r>
+              <a:rPr lang="en-US" altLang="zh-TW" sz="2000" dirty="0"/>
+              <a:t>4 bytes (value: 1+4+n) </a:t>
+            </a:r>
+            <a:br>
+              <a:rPr lang="en-US" altLang="zh-TW" sz="2000" dirty="0"/>
+            </a:br>
+            <a:r>
+              <a:rPr lang="en-US" altLang="zh-TW" sz="2000" dirty="0" smtClean="0"/>
+              <a:t>magic </a:t>
+            </a:r>
+            <a:r>
+              <a:rPr lang="en-US" altLang="zh-TW" sz="2000" dirty="0"/>
+              <a:t>value </a:t>
+            </a:r>
+            <a:r>
+              <a:rPr lang="zh-TW" altLang="en-US" sz="2000" dirty="0"/>
+              <a:t>： </a:t>
+            </a:r>
+            <a:r>
+              <a:rPr lang="en-US" altLang="zh-TW" sz="2000" dirty="0"/>
+              <a:t>1 byte </a:t>
+            </a:r>
+            <a:br>
+              <a:rPr lang="en-US" altLang="zh-TW" sz="2000" dirty="0"/>
+            </a:br>
+            <a:r>
+              <a:rPr lang="en-US" altLang="zh-TW" sz="2000" dirty="0" err="1"/>
+              <a:t>crc</a:t>
+            </a:r>
+            <a:r>
+              <a:rPr lang="en-US" altLang="zh-TW" sz="2000" dirty="0"/>
+              <a:t> </a:t>
+            </a:r>
+            <a:r>
+              <a:rPr lang="zh-TW" altLang="en-US" sz="2000" dirty="0"/>
+              <a:t>： </a:t>
+            </a:r>
+            <a:r>
+              <a:rPr lang="en-US" altLang="zh-TW" sz="2000" dirty="0"/>
+              <a:t>4 bytes </a:t>
+            </a:r>
+            <a:br>
+              <a:rPr lang="en-US" altLang="zh-TW" sz="2000" dirty="0"/>
+            </a:br>
+            <a:r>
+              <a:rPr lang="en-US" altLang="zh-TW" sz="2000" dirty="0"/>
+              <a:t>payload </a:t>
+            </a:r>
+            <a:r>
+              <a:rPr lang="zh-TW" altLang="en-US" sz="2000" dirty="0"/>
+              <a:t>： </a:t>
+            </a:r>
+            <a:r>
+              <a:rPr lang="en-US" altLang="zh-TW" sz="2000" dirty="0"/>
+              <a:t>n bytes </a:t>
+            </a:r>
+          </a:p>
+          <a:p>
+            <a:endParaRPr lang="zh-TW" altLang="en-US" sz="2000" dirty="0"/>
+          </a:p>
+        </p:txBody>
+      </p:sp>
+      <p:pic>
+        <p:nvPicPr>
+          <p:cNvPr id="2050" name="Picture 2" descr="http://www.jasongj.com/img/KafkaAnalysis/topic-partition.png"/>
+          <p:cNvPicPr>
+            <a:picLocks noChangeAspect="1" noChangeArrowheads="1"/>
+          </p:cNvPicPr>
+          <p:nvPr/>
+        </p:nvPicPr>
+        <p:blipFill>
+          <a:blip r:embed="rId2">
+            <a:extLst>
+              <a:ext uri="{28A0092B-C50C-407E-A947-70E740481C1C}">
+                <a14:useLocalDpi xmlns:a14="http://schemas.microsoft.com/office/drawing/2010/main" val="0"/>
+              </a:ext>
+            </a:extLst>
+          </a:blip>
+          <a:srcRect/>
+          <a:stretch>
+            <a:fillRect/>
+          </a:stretch>
+        </p:blipFill>
+        <p:spPr bwMode="auto">
+          <a:xfrm>
+            <a:off x="7340311" y="171163"/>
+            <a:ext cx="1421823" cy="900488"/>
+          </a:xfrm>
+          <a:prstGeom prst="rect">
+            <a:avLst/>
+          </a:prstGeom>
+          <a:noFill/>
+          <a:extLst>
+            <a:ext uri="{909E8E84-426E-40DD-AFC4-6F175D3DCCD1}">
+              <a14:hiddenFill xmlns:a14="http://schemas.microsoft.com/office/drawing/2010/main">
+                <a:solidFill>
+                  <a:srgbClr val="FFFFFF"/>
+                </a:solidFill>
+              </a14:hiddenFill>
+            </a:ext>
+          </a:extLst>
+        </p:spPr>
+      </p:pic>
+      <p:sp>
+        <p:nvSpPr>
+          <p:cNvPr id="6" name="日期版面配置區 5"/>
+          <p:cNvSpPr>
+            <a:spLocks noGrp="1"/>
+          </p:cNvSpPr>
+          <p:nvPr>
+            <p:ph type="dt" sz="half" idx="10"/>
+          </p:nvPr>
+        </p:nvSpPr>
+        <p:spPr/>
+        <p:txBody>
+          <a:bodyPr/>
+          <a:lstStyle/>
+          <a:p>
+            <a:fld id="{A6B4FD63-7106-40F1-B88D-68961FD465AA}" type="datetime1">
+              <a:rPr lang="zh-TW" altLang="en-US" smtClean="0"/>
+              <a:t>2016/5/9</a:t>
+            </a:fld>
+            <a:endParaRPr lang="zh-TW" altLang="en-US"/>
+          </a:p>
+        </p:txBody>
+      </p:sp>
+      <p:sp>
+        <p:nvSpPr>
+          <p:cNvPr id="7" name="頁尾版面配置區 6"/>
+          <p:cNvSpPr>
+            <a:spLocks noGrp="1"/>
+          </p:cNvSpPr>
+          <p:nvPr>
+            <p:ph type="ftr" sz="quarter" idx="11"/>
+          </p:nvPr>
+        </p:nvSpPr>
+        <p:spPr/>
+        <p:txBody>
+          <a:bodyPr/>
+          <a:lstStyle/>
+          <a:p>
+            <a:r>
+              <a:rPr lang="en-US" altLang="zh-TW" smtClean="0"/>
+              <a:t>RETchat </a:t>
+            </a:r>
+            <a:r>
+              <a:rPr lang="zh-TW" altLang="en-US" smtClean="0"/>
+              <a:t>內部教學文件</a:t>
+            </a:r>
+            <a:endParaRPr lang="zh-TW" altLang="en-US"/>
+          </a:p>
+        </p:txBody>
+      </p:sp>
+      <p:sp>
+        <p:nvSpPr>
+          <p:cNvPr id="8" name="投影片編號版面配置區 7"/>
+          <p:cNvSpPr>
+            <a:spLocks noGrp="1"/>
+          </p:cNvSpPr>
+          <p:nvPr>
+            <p:ph type="sldNum" sz="quarter" idx="12"/>
+          </p:nvPr>
+        </p:nvSpPr>
+        <p:spPr/>
+        <p:txBody>
+          <a:bodyPr/>
+          <a:lstStyle/>
+          <a:p>
+            <a:fld id="{C4CC8384-60E7-446C-ABEF-271B71B81947}" type="slidenum">
+              <a:rPr lang="zh-TW" altLang="en-US" smtClean="0"/>
+              <a:t>10</a:t>
+            </a:fld>
+            <a:endParaRPr lang="zh-TW" altLang="en-US"/>
+          </a:p>
+        </p:txBody>
+      </p:sp>
+    </p:spTree>
+    <p:extLst>
+      <p:ext uri="{BB962C8B-B14F-4D97-AF65-F5344CB8AC3E}">
+        <p14:creationId xmlns:p14="http://schemas.microsoft.com/office/powerpoint/2010/main" val="4225512896"/>
+      </p:ext>
+    </p:extLst>
+  </p:cSld>
+  <p:clrMapOvr>
+    <a:masterClrMapping/>
+  </p:clrMapOvr>
+</p:sld>
+</file>
+
+<file path=ppt/slides/slide11.xml><?xml version="1.0" encoding="utf-8"?>
 <p:sld xmlns:a="http://schemas.openxmlformats.org/drawingml/2006/main" xmlns:r="http://schemas.openxmlformats.org/officeDocument/2006/relationships" xmlns:p="http://schemas.openxmlformats.org/presentationml/2006/main">
   <p:cSld>
     <p:spTree>
@@ -4022,7 +4580,7 @@
           <a:p>
             <a:fld id="{A6A31CAC-DC56-428A-8743-87B0D65039D8}" type="datetime1">
               <a:rPr lang="zh-TW" altLang="en-US" smtClean="0"/>
-              <a:t>2016/4/30</a:t>
+              <a:t>2016/5/9</a:t>
             </a:fld>
             <a:endParaRPr lang="zh-TW" altLang="en-US"/>
           </a:p>
@@ -4072,7 +4630,7 @@
           <a:p>
             <a:fld id="{C4CC8384-60E7-446C-ABEF-271B71B81947}" type="slidenum">
               <a:rPr lang="zh-TW" altLang="en-US" smtClean="0"/>
-              <a:t>10</a:t>
+              <a:t>11</a:t>
             </a:fld>
             <a:endParaRPr lang="zh-TW" altLang="en-US"/>
           </a:p>
@@ -4091,7 +4649,7 @@
 </p:sld>
 </file>
 
-<file path=ppt/slides/slide11.xml><?xml version="1.0" encoding="utf-8"?>
+<file path=ppt/slides/slide12.xml><?xml version="1.0" encoding="utf-8"?>
 <p:sld xmlns:a="http://schemas.openxmlformats.org/drawingml/2006/main" xmlns:r="http://schemas.openxmlformats.org/officeDocument/2006/relationships" xmlns:p="http://schemas.openxmlformats.org/presentationml/2006/main">
   <p:cSld>
     <p:spTree>
@@ -4438,7 +4996,7 @@
           <a:p>
             <a:fld id="{92D689F0-93C6-4C05-849C-0706C5E0351F}" type="datetime1">
               <a:rPr lang="zh-TW" altLang="en-US" smtClean="0"/>
-              <a:t>2016/4/30</a:t>
+              <a:t>2016/5/9</a:t>
             </a:fld>
             <a:endParaRPr lang="zh-TW" altLang="en-US"/>
           </a:p>
@@ -4488,7 +5046,7 @@
           <a:p>
             <a:fld id="{C4CC8384-60E7-446C-ABEF-271B71B81947}" type="slidenum">
               <a:rPr lang="zh-TW" altLang="en-US" smtClean="0"/>
-              <a:t>11</a:t>
+              <a:t>12</a:t>
             </a:fld>
             <a:endParaRPr lang="zh-TW" altLang="en-US"/>
           </a:p>
@@ -4548,7 +5106,7 @@
 </p:sld>
 </file>
 
-<file path=ppt/slides/slide12.xml><?xml version="1.0" encoding="utf-8"?>
+<file path=ppt/slides/slide13.xml><?xml version="1.0" encoding="utf-8"?>
 <p:sld xmlns:a="http://schemas.openxmlformats.org/drawingml/2006/main" xmlns:r="http://schemas.openxmlformats.org/officeDocument/2006/relationships" xmlns:p="http://schemas.openxmlformats.org/presentationml/2006/main">
   <p:cSld>
     <p:spTree>
@@ -5045,7 +5603,7 @@
           <a:p>
             <a:fld id="{92D689F0-93C6-4C05-849C-0706C5E0351F}" type="datetime1">
               <a:rPr lang="zh-TW" altLang="en-US" smtClean="0"/>
-              <a:t>2016/4/30</a:t>
+              <a:t>2016/5/9</a:t>
             </a:fld>
             <a:endParaRPr lang="zh-TW" altLang="en-US"/>
           </a:p>
@@ -5095,7 +5653,7 @@
           <a:p>
             <a:fld id="{C4CC8384-60E7-446C-ABEF-271B71B81947}" type="slidenum">
               <a:rPr lang="zh-TW" altLang="en-US" smtClean="0"/>
-              <a:t>12</a:t>
+              <a:t>13</a:t>
             </a:fld>
             <a:endParaRPr lang="zh-TW" altLang="en-US"/>
           </a:p>
@@ -5381,636 +5939,6 @@
     <p:extLst>
       <p:ext uri="{BB962C8B-B14F-4D97-AF65-F5344CB8AC3E}">
         <p14:creationId xmlns:p14="http://schemas.microsoft.com/office/powerpoint/2010/main" val="3419793443"/>
-      </p:ext>
-    </p:extLst>
-  </p:cSld>
-  <p:clrMapOvr>
-    <a:masterClrMapping/>
-  </p:clrMapOvr>
-</p:sld>
-</file>
-
-<file path=ppt/slides/slide13.xml><?xml version="1.0" encoding="utf-8"?>
-<p:sld xmlns:a="http://schemas.openxmlformats.org/drawingml/2006/main" xmlns:r="http://schemas.openxmlformats.org/officeDocument/2006/relationships" xmlns:p="http://schemas.openxmlformats.org/presentationml/2006/main">
-  <p:cSld>
-    <p:spTree>
-      <p:nvGrpSpPr>
-        <p:cNvPr id="1" name=""/>
-        <p:cNvGrpSpPr/>
-        <p:nvPr/>
-      </p:nvGrpSpPr>
-      <p:grpSpPr>
-        <a:xfrm>
-          <a:off x="0" y="0"/>
-          <a:ext cx="0" cy="0"/>
-          <a:chOff x="0" y="0"/>
-          <a:chExt cx="0" cy="0"/>
-        </a:xfrm>
-      </p:grpSpPr>
-      <p:sp>
-        <p:nvSpPr>
-          <p:cNvPr id="2" name="標題 1"/>
-          <p:cNvSpPr>
-            <a:spLocks noGrp="1"/>
-          </p:cNvSpPr>
-          <p:nvPr>
-            <p:ph type="title"/>
-          </p:nvPr>
-        </p:nvSpPr>
-        <p:spPr/>
-        <p:txBody>
-          <a:bodyPr>
-            <a:normAutofit fontScale="90000"/>
-          </a:bodyPr>
-          <a:lstStyle/>
-          <a:p>
-            <a:r>
-              <a:rPr lang="en-US" altLang="zh-TW" b="1" dirty="0" smtClean="0"/>
-              <a:t>Replication</a:t>
-            </a:r>
-            <a:endParaRPr lang="zh-TW" altLang="en-US" dirty="0"/>
-          </a:p>
-        </p:txBody>
-      </p:sp>
-      <p:sp>
-        <p:nvSpPr>
-          <p:cNvPr id="3" name="內容版面配置區 2"/>
-          <p:cNvSpPr>
-            <a:spLocks noGrp="1"/>
-          </p:cNvSpPr>
-          <p:nvPr>
-            <p:ph idx="1"/>
-          </p:nvPr>
-        </p:nvSpPr>
-        <p:spPr/>
-        <p:txBody>
-          <a:bodyPr>
-            <a:normAutofit/>
-          </a:bodyPr>
-          <a:lstStyle/>
-          <a:p>
-            <a:r>
-              <a:rPr lang="zh-TW" altLang="en-US" sz="2000" dirty="0" smtClean="0"/>
-              <a:t>提供 </a:t>
-            </a:r>
-            <a:r>
-              <a:rPr lang="en-US" altLang="zh-TW" sz="2000" dirty="0" smtClean="0"/>
-              <a:t>partition </a:t>
-            </a:r>
-            <a:r>
-              <a:rPr lang="zh-TW" altLang="en-US" sz="2000" dirty="0" smtClean="0"/>
-              <a:t>級別</a:t>
-            </a:r>
-            <a:r>
-              <a:rPr lang="zh-TW" altLang="en-US" sz="2000" dirty="0"/>
-              <a:t>的</a:t>
-            </a:r>
-            <a:r>
-              <a:rPr lang="en-US" altLang="zh-TW" sz="2000" dirty="0"/>
-              <a:t>replication</a:t>
-            </a:r>
-            <a:r>
-              <a:rPr lang="zh-TW" altLang="en-US" sz="2000" dirty="0" smtClean="0"/>
-              <a:t>，數量</a:t>
-            </a:r>
-            <a:r>
-              <a:rPr lang="zh-TW" altLang="en-US" sz="2000" dirty="0"/>
-              <a:t>可在</a:t>
-            </a:r>
-            <a:r>
-              <a:rPr lang="en-US" altLang="zh-TW" sz="2000" dirty="0" smtClean="0"/>
-              <a:t>$</a:t>
-            </a:r>
-            <a:r>
-              <a:rPr lang="en-US" altLang="zh-TW" sz="2000" dirty="0" err="1" smtClean="0"/>
-              <a:t>Kafka_HOME</a:t>
-            </a:r>
-            <a:r>
-              <a:rPr lang="en-US" altLang="zh-TW" sz="2000" dirty="0" smtClean="0"/>
-              <a:t>/</a:t>
-            </a:r>
-            <a:r>
-              <a:rPr lang="en-US" altLang="zh-TW" sz="2000" dirty="0" err="1" smtClean="0"/>
-              <a:t>config</a:t>
-            </a:r>
-            <a:r>
-              <a:rPr lang="en-US" altLang="zh-TW" sz="2000" dirty="0" smtClean="0"/>
-              <a:t>/</a:t>
-            </a:r>
-            <a:r>
-              <a:rPr lang="en-US" altLang="zh-TW" sz="2000" dirty="0" err="1" smtClean="0"/>
-              <a:t>server.properties</a:t>
-            </a:r>
-            <a:r>
-              <a:rPr lang="zh-TW" altLang="en-US" sz="2000" dirty="0"/>
-              <a:t>中</a:t>
-            </a:r>
-            <a:r>
-              <a:rPr lang="zh-TW" altLang="en-US" sz="2000" dirty="0" smtClean="0"/>
-              <a:t>配置</a:t>
-            </a:r>
-            <a:endParaRPr lang="en-US" altLang="zh-TW" sz="2000" dirty="0" smtClean="0"/>
-          </a:p>
-          <a:p>
-            <a:pPr lvl="1"/>
-            <a:r>
-              <a:rPr lang="en-US" altLang="zh-TW" sz="1800" dirty="0"/>
-              <a:t> </a:t>
-            </a:r>
-            <a:r>
-              <a:rPr lang="en-US" altLang="zh-TW" sz="1800" dirty="0" err="1" smtClean="0"/>
-              <a:t>default.replication.factor</a:t>
-            </a:r>
-            <a:r>
-              <a:rPr lang="en-US" altLang="zh-TW" sz="1800" dirty="0" smtClean="0"/>
-              <a:t> </a:t>
-            </a:r>
-            <a:r>
-              <a:rPr lang="en-US" altLang="zh-TW" sz="1800" dirty="0"/>
-              <a:t>= 1 </a:t>
-            </a:r>
-            <a:endParaRPr lang="en-US" altLang="zh-TW" sz="1800" dirty="0" smtClean="0"/>
-          </a:p>
-          <a:p>
-            <a:r>
-              <a:rPr lang="en-US" altLang="zh-TW" sz="2000" dirty="0" smtClean="0">
-                <a:solidFill>
-                  <a:srgbClr val="FF0000"/>
-                </a:solidFill>
-              </a:rPr>
-              <a:t>Replication </a:t>
-            </a:r>
-            <a:r>
-              <a:rPr lang="zh-TW" altLang="en-US" sz="2000" dirty="0" smtClean="0">
-                <a:solidFill>
-                  <a:srgbClr val="FF0000"/>
-                </a:solidFill>
-              </a:rPr>
-              <a:t>與 </a:t>
-            </a:r>
-            <a:r>
-              <a:rPr lang="en-US" altLang="zh-TW" sz="2000" dirty="0" smtClean="0">
-                <a:solidFill>
-                  <a:srgbClr val="FF0000"/>
-                </a:solidFill>
-              </a:rPr>
-              <a:t>leader election </a:t>
-            </a:r>
-            <a:r>
-              <a:rPr lang="zh-TW" altLang="en-US" sz="2000" dirty="0" smtClean="0">
-                <a:solidFill>
-                  <a:srgbClr val="FF0000"/>
-                </a:solidFill>
-              </a:rPr>
-              <a:t>提供自動</a:t>
-            </a:r>
-            <a:r>
-              <a:rPr lang="zh-TW" altLang="en-US" sz="2000" dirty="0">
-                <a:solidFill>
-                  <a:srgbClr val="FF0000"/>
-                </a:solidFill>
-              </a:rPr>
-              <a:t>的</a:t>
-            </a:r>
-            <a:r>
-              <a:rPr lang="en-US" altLang="zh-TW" sz="2000" dirty="0">
-                <a:solidFill>
-                  <a:srgbClr val="FF0000"/>
-                </a:solidFill>
-              </a:rPr>
-              <a:t>failover</a:t>
-            </a:r>
-            <a:r>
-              <a:rPr lang="zh-TW" altLang="en-US" sz="2000" dirty="0" smtClean="0">
-                <a:solidFill>
-                  <a:srgbClr val="FF0000"/>
-                </a:solidFill>
-              </a:rPr>
-              <a:t>機制</a:t>
-            </a:r>
-            <a:endParaRPr lang="en-US" altLang="zh-TW" sz="2000" dirty="0">
-              <a:solidFill>
-                <a:srgbClr val="FF0000"/>
-              </a:solidFill>
-            </a:endParaRPr>
-          </a:p>
-          <a:p>
-            <a:pPr lvl="1"/>
-            <a:r>
-              <a:rPr lang="en-US" altLang="zh-TW" sz="1800" dirty="0" smtClean="0"/>
-              <a:t>Replication </a:t>
-            </a:r>
-            <a:r>
-              <a:rPr lang="zh-TW" altLang="en-US" sz="1800" dirty="0" smtClean="0"/>
-              <a:t>對 </a:t>
-            </a:r>
-            <a:r>
-              <a:rPr lang="en-US" altLang="zh-TW" sz="1800" dirty="0" smtClean="0"/>
-              <a:t>Kafka </a:t>
-            </a:r>
-            <a:r>
-              <a:rPr lang="zh-TW" altLang="en-US" sz="1800" dirty="0" smtClean="0"/>
-              <a:t>的</a:t>
-            </a:r>
-            <a:r>
-              <a:rPr lang="zh-TW" altLang="en-US" sz="1800" dirty="0"/>
-              <a:t>吞吐率是有一定影響的，但極大的增強了</a:t>
-            </a:r>
-            <a:r>
-              <a:rPr lang="zh-TW" altLang="en-US" sz="1800" dirty="0" smtClean="0"/>
-              <a:t>可用性</a:t>
-            </a:r>
-            <a:endParaRPr lang="en-US" altLang="zh-TW" sz="1800" dirty="0"/>
-          </a:p>
-          <a:p>
-            <a:pPr lvl="1"/>
-            <a:r>
-              <a:rPr lang="en-US" altLang="zh-TW" sz="1800" dirty="0" smtClean="0">
-                <a:solidFill>
-                  <a:srgbClr val="FF0000"/>
-                </a:solidFill>
-              </a:rPr>
-              <a:t>replication </a:t>
-            </a:r>
-            <a:r>
-              <a:rPr lang="zh-TW" altLang="en-US" sz="1800" dirty="0" smtClean="0">
-                <a:solidFill>
-                  <a:srgbClr val="FF0000"/>
-                </a:solidFill>
-              </a:rPr>
-              <a:t>數量預設為 </a:t>
-            </a:r>
-            <a:r>
-              <a:rPr lang="en-US" altLang="zh-TW" sz="1800" dirty="0" smtClean="0">
-                <a:solidFill>
-                  <a:srgbClr val="FF0000"/>
-                </a:solidFill>
-              </a:rPr>
-              <a:t>1</a:t>
-            </a:r>
-            <a:r>
-              <a:rPr lang="zh-TW" altLang="en-US" sz="1800" dirty="0" smtClean="0"/>
-              <a:t>，每個 </a:t>
-            </a:r>
-            <a:r>
-              <a:rPr lang="en-US" altLang="zh-TW" sz="1800" dirty="0" smtClean="0"/>
-              <a:t>partition </a:t>
-            </a:r>
-            <a:r>
-              <a:rPr lang="zh-TW" altLang="en-US" sz="1800" dirty="0" smtClean="0"/>
-              <a:t>都</a:t>
-            </a:r>
-            <a:r>
-              <a:rPr lang="zh-TW" altLang="en-US" sz="1800" dirty="0"/>
-              <a:t>有一個唯一</a:t>
-            </a:r>
-            <a:r>
-              <a:rPr lang="zh-TW" altLang="en-US" sz="1800" dirty="0" smtClean="0"/>
-              <a:t>的 </a:t>
-            </a:r>
-            <a:r>
-              <a:rPr lang="en-US" altLang="zh-TW" sz="1800" dirty="0" smtClean="0"/>
-              <a:t>leader</a:t>
-            </a:r>
-            <a:r>
-              <a:rPr lang="zh-TW" altLang="en-US" sz="1800" dirty="0" smtClean="0"/>
-              <a:t>，</a:t>
-            </a:r>
-            <a:r>
-              <a:rPr lang="zh-TW" altLang="en-US" sz="1800" dirty="0"/>
-              <a:t>所有的讀寫操作都在</a:t>
-            </a:r>
-            <a:r>
-              <a:rPr lang="en-US" altLang="zh-TW" sz="1800" dirty="0"/>
-              <a:t>leader</a:t>
-            </a:r>
-            <a:r>
-              <a:rPr lang="zh-TW" altLang="en-US" sz="1800" dirty="0"/>
-              <a:t>上</a:t>
-            </a:r>
-            <a:r>
-              <a:rPr lang="zh-TW" altLang="en-US" sz="1800" dirty="0" smtClean="0"/>
-              <a:t>完成</a:t>
-            </a:r>
-            <a:endParaRPr lang="en-US" altLang="zh-TW" sz="1800" dirty="0" smtClean="0"/>
-          </a:p>
-          <a:p>
-            <a:pPr lvl="1"/>
-            <a:r>
-              <a:rPr lang="zh-TW" altLang="en-US" sz="1800" dirty="0" smtClean="0"/>
-              <a:t>一般 </a:t>
-            </a:r>
-            <a:r>
-              <a:rPr lang="en-US" altLang="zh-TW" sz="1800" dirty="0" smtClean="0"/>
-              <a:t>partition </a:t>
-            </a:r>
-            <a:r>
-              <a:rPr lang="zh-TW" altLang="en-US" sz="1800" dirty="0" smtClean="0"/>
-              <a:t>的</a:t>
-            </a:r>
-            <a:r>
-              <a:rPr lang="zh-TW" altLang="en-US" sz="1800" dirty="0"/>
-              <a:t>數量大於</a:t>
-            </a:r>
-            <a:r>
-              <a:rPr lang="zh-TW" altLang="en-US" sz="1800" dirty="0" smtClean="0"/>
-              <a:t>等於</a:t>
-            </a:r>
-            <a:r>
-              <a:rPr lang="en-US" altLang="zh-TW" sz="1800" dirty="0" smtClean="0"/>
-              <a:t>Broker</a:t>
-            </a:r>
-            <a:r>
-              <a:rPr lang="zh-TW" altLang="en-US" sz="1800" dirty="0" smtClean="0"/>
-              <a:t>的</a:t>
-            </a:r>
-            <a:r>
-              <a:rPr lang="zh-TW" altLang="en-US" sz="1800" dirty="0"/>
-              <a:t>數量，並且</a:t>
-            </a:r>
-            <a:r>
-              <a:rPr lang="zh-TW" altLang="en-US" sz="1800" dirty="0" smtClean="0"/>
-              <a:t>所有 </a:t>
-            </a:r>
-            <a:r>
-              <a:rPr lang="en-US" altLang="zh-TW" sz="1800" dirty="0" smtClean="0"/>
-              <a:t>partition </a:t>
-            </a:r>
-            <a:r>
-              <a:rPr lang="zh-TW" altLang="en-US" sz="1800" dirty="0" smtClean="0"/>
-              <a:t>的 </a:t>
-            </a:r>
-            <a:r>
-              <a:rPr lang="en-US" altLang="zh-TW" sz="1800" dirty="0" smtClean="0"/>
-              <a:t>leader </a:t>
-            </a:r>
-            <a:r>
-              <a:rPr lang="zh-TW" altLang="en-US" sz="1800" dirty="0" smtClean="0"/>
-              <a:t>均勻</a:t>
-            </a:r>
-            <a:r>
-              <a:rPr lang="zh-TW" altLang="en-US" sz="1800" dirty="0"/>
-              <a:t>分佈</a:t>
-            </a:r>
-            <a:r>
-              <a:rPr lang="zh-TW" altLang="en-US" sz="1800" dirty="0" smtClean="0"/>
-              <a:t>在 </a:t>
-            </a:r>
-            <a:r>
-              <a:rPr lang="en-US" altLang="zh-TW" sz="1800" dirty="0" smtClean="0"/>
-              <a:t>Broker</a:t>
-            </a:r>
-            <a:r>
-              <a:rPr lang="zh-TW" altLang="en-US" sz="1800" dirty="0" smtClean="0"/>
-              <a:t>上。</a:t>
-            </a:r>
-          </a:p>
-          <a:p>
-            <a:r>
-              <a:rPr lang="zh-TW" altLang="en-US" sz="2000" dirty="0" smtClean="0"/>
-              <a:t>對於 </a:t>
-            </a:r>
-            <a:r>
-              <a:rPr lang="en-US" altLang="zh-TW" sz="2000" dirty="0" smtClean="0"/>
-              <a:t>Kafka </a:t>
-            </a:r>
-            <a:r>
-              <a:rPr lang="zh-TW" altLang="en-US" sz="2000" dirty="0" smtClean="0"/>
-              <a:t>正常的兩個判斷條件：</a:t>
-            </a:r>
-            <a:endParaRPr lang="en-US" altLang="zh-TW" sz="2000" dirty="0" smtClean="0"/>
-          </a:p>
-          <a:p>
-            <a:pPr lvl="1"/>
-            <a:r>
-              <a:rPr lang="zh-TW" altLang="en-US" sz="1800" dirty="0" smtClean="0">
-                <a:solidFill>
-                  <a:srgbClr val="FF0000"/>
-                </a:solidFill>
-              </a:rPr>
-              <a:t>一是保持與 </a:t>
-            </a:r>
-            <a:r>
-              <a:rPr lang="en-US" altLang="zh-TW" sz="1800" dirty="0" smtClean="0">
-                <a:solidFill>
-                  <a:srgbClr val="FF0000"/>
-                </a:solidFill>
-              </a:rPr>
-              <a:t>Zookeeper </a:t>
-            </a:r>
-            <a:r>
-              <a:rPr lang="zh-TW" altLang="en-US" sz="1800" dirty="0" smtClean="0">
-                <a:solidFill>
-                  <a:srgbClr val="FF0000"/>
-                </a:solidFill>
-              </a:rPr>
-              <a:t>連線的 </a:t>
-            </a:r>
-            <a:r>
-              <a:rPr lang="en-US" altLang="zh-TW" sz="1800" dirty="0" smtClean="0">
-                <a:solidFill>
-                  <a:srgbClr val="FF0000"/>
-                </a:solidFill>
-              </a:rPr>
-              <a:t>session</a:t>
-            </a:r>
-            <a:r>
-              <a:rPr lang="en-US" altLang="zh-TW" sz="1800" dirty="0"/>
-              <a:t>(</a:t>
-            </a:r>
-            <a:r>
-              <a:rPr lang="zh-TW" altLang="en-US" sz="1800" dirty="0"/>
-              <a:t>這個通過</a:t>
-            </a:r>
-            <a:r>
-              <a:rPr lang="en-US" altLang="zh-TW" sz="1800" dirty="0"/>
-              <a:t>Zookeeper</a:t>
-            </a:r>
-            <a:r>
-              <a:rPr lang="zh-TW" altLang="en-US" sz="1800" dirty="0"/>
-              <a:t>的</a:t>
-            </a:r>
-            <a:r>
-              <a:rPr lang="en-US" altLang="zh-TW" sz="1800" dirty="0"/>
-              <a:t>heartbeat</a:t>
-            </a:r>
-            <a:r>
-              <a:rPr lang="zh-TW" altLang="en-US" sz="1800" dirty="0"/>
-              <a:t>機制來實現</a:t>
-            </a:r>
-            <a:endParaRPr lang="en-US" altLang="zh-TW" sz="1800" dirty="0"/>
-          </a:p>
-          <a:p>
-            <a:pPr lvl="1"/>
-            <a:r>
-              <a:rPr lang="zh-TW" altLang="en-US" sz="1800" dirty="0"/>
-              <a:t>二</a:t>
-            </a:r>
-            <a:r>
-              <a:rPr lang="zh-TW" altLang="en-US" sz="1800" dirty="0" smtClean="0"/>
-              <a:t>是 </a:t>
-            </a:r>
-            <a:r>
-              <a:rPr lang="en-US" altLang="zh-TW" sz="1800" dirty="0" smtClean="0"/>
-              <a:t>follower</a:t>
-            </a:r>
-            <a:r>
-              <a:rPr lang="zh-TW" altLang="en-US" sz="1800" dirty="0" smtClean="0"/>
-              <a:t>（</a:t>
-            </a:r>
-            <a:r>
-              <a:rPr lang="en-US" altLang="zh-TW" sz="1800" dirty="0" smtClean="0"/>
-              <a:t>partition</a:t>
-            </a:r>
-            <a:r>
-              <a:rPr lang="zh-TW" altLang="en-US" sz="1800" dirty="0" smtClean="0"/>
-              <a:t>）必須</a:t>
-            </a:r>
-            <a:r>
-              <a:rPr lang="zh-TW" altLang="en-US" sz="1800" dirty="0"/>
-              <a:t>能夠及時</a:t>
-            </a:r>
-            <a:r>
-              <a:rPr lang="zh-TW" altLang="en-US" sz="1800" dirty="0" smtClean="0"/>
-              <a:t>將 </a:t>
-            </a:r>
-            <a:r>
-              <a:rPr lang="en-US" altLang="zh-TW" sz="1800" dirty="0" smtClean="0"/>
-              <a:t>leader </a:t>
-            </a:r>
-            <a:r>
-              <a:rPr lang="zh-TW" altLang="en-US" sz="1800" dirty="0" smtClean="0"/>
-              <a:t>的 </a:t>
-            </a:r>
-            <a:r>
-              <a:rPr lang="en-US" altLang="zh-TW" sz="1800" dirty="0" smtClean="0"/>
-              <a:t>writing </a:t>
-            </a:r>
-            <a:r>
-              <a:rPr lang="zh-TW" altLang="en-US" sz="1800" dirty="0" smtClean="0"/>
-              <a:t>複製</a:t>
-            </a:r>
-            <a:r>
-              <a:rPr lang="zh-TW" altLang="en-US" sz="1800" dirty="0"/>
-              <a:t>過來，不能落後太多（</a:t>
-            </a:r>
-            <a:r>
-              <a:rPr lang="en-US" altLang="zh-TW" sz="1800" dirty="0"/>
-              <a:t>follower</a:t>
-            </a:r>
-            <a:r>
-              <a:rPr lang="zh-TW" altLang="en-US" sz="1800" dirty="0"/>
-              <a:t>複製</a:t>
-            </a:r>
-            <a:r>
-              <a:rPr lang="zh-TW" altLang="en-US" sz="1800" dirty="0" smtClean="0"/>
-              <a:t>的</a:t>
-            </a:r>
-            <a:r>
-              <a:rPr lang="en-US" altLang="zh-TW" sz="1800" dirty="0" smtClean="0"/>
-              <a:t>Message</a:t>
-            </a:r>
-            <a:r>
-              <a:rPr lang="zh-TW" altLang="en-US" sz="1800" dirty="0" smtClean="0"/>
-              <a:t>落後</a:t>
-            </a:r>
-            <a:r>
-              <a:rPr lang="zh-TW" altLang="en-US" sz="1800" dirty="0"/>
-              <a:t>於</a:t>
-            </a:r>
-            <a:r>
-              <a:rPr lang="en-US" altLang="zh-TW" sz="1800" dirty="0"/>
-              <a:t>leader</a:t>
-            </a:r>
-            <a:r>
-              <a:rPr lang="zh-TW" altLang="en-US" sz="1800" dirty="0"/>
-              <a:t>後的條數超過預定值）</a:t>
-            </a:r>
-            <a:endParaRPr lang="en-US" altLang="zh-TW" sz="1800" dirty="0"/>
-          </a:p>
-        </p:txBody>
-      </p:sp>
-      <p:sp>
-        <p:nvSpPr>
-          <p:cNvPr id="4" name="日期版面配置區 3"/>
-          <p:cNvSpPr>
-            <a:spLocks noGrp="1"/>
-          </p:cNvSpPr>
-          <p:nvPr>
-            <p:ph type="dt" sz="half" idx="10"/>
-          </p:nvPr>
-        </p:nvSpPr>
-        <p:spPr/>
-        <p:txBody>
-          <a:bodyPr/>
-          <a:lstStyle/>
-          <a:p>
-            <a:fld id="{92D689F0-93C6-4C05-849C-0706C5E0351F}" type="datetime1">
-              <a:rPr lang="zh-TW" altLang="en-US" smtClean="0"/>
-              <a:t>2016/4/30</a:t>
-            </a:fld>
-            <a:endParaRPr lang="zh-TW" altLang="en-US"/>
-          </a:p>
-        </p:txBody>
-      </p:sp>
-      <p:sp>
-        <p:nvSpPr>
-          <p:cNvPr id="5" name="頁尾版面配置區 4"/>
-          <p:cNvSpPr>
-            <a:spLocks noGrp="1"/>
-          </p:cNvSpPr>
-          <p:nvPr>
-            <p:ph type="ftr" sz="quarter" idx="11"/>
-          </p:nvPr>
-        </p:nvSpPr>
-        <p:spPr/>
-        <p:txBody>
-          <a:bodyPr/>
-          <a:lstStyle/>
-          <a:p>
-            <a:r>
-              <a:rPr lang="en-US" altLang="zh-TW" dirty="0" err="1" smtClean="0"/>
-              <a:t>RETchat</a:t>
-            </a:r>
-            <a:r>
-              <a:rPr lang="en-US" altLang="zh-TW" dirty="0" smtClean="0"/>
-              <a:t> </a:t>
-            </a:r>
-            <a:r>
-              <a:rPr lang="zh-TW" altLang="en-US" dirty="0" smtClean="0"/>
-              <a:t>內部教學文件</a:t>
-            </a:r>
-            <a:endParaRPr lang="zh-TW" altLang="en-US" dirty="0"/>
-          </a:p>
-        </p:txBody>
-      </p:sp>
-      <p:sp>
-        <p:nvSpPr>
-          <p:cNvPr id="6" name="投影片編號版面配置區 5"/>
-          <p:cNvSpPr>
-            <a:spLocks noGrp="1"/>
-          </p:cNvSpPr>
-          <p:nvPr>
-            <p:ph type="sldNum" sz="quarter" idx="12"/>
-          </p:nvPr>
-        </p:nvSpPr>
-        <p:spPr/>
-        <p:txBody>
-          <a:bodyPr/>
-          <a:lstStyle/>
-          <a:p>
-            <a:fld id="{C4CC8384-60E7-446C-ABEF-271B71B81947}" type="slidenum">
-              <a:rPr lang="zh-TW" altLang="en-US" smtClean="0"/>
-              <a:t>13</a:t>
-            </a:fld>
-            <a:endParaRPr lang="zh-TW" altLang="en-US"/>
-          </a:p>
-        </p:txBody>
-      </p:sp>
-    </p:spTree>
-    <p:extLst>
-      <p:ext uri="{BB962C8B-B14F-4D97-AF65-F5344CB8AC3E}">
-        <p14:creationId xmlns:p14="http://schemas.microsoft.com/office/powerpoint/2010/main" val="945038741"/>
       </p:ext>
     </p:extLst>
   </p:cSld>
@@ -6056,11 +5984,7 @@
           <a:p>
             <a:r>
               <a:rPr lang="en-US" altLang="zh-TW" b="1" dirty="0" smtClean="0"/>
-              <a:t>Replication </a:t>
-            </a:r>
-            <a:r>
-              <a:rPr lang="zh-TW" altLang="en-US" b="1" dirty="0" smtClean="0"/>
-              <a:t>保護機制</a:t>
+              <a:t>Replication</a:t>
             </a:r>
             <a:endParaRPr lang="zh-TW" altLang="en-US" dirty="0"/>
           </a:p>
@@ -6084,327 +6008,483 @@
           <a:lstStyle/>
           <a:p>
             <a:r>
+              <a:rPr lang="zh-TW" altLang="en-US" sz="2000" dirty="0" smtClean="0"/>
+              <a:t>提供 </a:t>
+            </a:r>
+            <a:r>
               <a:rPr lang="en-US" altLang="zh-TW" sz="2000" dirty="0" smtClean="0"/>
-              <a:t>Leader </a:t>
-            </a:r>
-            <a:r>
-              <a:rPr lang="zh-TW" altLang="en-US" sz="2000" dirty="0" smtClean="0"/>
-              <a:t>會 </a:t>
-            </a:r>
-            <a:r>
-              <a:rPr lang="en-US" altLang="zh-TW" sz="2000" dirty="0" smtClean="0"/>
-              <a:t>track </a:t>
-            </a:r>
-            <a:r>
-              <a:rPr lang="zh-TW" altLang="en-US" sz="2000" dirty="0" smtClean="0"/>
-              <a:t>在</a:t>
-            </a:r>
-            <a:r>
-              <a:rPr lang="en-US" altLang="zh-TW" sz="2000" dirty="0" smtClean="0"/>
-              <a:t>“in </a:t>
-            </a:r>
-            <a:r>
-              <a:rPr lang="en-US" altLang="zh-TW" sz="2000" dirty="0"/>
-              <a:t>sync”</a:t>
-            </a:r>
-            <a:r>
-              <a:rPr lang="zh-TW" altLang="en-US" sz="2000" dirty="0" smtClean="0"/>
-              <a:t>的 </a:t>
-            </a:r>
-            <a:r>
-              <a:rPr lang="en-US" altLang="zh-TW" sz="2000" dirty="0" smtClean="0"/>
-              <a:t>node list</a:t>
-            </a:r>
-            <a:r>
-              <a:rPr lang="zh-TW" altLang="en-US" sz="2000" dirty="0" smtClean="0"/>
-              <a:t>，如果一個 </a:t>
-            </a:r>
-            <a:r>
-              <a:rPr lang="en-US" altLang="zh-TW" sz="2000" dirty="0" smtClean="0"/>
-              <a:t>follower </a:t>
-            </a:r>
-            <a:r>
-              <a:rPr lang="zh-TW" altLang="en-US" sz="2000" dirty="0" smtClean="0"/>
-              <a:t>當機</a:t>
-            </a:r>
-            <a:r>
-              <a:rPr lang="zh-TW" altLang="en-US" sz="2000" dirty="0"/>
-              <a:t>，或者落後太多，</a:t>
-            </a:r>
-            <a:r>
-              <a:rPr lang="en-US" altLang="zh-TW" sz="2000" dirty="0"/>
-              <a:t>leader</a:t>
-            </a:r>
-            <a:r>
-              <a:rPr lang="zh-TW" altLang="en-US" sz="2000" dirty="0"/>
-              <a:t>將把它</a:t>
-            </a:r>
-            <a:r>
-              <a:rPr lang="zh-TW" altLang="en-US" sz="2000" dirty="0" smtClean="0"/>
-              <a:t>從 </a:t>
-            </a:r>
-            <a:r>
-              <a:rPr lang="en-US" altLang="zh-TW" sz="2000" dirty="0" smtClean="0"/>
-              <a:t>“in </a:t>
-            </a:r>
-            <a:r>
-              <a:rPr lang="en-US" altLang="zh-TW" sz="2000" dirty="0" err="1" smtClean="0"/>
-              <a:t>sync”ist</a:t>
-            </a:r>
-            <a:r>
-              <a:rPr lang="zh-TW" altLang="en-US" sz="2000" dirty="0"/>
-              <a:t>中移除</a:t>
-            </a:r>
-            <a:endParaRPr lang="en-US" altLang="zh-TW" sz="2000" dirty="0"/>
-          </a:p>
-          <a:p>
-            <a:r>
-              <a:rPr lang="zh-TW" altLang="en-US" sz="2000" dirty="0"/>
-              <a:t>一</a:t>
-            </a:r>
-            <a:r>
-              <a:rPr lang="zh-TW" altLang="en-US" sz="2000" dirty="0" smtClean="0"/>
-              <a:t>條 </a:t>
-            </a:r>
-            <a:r>
-              <a:rPr lang="en-US" altLang="zh-TW" sz="2000" dirty="0" smtClean="0"/>
-              <a:t>Message </a:t>
-            </a:r>
-            <a:r>
-              <a:rPr lang="zh-TW" altLang="en-US" sz="2000" dirty="0" smtClean="0"/>
-              <a:t>只有</a:t>
-            </a:r>
-            <a:r>
-              <a:rPr lang="zh-TW" altLang="en-US" sz="2000" dirty="0"/>
-              <a:t>被“</a:t>
-            </a:r>
-            <a:r>
-              <a:rPr lang="en-US" altLang="zh-TW" sz="2000" dirty="0"/>
-              <a:t>in sync” </a:t>
-            </a:r>
-            <a:r>
-              <a:rPr lang="en-US" altLang="zh-TW" sz="2000" dirty="0" smtClean="0"/>
-              <a:t>list </a:t>
-            </a:r>
-            <a:r>
-              <a:rPr lang="zh-TW" altLang="en-US" sz="2000" dirty="0" smtClean="0"/>
-              <a:t>裡</a:t>
+              <a:t>partition </a:t>
+            </a:r>
+            <a:r>
+              <a:rPr lang="zh-TW" altLang="en-US" sz="2000" dirty="0" smtClean="0"/>
+              <a:t>級別</a:t>
             </a:r>
             <a:r>
               <a:rPr lang="zh-TW" altLang="en-US" sz="2000" dirty="0"/>
               <a:t>的</a:t>
             </a:r>
             <a:r>
-              <a:rPr lang="zh-TW" altLang="en-US" sz="2000" dirty="0" smtClean="0"/>
+              <a:rPr lang="en-US" altLang="zh-TW" sz="2000" dirty="0"/>
+              <a:t>replication</a:t>
+            </a:r>
+            <a:r>
+              <a:rPr lang="zh-TW" altLang="en-US" sz="2000" dirty="0" smtClean="0"/>
+              <a:t>，數量</a:t>
+            </a:r>
+            <a:r>
+              <a:rPr lang="zh-TW" altLang="en-US" sz="2000" dirty="0"/>
+              <a:t>可在</a:t>
+            </a:r>
+            <a:r>
+              <a:rPr lang="en-US" altLang="zh-TW" sz="2000" dirty="0" smtClean="0"/>
+              <a:t>$</a:t>
+            </a:r>
+            <a:r>
+              <a:rPr lang="en-US" altLang="zh-TW" sz="2000" dirty="0" err="1" smtClean="0"/>
+              <a:t>Kafka_HOME</a:t>
+            </a:r>
+            <a:r>
+              <a:rPr lang="en-US" altLang="zh-TW" sz="2000" dirty="0" smtClean="0"/>
+              <a:t>/</a:t>
+            </a:r>
+            <a:r>
+              <a:rPr lang="en-US" altLang="zh-TW" sz="2000" dirty="0" err="1" smtClean="0"/>
+              <a:t>config</a:t>
+            </a:r>
+            <a:r>
+              <a:rPr lang="en-US" altLang="zh-TW" sz="2000" dirty="0" smtClean="0"/>
+              <a:t>/</a:t>
+            </a:r>
+            <a:r>
+              <a:rPr lang="en-US" altLang="zh-TW" sz="2000" dirty="0" err="1" smtClean="0"/>
+              <a:t>server.properties</a:t>
+            </a:r>
+            <a:r>
+              <a:rPr lang="zh-TW" altLang="en-US" sz="2000" dirty="0"/>
+              <a:t>中</a:t>
+            </a:r>
+            <a:r>
+              <a:rPr lang="zh-TW" altLang="en-US" sz="2000" dirty="0" smtClean="0"/>
+              <a:t>配置</a:t>
+            </a:r>
+            <a:endParaRPr lang="en-US" altLang="zh-TW" sz="2000" dirty="0" smtClean="0"/>
+          </a:p>
+          <a:p>
+            <a:pPr lvl="1"/>
+            <a:r>
+              <a:rPr lang="en-US" altLang="zh-TW" sz="1800" dirty="0"/>
+              <a:t> </a:t>
+            </a:r>
+            <a:r>
+              <a:rPr lang="en-US" altLang="zh-TW" sz="1800" dirty="0" err="1" smtClean="0"/>
+              <a:t>default.replication.factor</a:t>
+            </a:r>
+            <a:r>
+              <a:rPr lang="en-US" altLang="zh-TW" sz="1800" dirty="0" smtClean="0"/>
+              <a:t> </a:t>
+            </a:r>
+            <a:r>
+              <a:rPr lang="en-US" altLang="zh-TW" sz="1800" dirty="0"/>
+              <a:t>= 1 </a:t>
+            </a:r>
+            <a:endParaRPr lang="en-US" altLang="zh-TW" sz="1800" dirty="0" smtClean="0"/>
+          </a:p>
+          <a:p>
+            <a:r>
+              <a:rPr lang="en-US" altLang="zh-TW" sz="2000" dirty="0" smtClean="0">
+                <a:solidFill>
+                  <a:srgbClr val="FF0000"/>
+                </a:solidFill>
+              </a:rPr>
+              <a:t>Replication </a:t>
+            </a:r>
+            <a:r>
+              <a:rPr lang="zh-TW" altLang="en-US" sz="2000" dirty="0" smtClean="0">
+                <a:solidFill>
+                  <a:srgbClr val="FF0000"/>
+                </a:solidFill>
+              </a:rPr>
+              <a:t>與 </a:t>
+            </a:r>
+            <a:r>
+              <a:rPr lang="en-US" altLang="zh-TW" sz="2000" dirty="0" smtClean="0">
+                <a:solidFill>
+                  <a:srgbClr val="FF0000"/>
+                </a:solidFill>
+              </a:rPr>
+              <a:t>leader election </a:t>
+            </a:r>
+            <a:r>
+              <a:rPr lang="zh-TW" altLang="en-US" sz="2000" dirty="0" smtClean="0">
+                <a:solidFill>
+                  <a:srgbClr val="FF0000"/>
+                </a:solidFill>
+              </a:rPr>
+              <a:t>提供自動</a:t>
+            </a:r>
+            <a:r>
+              <a:rPr lang="zh-TW" altLang="en-US" sz="2000" dirty="0">
+                <a:solidFill>
+                  <a:srgbClr val="FF0000"/>
+                </a:solidFill>
+              </a:rPr>
+              <a:t>的</a:t>
+            </a:r>
+            <a:r>
+              <a:rPr lang="en-US" altLang="zh-TW" sz="2000" dirty="0">
+                <a:solidFill>
+                  <a:srgbClr val="FF0000"/>
+                </a:solidFill>
+              </a:rPr>
+              <a:t>failover</a:t>
+            </a:r>
+            <a:r>
+              <a:rPr lang="zh-TW" altLang="en-US" sz="2000" dirty="0" smtClean="0">
+                <a:solidFill>
+                  <a:srgbClr val="FF0000"/>
+                </a:solidFill>
+              </a:rPr>
+              <a:t>機制</a:t>
+            </a:r>
+            <a:endParaRPr lang="en-US" altLang="zh-TW" sz="2000" dirty="0">
+              <a:solidFill>
+                <a:srgbClr val="FF0000"/>
+              </a:solidFill>
+            </a:endParaRPr>
+          </a:p>
+          <a:p>
+            <a:pPr lvl="1"/>
+            <a:r>
+              <a:rPr lang="en-US" altLang="zh-TW" sz="1800" dirty="0" smtClean="0"/>
+              <a:t>Replication </a:t>
+            </a:r>
+            <a:r>
+              <a:rPr lang="zh-TW" altLang="en-US" sz="1800" dirty="0" smtClean="0"/>
+              <a:t>對 </a:t>
+            </a:r>
+            <a:r>
+              <a:rPr lang="en-US" altLang="zh-TW" sz="1800" dirty="0" smtClean="0"/>
+              <a:t>Kafka </a:t>
+            </a:r>
+            <a:r>
+              <a:rPr lang="zh-TW" altLang="en-US" sz="1800" dirty="0" smtClean="0"/>
+              <a:t>的</a:t>
+            </a:r>
+            <a:r>
+              <a:rPr lang="zh-TW" altLang="en-US" sz="1800" dirty="0"/>
+              <a:t>吞吐率是有一定影響的，但極大的增強了</a:t>
+            </a:r>
+            <a:r>
+              <a:rPr lang="zh-TW" altLang="en-US" sz="1800" dirty="0" smtClean="0"/>
+              <a:t>可用性</a:t>
+            </a:r>
+            <a:endParaRPr lang="en-US" altLang="zh-TW" sz="1800" dirty="0"/>
+          </a:p>
+          <a:p>
+            <a:pPr lvl="1"/>
+            <a:r>
+              <a:rPr lang="en-US" altLang="zh-TW" sz="1800" dirty="0" smtClean="0">
+                <a:solidFill>
+                  <a:srgbClr val="FF0000"/>
+                </a:solidFill>
+              </a:rPr>
+              <a:t>replication </a:t>
+            </a:r>
+            <a:r>
+              <a:rPr lang="zh-TW" altLang="en-US" sz="1800" dirty="0" smtClean="0">
+                <a:solidFill>
+                  <a:srgbClr val="FF0000"/>
+                </a:solidFill>
+              </a:rPr>
+              <a:t>數量預設為 </a:t>
+            </a:r>
+            <a:r>
+              <a:rPr lang="en-US" altLang="zh-TW" sz="1800" dirty="0" smtClean="0">
+                <a:solidFill>
+                  <a:srgbClr val="FF0000"/>
+                </a:solidFill>
+              </a:rPr>
+              <a:t>1</a:t>
+            </a:r>
+            <a:r>
+              <a:rPr lang="zh-TW" altLang="en-US" sz="1800" dirty="0" smtClean="0"/>
+              <a:t>，每個 </a:t>
+            </a:r>
+            <a:r>
+              <a:rPr lang="en-US" altLang="zh-TW" sz="1800" dirty="0" smtClean="0"/>
+              <a:t>partition </a:t>
+            </a:r>
+            <a:r>
+              <a:rPr lang="zh-TW" altLang="en-US" sz="1800" dirty="0" smtClean="0"/>
+              <a:t>都</a:t>
+            </a:r>
+            <a:r>
+              <a:rPr lang="zh-TW" altLang="en-US" sz="1800" dirty="0"/>
+              <a:t>有一個唯一</a:t>
+            </a:r>
+            <a:r>
+              <a:rPr lang="zh-TW" altLang="en-US" sz="1800" dirty="0" smtClean="0"/>
+              <a:t>的 </a:t>
+            </a:r>
+            <a:r>
+              <a:rPr lang="en-US" altLang="zh-TW" sz="1800" dirty="0" smtClean="0"/>
+              <a:t>leader</a:t>
+            </a:r>
+            <a:r>
+              <a:rPr lang="zh-TW" altLang="en-US" sz="1800" dirty="0" smtClean="0"/>
+              <a:t>，</a:t>
+            </a:r>
+            <a:r>
+              <a:rPr lang="zh-TW" altLang="en-US" sz="1800" dirty="0"/>
+              <a:t>所有的讀寫操作都在</a:t>
+            </a:r>
+            <a:r>
+              <a:rPr lang="en-US" altLang="zh-TW" sz="1800" dirty="0"/>
+              <a:t>leader</a:t>
+            </a:r>
+            <a:r>
+              <a:rPr lang="zh-TW" altLang="en-US" sz="1800" dirty="0"/>
+              <a:t>上</a:t>
+            </a:r>
+            <a:r>
+              <a:rPr lang="zh-TW" altLang="en-US" sz="1800" dirty="0" smtClean="0"/>
+              <a:t>完成</a:t>
+            </a:r>
+            <a:endParaRPr lang="en-US" altLang="zh-TW" sz="1800" dirty="0" smtClean="0"/>
+          </a:p>
+          <a:p>
+            <a:pPr lvl="1"/>
+            <a:r>
+              <a:rPr lang="zh-TW" altLang="en-US" sz="1800" dirty="0" smtClean="0"/>
+              <a:t>一般 </a:t>
+            </a:r>
+            <a:r>
+              <a:rPr lang="en-US" altLang="zh-TW" sz="1800" dirty="0" smtClean="0"/>
+              <a:t>partition </a:t>
+            </a:r>
+            <a:r>
+              <a:rPr lang="zh-TW" altLang="en-US" sz="1800" dirty="0" smtClean="0"/>
+              <a:t>的</a:t>
+            </a:r>
+            <a:r>
+              <a:rPr lang="zh-TW" altLang="en-US" sz="1800" dirty="0"/>
+              <a:t>數量大於</a:t>
+            </a:r>
+            <a:r>
+              <a:rPr lang="zh-TW" altLang="en-US" sz="1800" dirty="0" smtClean="0"/>
+              <a:t>等於</a:t>
+            </a:r>
+            <a:r>
+              <a:rPr lang="en-US" altLang="zh-TW" sz="1800" dirty="0" smtClean="0"/>
+              <a:t>Broker</a:t>
+            </a:r>
+            <a:r>
+              <a:rPr lang="zh-TW" altLang="en-US" sz="1800" dirty="0" smtClean="0"/>
+              <a:t>的</a:t>
+            </a:r>
+            <a:r>
+              <a:rPr lang="zh-TW" altLang="en-US" sz="1800" dirty="0"/>
+              <a:t>數量，並且</a:t>
+            </a:r>
+            <a:r>
+              <a:rPr lang="zh-TW" altLang="en-US" sz="1800" dirty="0" smtClean="0"/>
               <a:t>所有 </a:t>
             </a:r>
             <a:r>
+              <a:rPr lang="en-US" altLang="zh-TW" sz="1800" dirty="0" smtClean="0"/>
+              <a:t>partition </a:t>
+            </a:r>
+            <a:r>
+              <a:rPr lang="zh-TW" altLang="en-US" sz="1800" dirty="0" smtClean="0"/>
+              <a:t>的 </a:t>
+            </a:r>
+            <a:r>
+              <a:rPr lang="en-US" altLang="zh-TW" sz="1800" dirty="0" smtClean="0"/>
+              <a:t>leader </a:t>
+            </a:r>
+            <a:r>
+              <a:rPr lang="zh-TW" altLang="en-US" sz="1800" dirty="0" smtClean="0"/>
+              <a:t>均勻</a:t>
+            </a:r>
+            <a:r>
+              <a:rPr lang="zh-TW" altLang="en-US" sz="1800" dirty="0"/>
+              <a:t>分佈</a:t>
+            </a:r>
+            <a:r>
+              <a:rPr lang="zh-TW" altLang="en-US" sz="1800" dirty="0" smtClean="0"/>
+              <a:t>在 </a:t>
+            </a:r>
+            <a:r>
+              <a:rPr lang="en-US" altLang="zh-TW" sz="1800" dirty="0" smtClean="0"/>
+              <a:t>Broker</a:t>
+            </a:r>
+            <a:r>
+              <a:rPr lang="zh-TW" altLang="en-US" sz="1800" dirty="0" smtClean="0"/>
+              <a:t>上。</a:t>
+            </a:r>
+          </a:p>
+          <a:p>
+            <a:r>
+              <a:rPr lang="zh-TW" altLang="en-US" sz="2000" dirty="0" smtClean="0"/>
+              <a:t>對於 </a:t>
+            </a:r>
+            <a:r>
               <a:rPr lang="en-US" altLang="zh-TW" sz="2000" dirty="0" smtClean="0"/>
-              <a:t>follower </a:t>
-            </a:r>
-            <a:r>
-              <a:rPr lang="zh-TW" altLang="en-US" sz="2000" dirty="0" smtClean="0"/>
-              <a:t>都從 </a:t>
-            </a:r>
-            <a:r>
-              <a:rPr lang="en-US" altLang="zh-TW" sz="2000" dirty="0" smtClean="0"/>
+              <a:t>Kafka </a:t>
+            </a:r>
+            <a:r>
+              <a:rPr lang="zh-TW" altLang="en-US" sz="2000" dirty="0" smtClean="0"/>
+              <a:t>正常的兩個判斷條件：</a:t>
+            </a:r>
+            <a:endParaRPr lang="en-US" altLang="zh-TW" sz="2000" dirty="0" smtClean="0"/>
+          </a:p>
+          <a:p>
+            <a:pPr lvl="1"/>
+            <a:r>
+              <a:rPr lang="zh-TW" altLang="en-US" sz="1800" dirty="0" smtClean="0">
+                <a:solidFill>
+                  <a:srgbClr val="FF0000"/>
+                </a:solidFill>
+              </a:rPr>
+              <a:t>一是保持與 </a:t>
+            </a:r>
+            <a:r>
+              <a:rPr lang="en-US" altLang="zh-TW" sz="1800" dirty="0" smtClean="0">
+                <a:solidFill>
+                  <a:srgbClr val="FF0000"/>
+                </a:solidFill>
+              </a:rPr>
+              <a:t>Zookeeper </a:t>
+            </a:r>
+            <a:r>
+              <a:rPr lang="zh-TW" altLang="en-US" sz="1800" dirty="0" smtClean="0">
+                <a:solidFill>
+                  <a:srgbClr val="FF0000"/>
+                </a:solidFill>
+              </a:rPr>
+              <a:t>連線的 </a:t>
+            </a:r>
+            <a:r>
+              <a:rPr lang="en-US" altLang="zh-TW" sz="1800" dirty="0" smtClean="0">
+                <a:solidFill>
+                  <a:srgbClr val="FF0000"/>
+                </a:solidFill>
+              </a:rPr>
+              <a:t>session</a:t>
+            </a:r>
+            <a:r>
+              <a:rPr lang="en-US" altLang="zh-TW" sz="1800" dirty="0"/>
+              <a:t>(</a:t>
+            </a:r>
+            <a:r>
+              <a:rPr lang="zh-TW" altLang="en-US" sz="1800" dirty="0"/>
+              <a:t>這個通過</a:t>
+            </a:r>
+            <a:r>
+              <a:rPr lang="en-US" altLang="zh-TW" sz="1800" dirty="0"/>
+              <a:t>Zookeeper</a:t>
+            </a:r>
+            <a:r>
+              <a:rPr lang="zh-TW" altLang="en-US" sz="1800" dirty="0"/>
+              <a:t>的</a:t>
+            </a:r>
+            <a:r>
+              <a:rPr lang="en-US" altLang="zh-TW" sz="1800" dirty="0"/>
+              <a:t>heartbeat</a:t>
+            </a:r>
+            <a:r>
+              <a:rPr lang="zh-TW" altLang="en-US" sz="1800" dirty="0"/>
+              <a:t>機制來實現</a:t>
+            </a:r>
+            <a:endParaRPr lang="en-US" altLang="zh-TW" sz="1800" dirty="0"/>
+          </a:p>
+          <a:p>
+            <a:pPr lvl="1"/>
+            <a:r>
+              <a:rPr lang="zh-TW" altLang="en-US" sz="1800" dirty="0"/>
+              <a:t>二</a:t>
+            </a:r>
+            <a:r>
+              <a:rPr lang="zh-TW" altLang="en-US" sz="1800" dirty="0" smtClean="0"/>
+              <a:t>是 </a:t>
+            </a:r>
+            <a:r>
+              <a:rPr lang="en-US" altLang="zh-TW" sz="1800" dirty="0" smtClean="0"/>
+              <a:t>follower</a:t>
+            </a:r>
+            <a:r>
+              <a:rPr lang="zh-TW" altLang="en-US" sz="1800" dirty="0" smtClean="0"/>
+              <a:t>（</a:t>
+            </a:r>
+            <a:r>
+              <a:rPr lang="en-US" altLang="zh-TW" sz="1800" dirty="0" smtClean="0"/>
+              <a:t>partition</a:t>
+            </a:r>
+            <a:r>
+              <a:rPr lang="zh-TW" altLang="en-US" sz="1800" dirty="0" smtClean="0"/>
+              <a:t>）必須</a:t>
+            </a:r>
+            <a:r>
+              <a:rPr lang="zh-TW" altLang="en-US" sz="1800" dirty="0"/>
+              <a:t>能夠及時</a:t>
+            </a:r>
+            <a:r>
+              <a:rPr lang="zh-TW" altLang="en-US" sz="1800" dirty="0" smtClean="0"/>
+              <a:t>將 </a:t>
+            </a:r>
+            <a:r>
+              <a:rPr lang="en-US" altLang="zh-TW" sz="1800" dirty="0" smtClean="0"/>
               <a:t>leader </a:t>
             </a:r>
             <a:r>
-              <a:rPr lang="zh-TW" altLang="en-US" sz="2000" dirty="0" smtClean="0"/>
+              <a:rPr lang="zh-TW" altLang="en-US" sz="1800" dirty="0" smtClean="0"/>
+              <a:t>的 </a:t>
+            </a:r>
+            <a:r>
+              <a:rPr lang="en-US" altLang="zh-TW" sz="1800" dirty="0" smtClean="0"/>
+              <a:t>writing </a:t>
+            </a:r>
+            <a:r>
+              <a:rPr lang="zh-TW" altLang="en-US" sz="1800" dirty="0" smtClean="0"/>
               <a:t>複製</a:t>
             </a:r>
             <a:r>
-              <a:rPr lang="zh-TW" altLang="en-US" sz="2000" dirty="0"/>
-              <a:t>過去才會被認為已提交</a:t>
-            </a:r>
-            <a:endParaRPr lang="en-US" altLang="zh-TW" sz="2000" dirty="0"/>
-          </a:p>
-          <a:p>
-            <a:pPr lvl="1"/>
-            <a:r>
-              <a:rPr lang="zh-TW" altLang="en-US" sz="1800" dirty="0" smtClean="0">
-                <a:solidFill>
-                  <a:srgbClr val="FF0000"/>
-                </a:solidFill>
-              </a:rPr>
-              <a:t>避免部分</a:t>
-            </a:r>
-            <a:r>
-              <a:rPr lang="zh-TW" altLang="en-US" sz="1800" dirty="0">
-                <a:solidFill>
-                  <a:srgbClr val="FF0000"/>
-                </a:solidFill>
-              </a:rPr>
-              <a:t>數據被寫</a:t>
-            </a:r>
-            <a:r>
-              <a:rPr lang="zh-TW" altLang="en-US" sz="1800" dirty="0" smtClean="0">
-                <a:solidFill>
-                  <a:srgbClr val="FF0000"/>
-                </a:solidFill>
-              </a:rPr>
-              <a:t>進 </a:t>
-            </a:r>
-            <a:r>
-              <a:rPr lang="en-US" altLang="zh-TW" sz="1800" dirty="0" smtClean="0">
-                <a:solidFill>
-                  <a:srgbClr val="FF0000"/>
-                </a:solidFill>
-              </a:rPr>
+              <a:rPr lang="zh-TW" altLang="en-US" sz="1800" dirty="0"/>
+              <a:t>過來，不能落後太多（</a:t>
+            </a:r>
+            <a:r>
+              <a:rPr lang="en-US" altLang="zh-TW" sz="1800" dirty="0"/>
+              <a:t>follower</a:t>
+            </a:r>
+            <a:r>
+              <a:rPr lang="zh-TW" altLang="en-US" sz="1800" dirty="0"/>
+              <a:t>複製</a:t>
+            </a:r>
+            <a:r>
+              <a:rPr lang="zh-TW" altLang="en-US" sz="1800" dirty="0" smtClean="0"/>
+              <a:t>的</a:t>
+            </a:r>
+            <a:r>
+              <a:rPr lang="en-US" altLang="zh-TW" sz="1800" dirty="0" smtClean="0"/>
+              <a:t>Message</a:t>
+            </a:r>
+            <a:r>
+              <a:rPr lang="zh-TW" altLang="en-US" sz="1800" dirty="0" smtClean="0"/>
+              <a:t>落後</a:t>
+            </a:r>
+            <a:r>
+              <a:rPr lang="zh-TW" altLang="en-US" sz="1800" dirty="0"/>
+              <a:t>於</a:t>
+            </a:r>
+            <a:r>
+              <a:rPr lang="en-US" altLang="zh-TW" sz="1800" dirty="0"/>
               <a:t>leader</a:t>
             </a:r>
             <a:r>
-              <a:rPr lang="zh-TW" altLang="en-US" sz="1800" dirty="0">
-                <a:solidFill>
-                  <a:srgbClr val="FF0000"/>
-                </a:solidFill>
-              </a:rPr>
-              <a:t>，還沒來得及被任何</a:t>
-            </a:r>
-            <a:r>
-              <a:rPr lang="en-US" altLang="zh-TW" sz="1800" dirty="0">
-                <a:solidFill>
-                  <a:srgbClr val="FF0000"/>
-                </a:solidFill>
-              </a:rPr>
-              <a:t>follower</a:t>
-            </a:r>
-            <a:r>
-              <a:rPr lang="zh-TW" altLang="en-US" sz="1800" dirty="0">
-                <a:solidFill>
-                  <a:srgbClr val="FF0000"/>
-                </a:solidFill>
-              </a:rPr>
-              <a:t>複製就宕機了，而造成數據丟失</a:t>
-            </a:r>
-            <a:r>
               <a:rPr lang="zh-TW" altLang="en-US" sz="1800" dirty="0"/>
-              <a:t>（</a:t>
-            </a:r>
-            <a:r>
-              <a:rPr lang="en-US" altLang="zh-TW" sz="1800" dirty="0" smtClean="0"/>
-              <a:t>consumer </a:t>
-            </a:r>
-            <a:r>
-              <a:rPr lang="zh-TW" altLang="en-US" sz="1800" dirty="0" smtClean="0"/>
-              <a:t>無法 </a:t>
-            </a:r>
-            <a:r>
-              <a:rPr lang="en-US" altLang="zh-TW" sz="1800" dirty="0" smtClean="0"/>
-              <a:t>Consume</a:t>
-            </a:r>
-            <a:r>
-              <a:rPr lang="zh-TW" altLang="en-US" sz="1800" dirty="0" smtClean="0"/>
-              <a:t>這些</a:t>
-            </a:r>
-            <a:r>
-              <a:rPr lang="zh-TW" altLang="en-US" sz="1800" dirty="0"/>
-              <a:t>數據</a:t>
-            </a:r>
-            <a:r>
-              <a:rPr lang="zh-TW" altLang="en-US" sz="1800" dirty="0" smtClean="0"/>
-              <a:t>）</a:t>
-            </a:r>
-            <a:endParaRPr lang="en-US" altLang="zh-TW" sz="2000" dirty="0" smtClean="0"/>
-          </a:p>
-          <a:p>
-            <a:r>
-              <a:rPr lang="zh-TW" altLang="en-US" sz="2000" dirty="0" smtClean="0"/>
-              <a:t>而</a:t>
-            </a:r>
-            <a:r>
-              <a:rPr lang="zh-TW" altLang="en-US" sz="2000" dirty="0"/>
-              <a:t>對於</a:t>
-            </a:r>
-            <a:r>
-              <a:rPr lang="en-US" altLang="zh-TW" sz="2000" dirty="0"/>
-              <a:t>producer</a:t>
-            </a:r>
-            <a:r>
-              <a:rPr lang="zh-TW" altLang="en-US" sz="2000" dirty="0"/>
-              <a:t>而言，它可以選擇是否</a:t>
-            </a:r>
-            <a:r>
-              <a:rPr lang="zh-TW" altLang="en-US" sz="2000" dirty="0" smtClean="0"/>
-              <a:t>等待 </a:t>
-            </a:r>
-            <a:r>
-              <a:rPr lang="en-US" altLang="zh-TW" sz="2000" dirty="0" smtClean="0"/>
-              <a:t>Message commit</a:t>
-            </a:r>
-            <a:r>
-              <a:rPr lang="zh-TW" altLang="en-US" sz="2000" dirty="0" smtClean="0"/>
-              <a:t>，可以通過 </a:t>
-            </a:r>
-            <a:r>
-              <a:rPr lang="en-US" altLang="zh-TW" sz="2000" dirty="0" err="1" smtClean="0"/>
-              <a:t>request.required.acks</a:t>
-            </a:r>
-            <a:r>
-              <a:rPr lang="en-US" altLang="zh-TW" sz="2000" dirty="0" smtClean="0"/>
-              <a:t> </a:t>
-            </a:r>
-            <a:r>
-              <a:rPr lang="zh-TW" altLang="en-US" sz="2000" dirty="0" smtClean="0"/>
-              <a:t>來設置</a:t>
-            </a:r>
-            <a:endParaRPr lang="en-US" altLang="zh-TW" sz="2000" dirty="0" smtClean="0"/>
-          </a:p>
-          <a:p>
-            <a:r>
-              <a:rPr lang="zh-TW" altLang="en-US" sz="2000" dirty="0" smtClean="0"/>
-              <a:t>這</a:t>
-            </a:r>
-            <a:r>
-              <a:rPr lang="zh-TW" altLang="en-US" sz="2000" dirty="0"/>
-              <a:t>種機制確保了只要“</a:t>
-            </a:r>
-            <a:r>
-              <a:rPr lang="en-US" altLang="zh-TW" sz="2000" dirty="0"/>
-              <a:t>in sync” list</a:t>
-            </a:r>
-            <a:r>
-              <a:rPr lang="zh-TW" altLang="en-US" sz="2000" dirty="0"/>
-              <a:t>有一個或以上</a:t>
-            </a:r>
-            <a:r>
-              <a:rPr lang="zh-TW" altLang="en-US" sz="2000" dirty="0" smtClean="0"/>
-              <a:t>的 </a:t>
-            </a:r>
-            <a:r>
-              <a:rPr lang="en-US" altLang="zh-TW" sz="2000" dirty="0" smtClean="0"/>
-              <a:t>follower</a:t>
-            </a:r>
-            <a:r>
-              <a:rPr lang="zh-TW" altLang="en-US" sz="2000" dirty="0" smtClean="0"/>
-              <a:t>，</a:t>
-            </a:r>
-            <a:r>
-              <a:rPr lang="zh-TW" altLang="en-US" sz="2000" dirty="0"/>
-              <a:t>一條被</a:t>
-            </a:r>
-            <a:r>
-              <a:rPr lang="en-US" altLang="zh-TW" sz="2000" dirty="0"/>
-              <a:t>commit</a:t>
-            </a:r>
-            <a:r>
-              <a:rPr lang="zh-TW" altLang="en-US" sz="2000" dirty="0" smtClean="0"/>
-              <a:t>的</a:t>
-            </a:r>
-            <a:r>
-              <a:rPr lang="en-US" altLang="zh-TW" sz="2000" dirty="0" smtClean="0"/>
-              <a:t>Message</a:t>
-            </a:r>
-            <a:r>
-              <a:rPr lang="zh-TW" altLang="en-US" sz="2000" dirty="0" smtClean="0"/>
-              <a:t>就</a:t>
-            </a:r>
-            <a:r>
-              <a:rPr lang="zh-TW" altLang="en-US" sz="2000" dirty="0"/>
-              <a:t>不會丟失。 </a:t>
-            </a:r>
-            <a:endParaRPr lang="en-US" altLang="zh-TW" sz="2000" dirty="0" smtClean="0"/>
+              <a:t>後的條數超過預定值）</a:t>
+            </a:r>
+            <a:endParaRPr lang="en-US" altLang="zh-TW" sz="1800" dirty="0"/>
           </a:p>
         </p:txBody>
       </p:sp>
@@ -6425,7 +6505,7 @@
           <a:p>
             <a:fld id="{92D689F0-93C6-4C05-849C-0706C5E0351F}" type="datetime1">
               <a:rPr lang="zh-TW" altLang="en-US" smtClean="0"/>
-              <a:t>2016/4/30</a:t>
+              <a:t>2016/5/9</a:t>
             </a:fld>
             <a:endParaRPr lang="zh-TW" altLang="en-US"/>
           </a:p>
@@ -6447,14 +6527,18 @@
           <a:lstStyle/>
           <a:p>
             <a:r>
-              <a:rPr lang="en-US" altLang="zh-TW" smtClean="0"/>
-              <a:t>RETchat </a:t>
-            </a:r>
-            <a:r>
-              <a:rPr lang="zh-TW" altLang="en-US" smtClean="0"/>
+              <a:rPr lang="en-US" altLang="zh-TW" dirty="0" err="1" smtClean="0"/>
+              <a:t>RETchat</a:t>
+            </a:r>
+            <a:r>
+              <a:rPr lang="en-US" altLang="zh-TW" dirty="0" smtClean="0"/>
+              <a:t> </a:t>
+            </a:r>
+            <a:r>
+              <a:rPr lang="zh-TW" altLang="en-US" dirty="0" smtClean="0"/>
               <a:t>內部教學文件</a:t>
             </a:r>
-            <a:endParaRPr lang="zh-TW" altLang="en-US"/>
+            <a:endParaRPr lang="zh-TW" altLang="en-US" dirty="0"/>
           </a:p>
         </p:txBody>
       </p:sp>
@@ -6484,7 +6568,7 @@
     </p:spTree>
     <p:extLst>
       <p:ext uri="{BB962C8B-B14F-4D97-AF65-F5344CB8AC3E}">
-        <p14:creationId xmlns:p14="http://schemas.microsoft.com/office/powerpoint/2010/main" val="3937665248"/>
+        <p14:creationId xmlns:p14="http://schemas.microsoft.com/office/powerpoint/2010/main" val="945038741"/>
       </p:ext>
     </p:extLst>
   </p:cSld>
@@ -6530,11 +6614,11 @@
           <a:p>
             <a:r>
               <a:rPr lang="en-US" altLang="zh-TW" b="1" dirty="0" smtClean="0"/>
-              <a:t>Leader </a:t>
-            </a:r>
-            <a:r>
-              <a:rPr lang="en-US" altLang="zh-TW" b="1" dirty="0"/>
-              <a:t>election</a:t>
+              <a:t>Replication </a:t>
+            </a:r>
+            <a:r>
+              <a:rPr lang="zh-TW" altLang="en-US" b="1" dirty="0" smtClean="0"/>
+              <a:t>保護機制</a:t>
             </a:r>
             <a:endParaRPr lang="zh-TW" altLang="en-US" dirty="0"/>
           </a:p>
@@ -6559,39 +6643,39 @@
           <a:p>
             <a:r>
               <a:rPr lang="en-US" altLang="zh-TW" sz="2000" dirty="0" smtClean="0"/>
-              <a:t>Follower </a:t>
-            </a:r>
-            <a:r>
-              <a:rPr lang="zh-TW" altLang="en-US" sz="2000" dirty="0" smtClean="0"/>
-              <a:t>可能</a:t>
-            </a:r>
-            <a:r>
-              <a:rPr lang="zh-TW" altLang="en-US" sz="2000" dirty="0"/>
-              <a:t>落後許多或者</a:t>
+              <a:t>Leader </a:t>
+            </a:r>
+            <a:r>
+              <a:rPr lang="zh-TW" altLang="en-US" sz="2000" dirty="0" smtClean="0"/>
+              <a:t>會 </a:t>
+            </a:r>
+            <a:r>
+              <a:rPr lang="en-US" altLang="zh-TW" sz="2000" dirty="0" smtClean="0"/>
+              <a:t>track </a:t>
+            </a:r>
+            <a:r>
+              <a:rPr lang="zh-TW" altLang="en-US" sz="2000" dirty="0" smtClean="0"/>
+              <a:t>在</a:t>
+            </a:r>
+            <a:r>
+              <a:rPr lang="en-US" altLang="zh-TW" sz="2000" dirty="0" smtClean="0"/>
+              <a:t>“in </a:t>
             </a:r>
             <a:r>
               <a:rPr lang="en-US" altLang="zh-TW" sz="2000" dirty="0"/>
-              <a:t>crash</a:t>
-            </a:r>
-            <a:r>
-              <a:rPr lang="zh-TW" altLang="en-US" sz="2000" dirty="0"/>
-              <a:t>了，所以必須確保</a:t>
-            </a:r>
-            <a:r>
-              <a:rPr lang="zh-TW" altLang="en-US" sz="2000" dirty="0" smtClean="0"/>
-              <a:t>選擇</a:t>
-            </a:r>
-            <a:r>
-              <a:rPr lang="zh-TW" altLang="en-US" sz="2000" dirty="0" smtClean="0">
-                <a:solidFill>
-                  <a:srgbClr val="FF0000"/>
-                </a:solidFill>
-              </a:rPr>
-              <a:t>最新</a:t>
+              <a:t>sync”</a:t>
             </a:r>
             <a:r>
               <a:rPr lang="zh-TW" altLang="en-US" sz="2000" dirty="0" smtClean="0"/>
               <a:t>的 </a:t>
+            </a:r>
+            <a:r>
+              <a:rPr lang="en-US" altLang="zh-TW" sz="2000" dirty="0" smtClean="0"/>
+              <a:t>node list</a:t>
+            </a:r>
+            <a:r>
+              <a:rPr lang="zh-TW" altLang="en-US" sz="2000" dirty="0" smtClean="0"/>
+              <a:t>，如果一個 </a:t>
             </a:r>
             <a:r>
               <a:rPr lang="en-US" altLang="zh-TW" sz="2000" dirty="0" smtClean="0"/>
@@ -6599,21 +6683,86 @@
             </a:r>
             <a:r>
               <a:rPr lang="zh-TW" altLang="en-US" sz="2000" dirty="0" smtClean="0"/>
-              <a:t>作為</a:t>
+              <a:t>當機</a:t>
             </a:r>
             <a:r>
               <a:rPr lang="zh-TW" altLang="en-US" sz="2000" dirty="0"/>
-              <a:t>新的</a:t>
+              <a:t>，或者落後太多，</a:t>
+            </a:r>
+            <a:r>
+              <a:rPr lang="en-US" altLang="zh-TW" sz="2000" dirty="0"/>
+              <a:t>leader</a:t>
+            </a:r>
+            <a:r>
+              <a:rPr lang="zh-TW" altLang="en-US" sz="2000" dirty="0"/>
+              <a:t>將把它</a:t>
+            </a:r>
+            <a:r>
+              <a:rPr lang="zh-TW" altLang="en-US" sz="2000" dirty="0" smtClean="0"/>
+              <a:t>從 </a:t>
             </a:r>
             <a:r>
               <a:rPr lang="en-US" altLang="zh-TW" sz="2000" dirty="0" smtClean="0"/>
-              <a:t>leader</a:t>
-            </a:r>
-          </a:p>
-          <a:p>
-            <a:r>
-              <a:rPr lang="zh-TW" altLang="en-US" sz="2000" dirty="0" smtClean="0"/>
-              <a:t>新的 </a:t>
+              <a:t>“in </a:t>
+            </a:r>
+            <a:r>
+              <a:rPr lang="en-US" altLang="zh-TW" sz="2000" dirty="0" err="1" smtClean="0"/>
+              <a:t>sync”ist</a:t>
+            </a:r>
+            <a:r>
+              <a:rPr lang="zh-TW" altLang="en-US" sz="2000" dirty="0"/>
+              <a:t>中移除</a:t>
+            </a:r>
+            <a:endParaRPr lang="en-US" altLang="zh-TW" sz="2000" dirty="0"/>
+          </a:p>
+          <a:p>
+            <a:r>
+              <a:rPr lang="zh-TW" altLang="en-US" sz="2000" dirty="0"/>
+              <a:t>一</a:t>
+            </a:r>
+            <a:r>
+              <a:rPr lang="zh-TW" altLang="en-US" sz="2000" dirty="0" smtClean="0"/>
+              <a:t>條 </a:t>
+            </a:r>
+            <a:r>
+              <a:rPr lang="en-US" altLang="zh-TW" sz="2000" dirty="0" smtClean="0"/>
+              <a:t>Message </a:t>
+            </a:r>
+            <a:r>
+              <a:rPr lang="zh-TW" altLang="en-US" sz="2000" dirty="0" smtClean="0"/>
+              <a:t>只有</a:t>
+            </a:r>
+            <a:r>
+              <a:rPr lang="zh-TW" altLang="en-US" sz="2000" dirty="0"/>
+              <a:t>被“</a:t>
+            </a:r>
+            <a:r>
+              <a:rPr lang="en-US" altLang="zh-TW" sz="2000" dirty="0"/>
+              <a:t>in sync” </a:t>
+            </a:r>
+            <a:r>
+              <a:rPr lang="en-US" altLang="zh-TW" sz="2000" dirty="0" smtClean="0"/>
+              <a:t>list </a:t>
+            </a:r>
+            <a:r>
+              <a:rPr lang="zh-TW" altLang="en-US" sz="2000" dirty="0" smtClean="0"/>
+              <a:t>裡</a:t>
+            </a:r>
+            <a:r>
+              <a:rPr lang="zh-TW" altLang="en-US" sz="2000" dirty="0"/>
+              <a:t>的</a:t>
+            </a:r>
+            <a:r>
+              <a:rPr lang="zh-TW" altLang="en-US" sz="2000" dirty="0" smtClean="0"/>
+              <a:t>所有 </a:t>
+            </a:r>
+            <a:r>
+              <a:rPr lang="en-US" altLang="zh-TW" sz="2000" dirty="0" smtClean="0"/>
+              <a:t>follower </a:t>
+            </a:r>
+            <a:r>
+              <a:rPr lang="zh-TW" altLang="en-US" sz="2000" dirty="0" smtClean="0"/>
+              <a:t>都從 </a:t>
             </a:r>
             <a:r>
               <a:rPr lang="en-US" altLang="zh-TW" sz="2000" dirty="0" smtClean="0"/>
@@ -6621,11 +6770,161 @@
             </a:r>
             <a:r>
               <a:rPr lang="zh-TW" altLang="en-US" sz="2000" dirty="0" smtClean="0"/>
-              <a:t>必須</a:t>
+              <a:t>複製</a:t>
             </a:r>
             <a:r>
               <a:rPr lang="zh-TW" altLang="en-US" sz="2000" dirty="0"/>
-              <a:t>擁有原來</a:t>
+              <a:t>過去才會被認為已提交</a:t>
+            </a:r>
+            <a:endParaRPr lang="en-US" altLang="zh-TW" sz="2000" dirty="0"/>
+          </a:p>
+          <a:p>
+            <a:pPr lvl="1"/>
+            <a:r>
+              <a:rPr lang="zh-TW" altLang="en-US" sz="1800" dirty="0" smtClean="0">
+                <a:solidFill>
+                  <a:srgbClr val="FF0000"/>
+                </a:solidFill>
+              </a:rPr>
+              <a:t>避免部分</a:t>
+            </a:r>
+            <a:r>
+              <a:rPr lang="zh-TW" altLang="en-US" sz="1800" dirty="0">
+                <a:solidFill>
+                  <a:srgbClr val="FF0000"/>
+                </a:solidFill>
+              </a:rPr>
+              <a:t>數據被寫</a:t>
+            </a:r>
+            <a:r>
+              <a:rPr lang="zh-TW" altLang="en-US" sz="1800" dirty="0" smtClean="0">
+                <a:solidFill>
+                  <a:srgbClr val="FF0000"/>
+                </a:solidFill>
+              </a:rPr>
+              <a:t>進 </a:t>
+            </a:r>
+            <a:r>
+              <a:rPr lang="en-US" altLang="zh-TW" sz="1800" dirty="0" smtClean="0">
+                <a:solidFill>
+                  <a:srgbClr val="FF0000"/>
+                </a:solidFill>
+              </a:rPr>
+              <a:t>leader</a:t>
+            </a:r>
+            <a:r>
+              <a:rPr lang="zh-TW" altLang="en-US" sz="1800" dirty="0">
+                <a:solidFill>
+                  <a:srgbClr val="FF0000"/>
+                </a:solidFill>
+              </a:rPr>
+              <a:t>，還沒來得及被任何</a:t>
+            </a:r>
+            <a:r>
+              <a:rPr lang="en-US" altLang="zh-TW" sz="1800" dirty="0">
+                <a:solidFill>
+                  <a:srgbClr val="FF0000"/>
+                </a:solidFill>
+              </a:rPr>
+              <a:t>follower</a:t>
+            </a:r>
+            <a:r>
+              <a:rPr lang="zh-TW" altLang="en-US" sz="1800" dirty="0">
+                <a:solidFill>
+                  <a:srgbClr val="FF0000"/>
+                </a:solidFill>
+              </a:rPr>
+              <a:t>複製就宕機了，而造成數據丟失</a:t>
+            </a:r>
+            <a:r>
+              <a:rPr lang="zh-TW" altLang="en-US" sz="1800" dirty="0"/>
+              <a:t>（</a:t>
+            </a:r>
+            <a:r>
+              <a:rPr lang="en-US" altLang="zh-TW" sz="1800" dirty="0" smtClean="0"/>
+              <a:t>consumer </a:t>
+            </a:r>
+            <a:r>
+              <a:rPr lang="zh-TW" altLang="en-US" sz="1800" dirty="0" smtClean="0"/>
+              <a:t>無法 </a:t>
+            </a:r>
+            <a:r>
+              <a:rPr lang="en-US" altLang="zh-TW" sz="1800" dirty="0" smtClean="0"/>
+              <a:t>Consume</a:t>
+            </a:r>
+            <a:r>
+              <a:rPr lang="zh-TW" altLang="en-US" sz="1800" dirty="0" smtClean="0"/>
+              <a:t>這些</a:t>
+            </a:r>
+            <a:r>
+              <a:rPr lang="zh-TW" altLang="en-US" sz="1800" dirty="0"/>
+              <a:t>數據</a:t>
+            </a:r>
+            <a:r>
+              <a:rPr lang="zh-TW" altLang="en-US" sz="1800" dirty="0" smtClean="0"/>
+              <a:t>）</a:t>
+            </a:r>
+            <a:endParaRPr lang="en-US" altLang="zh-TW" sz="2000" dirty="0" smtClean="0"/>
+          </a:p>
+          <a:p>
+            <a:r>
+              <a:rPr lang="zh-TW" altLang="en-US" sz="2000" dirty="0" smtClean="0"/>
+              <a:t>而</a:t>
+            </a:r>
+            <a:r>
+              <a:rPr lang="zh-TW" altLang="en-US" sz="2000" dirty="0"/>
+              <a:t>對於</a:t>
+            </a:r>
+            <a:r>
+              <a:rPr lang="en-US" altLang="zh-TW" sz="2000" dirty="0"/>
+              <a:t>producer</a:t>
+            </a:r>
+            <a:r>
+              <a:rPr lang="zh-TW" altLang="en-US" sz="2000" dirty="0"/>
+              <a:t>而言，它可以選擇是否</a:t>
+            </a:r>
+            <a:r>
+              <a:rPr lang="zh-TW" altLang="en-US" sz="2000" dirty="0" smtClean="0"/>
+              <a:t>等待 </a:t>
+            </a:r>
+            <a:r>
+              <a:rPr lang="en-US" altLang="zh-TW" sz="2000" dirty="0" smtClean="0"/>
+              <a:t>Message commit</a:t>
+            </a:r>
+            <a:r>
+              <a:rPr lang="zh-TW" altLang="en-US" sz="2000" dirty="0" smtClean="0"/>
+              <a:t>，可以通過 </a:t>
+            </a:r>
+            <a:r>
+              <a:rPr lang="en-US" altLang="zh-TW" sz="2000" dirty="0" err="1" smtClean="0"/>
+              <a:t>request.required.acks</a:t>
+            </a:r>
+            <a:r>
+              <a:rPr lang="en-US" altLang="zh-TW" sz="2000" dirty="0" smtClean="0"/>
+              <a:t> </a:t>
+            </a:r>
+            <a:r>
+              <a:rPr lang="zh-TW" altLang="en-US" sz="2000" dirty="0" smtClean="0"/>
+              <a:t>來設置</a:t>
+            </a:r>
+            <a:endParaRPr lang="en-US" altLang="zh-TW" sz="2000" dirty="0" smtClean="0"/>
+          </a:p>
+          <a:p>
+            <a:r>
+              <a:rPr lang="zh-TW" altLang="en-US" sz="2000" dirty="0" smtClean="0"/>
+              <a:t>這</a:t>
+            </a:r>
+            <a:r>
+              <a:rPr lang="zh-TW" altLang="en-US" sz="2000" dirty="0"/>
+              <a:t>種機制確保了只要“</a:t>
+            </a:r>
+            <a:r>
+              <a:rPr lang="en-US" altLang="zh-TW" sz="2000" dirty="0"/>
+              <a:t>in sync” list</a:t>
+            </a:r>
+            <a:r>
+              <a:rPr lang="zh-TW" altLang="en-US" sz="2000" dirty="0"/>
+              <a:t>有一個或以上</a:t>
             </a:r>
             <a:r>
               <a:rPr lang="zh-TW" altLang="en-US" sz="2000" dirty="0" smtClean="0"/>
@@ -6633,284 +6932,38 @@
             </a:r>
             <a:r>
               <a:rPr lang="en-US" altLang="zh-TW" sz="2000" dirty="0" smtClean="0"/>
-              <a:t>leader commit </a:t>
-            </a:r>
-            <a:r>
-              <a:rPr lang="zh-TW" altLang="en-US" sz="2000" dirty="0" smtClean="0"/>
-              <a:t>的所有</a:t>
+              <a:t>follower</a:t>
+            </a:r>
+            <a:r>
+              <a:rPr lang="zh-TW" altLang="en-US" sz="2000" dirty="0" smtClean="0"/>
+              <a:t>，</a:t>
+            </a:r>
+            <a:r>
+              <a:rPr lang="zh-TW" altLang="en-US" sz="2000" dirty="0"/>
+              <a:t>一條被</a:t>
+            </a:r>
+            <a:r>
+              <a:rPr lang="en-US" altLang="zh-TW" sz="2000" dirty="0"/>
+              <a:t>commit</a:t>
+            </a:r>
+            <a:r>
+              <a:rPr lang="zh-TW" altLang="en-US" sz="2000" dirty="0" smtClean="0"/>
+              <a:t>的</a:t>
             </a:r>
             <a:r>
               <a:rPr lang="en-US" altLang="zh-TW" sz="2000" dirty="0" smtClean="0"/>
               <a:t>Message</a:t>
             </a:r>
-          </a:p>
-          <a:p>
-            <a:pPr lvl="1"/>
-            <a:r>
-              <a:rPr lang="zh-TW" altLang="en-US" sz="1800" dirty="0" smtClean="0"/>
-              <a:t>要有所取捨，如果 </a:t>
-            </a:r>
-            <a:r>
-              <a:rPr lang="en-US" altLang="zh-TW" sz="1800" dirty="0" smtClean="0"/>
-              <a:t>leader </a:t>
-            </a:r>
-            <a:r>
-              <a:rPr lang="zh-TW" altLang="en-US" sz="1800" dirty="0" smtClean="0"/>
-              <a:t>在</a:t>
-            </a:r>
-            <a:r>
-              <a:rPr lang="zh-TW" altLang="en-US" sz="1800" dirty="0"/>
-              <a:t>標明一</a:t>
-            </a:r>
-            <a:r>
-              <a:rPr lang="zh-TW" altLang="en-US" sz="1800" dirty="0" smtClean="0"/>
-              <a:t>條 </a:t>
-            </a:r>
-            <a:r>
-              <a:rPr lang="en-US" altLang="zh-TW" sz="1800" dirty="0" smtClean="0"/>
-              <a:t>Message</a:t>
-            </a:r>
-            <a:r>
-              <a:rPr lang="zh-TW" altLang="en-US" sz="1800" dirty="0" smtClean="0"/>
-              <a:t>被</a:t>
-            </a:r>
-            <a:r>
-              <a:rPr lang="en-US" altLang="zh-TW" sz="1800" dirty="0"/>
-              <a:t>commit</a:t>
-            </a:r>
-            <a:r>
-              <a:rPr lang="zh-TW" altLang="en-US" sz="1800" dirty="0"/>
-              <a:t>前等待更多的</a:t>
-            </a:r>
-            <a:r>
-              <a:rPr lang="en-US" altLang="zh-TW" sz="1800" dirty="0"/>
-              <a:t>follower</a:t>
-            </a:r>
-            <a:r>
-              <a:rPr lang="zh-TW" altLang="en-US" sz="1800" dirty="0"/>
-              <a:t>確認，</a:t>
-            </a:r>
-            <a:r>
-              <a:rPr lang="zh-TW" altLang="en-US" sz="1800" dirty="0" smtClean="0"/>
-              <a:t>那之後</a:t>
-            </a:r>
-            <a:r>
-              <a:rPr lang="zh-TW" altLang="en-US" sz="1800" dirty="0"/>
-              <a:t>就有更多的</a:t>
-            </a:r>
-            <a:r>
-              <a:rPr lang="en-US" altLang="zh-TW" sz="1800" dirty="0"/>
-              <a:t>follower</a:t>
-            </a:r>
-            <a:r>
-              <a:rPr lang="zh-TW" altLang="en-US" sz="1800" dirty="0"/>
-              <a:t>可以作為新的</a:t>
-            </a:r>
-            <a:r>
-              <a:rPr lang="en-US" altLang="zh-TW" sz="1800" dirty="0"/>
-              <a:t>leader</a:t>
-            </a:r>
-            <a:r>
-              <a:rPr lang="zh-TW" altLang="en-US" sz="1800" dirty="0"/>
-              <a:t>，但這也會造成吞吐率的下降</a:t>
-            </a:r>
-            <a:r>
-              <a:rPr lang="zh-TW" altLang="en-US" sz="1800" dirty="0" smtClean="0"/>
-              <a:t>。</a:t>
-            </a:r>
-            <a:endParaRPr lang="en-US" altLang="zh-TW" sz="1800" dirty="0" smtClean="0"/>
-          </a:p>
-          <a:p>
-            <a:r>
-              <a:rPr lang="en-US" altLang="zh-TW" sz="2000" dirty="0" smtClean="0"/>
-              <a:t>Kafka</a:t>
-            </a:r>
-            <a:r>
-              <a:rPr lang="zh-TW" altLang="en-US" sz="2000" dirty="0" smtClean="0"/>
-              <a:t>所</a:t>
+            <a:r>
+              <a:rPr lang="zh-TW" altLang="en-US" sz="2000" dirty="0" smtClean="0"/>
+              <a:t>就</a:t>
             </a:r>
             <a:r>
               <a:rPr lang="zh-TW" altLang="en-US" sz="2000" dirty="0"/>
-              <a:t>使用的</a:t>
-            </a:r>
-            <a:r>
-              <a:rPr lang="en-US" altLang="zh-TW" sz="2000" dirty="0"/>
-              <a:t>leader election</a:t>
-            </a:r>
-            <a:r>
-              <a:rPr lang="zh-TW" altLang="en-US" sz="2000" dirty="0"/>
-              <a:t>算法更像微軟</a:t>
-            </a:r>
-            <a:r>
-              <a:rPr lang="zh-TW" altLang="en-US" sz="2000" dirty="0" smtClean="0"/>
-              <a:t>的 </a:t>
-            </a:r>
-            <a:r>
-              <a:rPr lang="en-US" altLang="zh-TW" sz="2000" dirty="0" err="1" smtClean="0">
-                <a:hlinkClick r:id="rId2"/>
-              </a:rPr>
-              <a:t>PacificA</a:t>
-            </a:r>
-            <a:r>
-              <a:rPr lang="en-US" altLang="zh-TW" sz="2000" dirty="0" smtClean="0"/>
-              <a:t> </a:t>
-            </a:r>
-            <a:r>
-              <a:rPr lang="zh-TW" altLang="en-US" sz="2000" dirty="0" smtClean="0"/>
-              <a:t>算法</a:t>
+              <a:t>不會丟失。 </a:t>
             </a:r>
             <a:endParaRPr lang="en-US" altLang="zh-TW" sz="2000" dirty="0" smtClean="0"/>
           </a:p>
-          <a:p>
-            <a:pPr lvl="1"/>
-            <a:r>
-              <a:rPr lang="en-US" altLang="zh-TW" sz="1800" dirty="0" err="1"/>
-              <a:t>PacificA</a:t>
-            </a:r>
-            <a:r>
-              <a:rPr lang="en-US" altLang="zh-TW" sz="1800" dirty="0"/>
-              <a:t>: Replication in Log-Based Distributed Storage </a:t>
-            </a:r>
-            <a:r>
-              <a:rPr lang="en-US" altLang="zh-TW" sz="1800" dirty="0" smtClean="0"/>
-              <a:t>System</a:t>
-            </a:r>
-            <a:r>
-              <a:rPr lang="zh-TW" altLang="en-US" sz="1800" dirty="0"/>
-              <a:t> </a:t>
-            </a:r>
-            <a:endParaRPr lang="en-US" altLang="zh-TW" sz="1800" dirty="0" smtClean="0"/>
-          </a:p>
-          <a:p>
-            <a:pPr lvl="2"/>
-            <a:r>
-              <a:rPr lang="en-US" altLang="zh-TW" sz="1400" dirty="0"/>
-              <a:t>http://research.microsoft.com/pubs/66814/tr-2008-25.pdf</a:t>
-            </a:r>
-            <a:endParaRPr lang="en-US" altLang="zh-TW" sz="1400" dirty="0" smtClean="0"/>
-          </a:p>
-          <a:p>
-            <a:r>
-              <a:rPr lang="en-US" altLang="zh-TW" sz="2000" dirty="0" smtClean="0"/>
-              <a:t>Zookeeper </a:t>
-            </a:r>
-            <a:r>
-              <a:rPr lang="zh-TW" altLang="en-US" sz="2000" dirty="0" smtClean="0"/>
-              <a:t>中</a:t>
-            </a:r>
-            <a:r>
-              <a:rPr lang="zh-TW" altLang="en-US" sz="2000" dirty="0"/>
-              <a:t>動態維護了</a:t>
-            </a:r>
-            <a:r>
-              <a:rPr lang="zh-TW" altLang="en-US" sz="2000" dirty="0" smtClean="0">
-                <a:solidFill>
-                  <a:srgbClr val="FF0000"/>
-                </a:solidFill>
-              </a:rPr>
-              <a:t>一個 </a:t>
-            </a:r>
-            <a:r>
-              <a:rPr lang="en-US" altLang="zh-TW" sz="2000" dirty="0" smtClean="0">
-                <a:solidFill>
-                  <a:srgbClr val="FF0000"/>
-                </a:solidFill>
-              </a:rPr>
-              <a:t>ISR</a:t>
-            </a:r>
-            <a:r>
-              <a:rPr lang="zh-TW" altLang="en-US" sz="2000" dirty="0">
-                <a:solidFill>
-                  <a:srgbClr val="FF0000"/>
-                </a:solidFill>
-              </a:rPr>
-              <a:t>（</a:t>
-            </a:r>
-            <a:r>
-              <a:rPr lang="en-US" altLang="zh-TW" sz="2000" dirty="0">
-                <a:solidFill>
-                  <a:srgbClr val="FF0000"/>
-                </a:solidFill>
-              </a:rPr>
-              <a:t>in-sync replicas</a:t>
-            </a:r>
-            <a:r>
-              <a:rPr lang="zh-TW" altLang="en-US" sz="2000" dirty="0">
-                <a:solidFill>
-                  <a:srgbClr val="FF0000"/>
-                </a:solidFill>
-              </a:rPr>
-              <a:t>） </a:t>
-            </a:r>
-            <a:r>
-              <a:rPr lang="en-US" altLang="zh-TW" sz="2000" dirty="0">
-                <a:solidFill>
-                  <a:srgbClr val="FF0000"/>
-                </a:solidFill>
-              </a:rPr>
-              <a:t>set</a:t>
-            </a:r>
-            <a:r>
-              <a:rPr lang="zh-TW" altLang="en-US" sz="2000" dirty="0"/>
-              <a:t>，這個</a:t>
-            </a:r>
-            <a:r>
-              <a:rPr lang="en-US" altLang="zh-TW" sz="2000" dirty="0" smtClean="0"/>
-              <a:t>set </a:t>
-            </a:r>
-            <a:r>
-              <a:rPr lang="zh-TW" altLang="en-US" sz="2000" dirty="0" smtClean="0"/>
-              <a:t>裡</a:t>
-            </a:r>
-            <a:r>
-              <a:rPr lang="zh-TW" altLang="en-US" sz="2000" dirty="0"/>
-              <a:t>的</a:t>
-            </a:r>
-            <a:r>
-              <a:rPr lang="zh-TW" altLang="en-US" sz="2000" dirty="0" smtClean="0"/>
-              <a:t>所有 </a:t>
-            </a:r>
-            <a:r>
-              <a:rPr lang="en-US" altLang="zh-TW" sz="2000" dirty="0" smtClean="0"/>
-              <a:t>replica </a:t>
-            </a:r>
-            <a:r>
-              <a:rPr lang="zh-TW" altLang="en-US" sz="2000" dirty="0" smtClean="0"/>
-              <a:t>都</a:t>
-            </a:r>
-            <a:r>
-              <a:rPr lang="zh-TW" altLang="en-US" sz="2000" dirty="0"/>
-              <a:t>跟上</a:t>
-            </a:r>
-            <a:r>
-              <a:rPr lang="zh-TW" altLang="en-US" sz="2000" dirty="0" smtClean="0"/>
-              <a:t>了 </a:t>
-            </a:r>
-            <a:r>
-              <a:rPr lang="en-US" altLang="zh-TW" sz="2000" dirty="0" smtClean="0"/>
-              <a:t>leader</a:t>
-            </a:r>
-            <a:r>
-              <a:rPr lang="zh-TW" altLang="en-US" sz="2000" dirty="0"/>
-              <a:t>，只有</a:t>
-            </a:r>
-            <a:r>
-              <a:rPr lang="en-US" altLang="zh-TW" sz="2000" dirty="0"/>
-              <a:t>ISR</a:t>
-            </a:r>
-            <a:r>
-              <a:rPr lang="zh-TW" altLang="en-US" sz="2000" dirty="0"/>
-              <a:t>裡的成員才有被選為</a:t>
-            </a:r>
-            <a:r>
-              <a:rPr lang="en-US" altLang="zh-TW" sz="2000" dirty="0"/>
-              <a:t>leader</a:t>
-            </a:r>
-            <a:r>
-              <a:rPr lang="zh-TW" altLang="en-US" sz="2000" dirty="0"/>
-              <a:t>的可能</a:t>
-            </a:r>
-          </a:p>
         </p:txBody>
       </p:sp>
       <p:sp>
@@ -6930,7 +6983,7 @@
           <a:p>
             <a:fld id="{92D689F0-93C6-4C05-849C-0706C5E0351F}" type="datetime1">
               <a:rPr lang="zh-TW" altLang="en-US" smtClean="0"/>
-              <a:t>2016/4/30</a:t>
+              <a:t>2016/5/9</a:t>
             </a:fld>
             <a:endParaRPr lang="zh-TW" altLang="en-US"/>
           </a:p>
@@ -6989,7 +7042,7 @@
     </p:spTree>
     <p:extLst>
       <p:ext uri="{BB962C8B-B14F-4D97-AF65-F5344CB8AC3E}">
-        <p14:creationId xmlns:p14="http://schemas.microsoft.com/office/powerpoint/2010/main" val="1166973351"/>
+        <p14:creationId xmlns:p14="http://schemas.microsoft.com/office/powerpoint/2010/main" val="3937665248"/>
       </p:ext>
     </p:extLst>
   </p:cSld>
@@ -7034,12 +7087,12 @@
           <a:lstStyle/>
           <a:p>
             <a:r>
+              <a:rPr lang="en-US" altLang="zh-TW" b="1" dirty="0" smtClean="0"/>
+              <a:t>Leader </a:t>
+            </a:r>
+            <a:r>
               <a:rPr lang="en-US" altLang="zh-TW" b="1" dirty="0"/>
-              <a:t>Consumer </a:t>
-            </a:r>
-            <a:r>
-              <a:rPr lang="en-US" altLang="zh-TW" b="1" dirty="0" smtClean="0"/>
-              <a:t>group</a:t>
+              <a:t>election</a:t>
             </a:r>
             <a:endParaRPr lang="zh-TW" altLang="en-US" dirty="0"/>
           </a:p>
@@ -7063,6 +7116,511 @@
           <a:lstStyle/>
           <a:p>
             <a:r>
+              <a:rPr lang="en-US" altLang="zh-TW" sz="2000" dirty="0" smtClean="0"/>
+              <a:t>Follower </a:t>
+            </a:r>
+            <a:r>
+              <a:rPr lang="zh-TW" altLang="en-US" sz="2000" dirty="0" smtClean="0"/>
+              <a:t>可能</a:t>
+            </a:r>
+            <a:r>
+              <a:rPr lang="zh-TW" altLang="en-US" sz="2000" dirty="0"/>
+              <a:t>落後許多或者</a:t>
+            </a:r>
+            <a:r>
+              <a:rPr lang="en-US" altLang="zh-TW" sz="2000" dirty="0"/>
+              <a:t>crash</a:t>
+            </a:r>
+            <a:r>
+              <a:rPr lang="zh-TW" altLang="en-US" sz="2000" dirty="0"/>
+              <a:t>了，所以必須確保</a:t>
+            </a:r>
+            <a:r>
+              <a:rPr lang="zh-TW" altLang="en-US" sz="2000" dirty="0" smtClean="0"/>
+              <a:t>選擇</a:t>
+            </a:r>
+            <a:r>
+              <a:rPr lang="zh-TW" altLang="en-US" sz="2000" dirty="0" smtClean="0">
+                <a:solidFill>
+                  <a:srgbClr val="FF0000"/>
+                </a:solidFill>
+              </a:rPr>
+              <a:t>最新</a:t>
+            </a:r>
+            <a:r>
+              <a:rPr lang="zh-TW" altLang="en-US" sz="2000" dirty="0" smtClean="0"/>
+              <a:t>的 </a:t>
+            </a:r>
+            <a:r>
+              <a:rPr lang="en-US" altLang="zh-TW" sz="2000" dirty="0" smtClean="0"/>
+              <a:t>follower </a:t>
+            </a:r>
+            <a:r>
+              <a:rPr lang="zh-TW" altLang="en-US" sz="2000" dirty="0" smtClean="0"/>
+              <a:t>作為</a:t>
+            </a:r>
+            <a:r>
+              <a:rPr lang="zh-TW" altLang="en-US" sz="2000" dirty="0"/>
+              <a:t>新的</a:t>
+            </a:r>
+            <a:r>
+              <a:rPr lang="en-US" altLang="zh-TW" sz="2000" dirty="0" smtClean="0"/>
+              <a:t>leader</a:t>
+            </a:r>
+          </a:p>
+          <a:p>
+            <a:r>
+              <a:rPr lang="zh-TW" altLang="en-US" sz="2000" dirty="0" smtClean="0"/>
+              <a:t>新的 </a:t>
+            </a:r>
+            <a:r>
+              <a:rPr lang="en-US" altLang="zh-TW" sz="2000" dirty="0" smtClean="0"/>
+              <a:t>leader </a:t>
+            </a:r>
+            <a:r>
+              <a:rPr lang="zh-TW" altLang="en-US" sz="2000" dirty="0" smtClean="0"/>
+              <a:t>必須</a:t>
+            </a:r>
+            <a:r>
+              <a:rPr lang="zh-TW" altLang="en-US" sz="2000" dirty="0"/>
+              <a:t>擁有原來</a:t>
+            </a:r>
+            <a:r>
+              <a:rPr lang="zh-TW" altLang="en-US" sz="2000" dirty="0" smtClean="0"/>
+              <a:t>的 </a:t>
+            </a:r>
+            <a:r>
+              <a:rPr lang="en-US" altLang="zh-TW" sz="2000" dirty="0" smtClean="0"/>
+              <a:t>leader commit </a:t>
+            </a:r>
+            <a:r>
+              <a:rPr lang="zh-TW" altLang="en-US" sz="2000" dirty="0" smtClean="0"/>
+              <a:t>的所有</a:t>
+            </a:r>
+            <a:r>
+              <a:rPr lang="en-US" altLang="zh-TW" sz="2000" dirty="0" smtClean="0"/>
+              <a:t>Message</a:t>
+            </a:r>
+          </a:p>
+          <a:p>
+            <a:pPr lvl="1"/>
+            <a:r>
+              <a:rPr lang="zh-TW" altLang="en-US" sz="1800" dirty="0" smtClean="0"/>
+              <a:t>要有所取捨，如果 </a:t>
+            </a:r>
+            <a:r>
+              <a:rPr lang="en-US" altLang="zh-TW" sz="1800" dirty="0" smtClean="0"/>
+              <a:t>leader </a:t>
+            </a:r>
+            <a:r>
+              <a:rPr lang="zh-TW" altLang="en-US" sz="1800" dirty="0" smtClean="0"/>
+              <a:t>在</a:t>
+            </a:r>
+            <a:r>
+              <a:rPr lang="zh-TW" altLang="en-US" sz="1800" dirty="0"/>
+              <a:t>標明一</a:t>
+            </a:r>
+            <a:r>
+              <a:rPr lang="zh-TW" altLang="en-US" sz="1800" dirty="0" smtClean="0"/>
+              <a:t>條 </a:t>
+            </a:r>
+            <a:r>
+              <a:rPr lang="en-US" altLang="zh-TW" sz="1800" dirty="0" smtClean="0"/>
+              <a:t>Message</a:t>
+            </a:r>
+            <a:r>
+              <a:rPr lang="zh-TW" altLang="en-US" sz="1800" dirty="0" smtClean="0"/>
+              <a:t>被</a:t>
+            </a:r>
+            <a:r>
+              <a:rPr lang="en-US" altLang="zh-TW" sz="1800" dirty="0"/>
+              <a:t>commit</a:t>
+            </a:r>
+            <a:r>
+              <a:rPr lang="zh-TW" altLang="en-US" sz="1800" dirty="0"/>
+              <a:t>前等待更多的</a:t>
+            </a:r>
+            <a:r>
+              <a:rPr lang="en-US" altLang="zh-TW" sz="1800" dirty="0"/>
+              <a:t>follower</a:t>
+            </a:r>
+            <a:r>
+              <a:rPr lang="zh-TW" altLang="en-US" sz="1800" dirty="0"/>
+              <a:t>確認，</a:t>
+            </a:r>
+            <a:r>
+              <a:rPr lang="zh-TW" altLang="en-US" sz="1800" dirty="0" smtClean="0"/>
+              <a:t>那之後</a:t>
+            </a:r>
+            <a:r>
+              <a:rPr lang="zh-TW" altLang="en-US" sz="1800" dirty="0"/>
+              <a:t>就有更多的</a:t>
+            </a:r>
+            <a:r>
+              <a:rPr lang="en-US" altLang="zh-TW" sz="1800" dirty="0"/>
+              <a:t>follower</a:t>
+            </a:r>
+            <a:r>
+              <a:rPr lang="zh-TW" altLang="en-US" sz="1800" dirty="0"/>
+              <a:t>可以作為新的</a:t>
+            </a:r>
+            <a:r>
+              <a:rPr lang="en-US" altLang="zh-TW" sz="1800" dirty="0"/>
+              <a:t>leader</a:t>
+            </a:r>
+            <a:r>
+              <a:rPr lang="zh-TW" altLang="en-US" sz="1800" dirty="0"/>
+              <a:t>，但這也會造成吞吐率的下降</a:t>
+            </a:r>
+            <a:r>
+              <a:rPr lang="zh-TW" altLang="en-US" sz="1800" dirty="0" smtClean="0"/>
+              <a:t>。</a:t>
+            </a:r>
+            <a:endParaRPr lang="en-US" altLang="zh-TW" sz="1800" dirty="0" smtClean="0"/>
+          </a:p>
+          <a:p>
+            <a:r>
+              <a:rPr lang="en-US" altLang="zh-TW" sz="2000" dirty="0" smtClean="0"/>
+              <a:t>Kafka</a:t>
+            </a:r>
+            <a:r>
+              <a:rPr lang="zh-TW" altLang="en-US" sz="2000" dirty="0" smtClean="0"/>
+              <a:t>所</a:t>
+            </a:r>
+            <a:r>
+              <a:rPr lang="zh-TW" altLang="en-US" sz="2000" dirty="0"/>
+              <a:t>使用的</a:t>
+            </a:r>
+            <a:r>
+              <a:rPr lang="en-US" altLang="zh-TW" sz="2000" dirty="0"/>
+              <a:t>leader election</a:t>
+            </a:r>
+            <a:r>
+              <a:rPr lang="zh-TW" altLang="en-US" sz="2000" dirty="0"/>
+              <a:t>算法更像微軟</a:t>
+            </a:r>
+            <a:r>
+              <a:rPr lang="zh-TW" altLang="en-US" sz="2000" dirty="0" smtClean="0"/>
+              <a:t>的 </a:t>
+            </a:r>
+            <a:r>
+              <a:rPr lang="en-US" altLang="zh-TW" sz="2000" dirty="0" err="1" smtClean="0">
+                <a:hlinkClick r:id="rId2"/>
+              </a:rPr>
+              <a:t>PacificA</a:t>
+            </a:r>
+            <a:r>
+              <a:rPr lang="en-US" altLang="zh-TW" sz="2000" dirty="0" smtClean="0"/>
+              <a:t> </a:t>
+            </a:r>
+            <a:r>
+              <a:rPr lang="zh-TW" altLang="en-US" sz="2000" dirty="0" smtClean="0"/>
+              <a:t>算法</a:t>
+            </a:r>
+            <a:endParaRPr lang="en-US" altLang="zh-TW" sz="2000" dirty="0" smtClean="0"/>
+          </a:p>
+          <a:p>
+            <a:pPr lvl="1"/>
+            <a:r>
+              <a:rPr lang="en-US" altLang="zh-TW" sz="1800" dirty="0" err="1"/>
+              <a:t>PacificA</a:t>
+            </a:r>
+            <a:r>
+              <a:rPr lang="en-US" altLang="zh-TW" sz="1800" dirty="0"/>
+              <a:t>: Replication in Log-Based Distributed Storage </a:t>
+            </a:r>
+            <a:r>
+              <a:rPr lang="en-US" altLang="zh-TW" sz="1800" dirty="0" smtClean="0"/>
+              <a:t>System</a:t>
+            </a:r>
+            <a:r>
+              <a:rPr lang="zh-TW" altLang="en-US" sz="1800" dirty="0"/>
+              <a:t> </a:t>
+            </a:r>
+            <a:endParaRPr lang="en-US" altLang="zh-TW" sz="1800" dirty="0" smtClean="0"/>
+          </a:p>
+          <a:p>
+            <a:pPr lvl="2"/>
+            <a:r>
+              <a:rPr lang="en-US" altLang="zh-TW" sz="1400" dirty="0"/>
+              <a:t>http://research.microsoft.com/pubs/66814/tr-2008-25.pdf</a:t>
+            </a:r>
+            <a:endParaRPr lang="en-US" altLang="zh-TW" sz="1400" dirty="0" smtClean="0"/>
+          </a:p>
+          <a:p>
+            <a:r>
+              <a:rPr lang="en-US" altLang="zh-TW" sz="2000" dirty="0" smtClean="0"/>
+              <a:t>Zookeeper </a:t>
+            </a:r>
+            <a:r>
+              <a:rPr lang="zh-TW" altLang="en-US" sz="2000" dirty="0" smtClean="0"/>
+              <a:t>中</a:t>
+            </a:r>
+            <a:r>
+              <a:rPr lang="zh-TW" altLang="en-US" sz="2000" dirty="0"/>
+              <a:t>動態維護了</a:t>
+            </a:r>
+            <a:r>
+              <a:rPr lang="zh-TW" altLang="en-US" sz="2000" dirty="0" smtClean="0">
+                <a:solidFill>
+                  <a:srgbClr val="FF0000"/>
+                </a:solidFill>
+              </a:rPr>
+              <a:t>一個 </a:t>
+            </a:r>
+            <a:r>
+              <a:rPr lang="en-US" altLang="zh-TW" sz="2000" dirty="0" smtClean="0">
+                <a:solidFill>
+                  <a:srgbClr val="FF0000"/>
+                </a:solidFill>
+              </a:rPr>
+              <a:t>ISR</a:t>
+            </a:r>
+            <a:r>
+              <a:rPr lang="zh-TW" altLang="en-US" sz="2000" dirty="0">
+                <a:solidFill>
+                  <a:srgbClr val="FF0000"/>
+                </a:solidFill>
+              </a:rPr>
+              <a:t>（</a:t>
+            </a:r>
+            <a:r>
+              <a:rPr lang="en-US" altLang="zh-TW" sz="2000" dirty="0">
+                <a:solidFill>
+                  <a:srgbClr val="FF0000"/>
+                </a:solidFill>
+              </a:rPr>
+              <a:t>in-sync replicas</a:t>
+            </a:r>
+            <a:r>
+              <a:rPr lang="zh-TW" altLang="en-US" sz="2000" dirty="0">
+                <a:solidFill>
+                  <a:srgbClr val="FF0000"/>
+                </a:solidFill>
+              </a:rPr>
+              <a:t>） </a:t>
+            </a:r>
+            <a:r>
+              <a:rPr lang="en-US" altLang="zh-TW" sz="2000" dirty="0">
+                <a:solidFill>
+                  <a:srgbClr val="FF0000"/>
+                </a:solidFill>
+              </a:rPr>
+              <a:t>set</a:t>
+            </a:r>
+            <a:r>
+              <a:rPr lang="zh-TW" altLang="en-US" sz="2000" dirty="0"/>
+              <a:t>，這個</a:t>
+            </a:r>
+            <a:r>
+              <a:rPr lang="en-US" altLang="zh-TW" sz="2000" dirty="0" smtClean="0"/>
+              <a:t>set </a:t>
+            </a:r>
+            <a:r>
+              <a:rPr lang="zh-TW" altLang="en-US" sz="2000" dirty="0" smtClean="0"/>
+              <a:t>裡</a:t>
+            </a:r>
+            <a:r>
+              <a:rPr lang="zh-TW" altLang="en-US" sz="2000" dirty="0"/>
+              <a:t>的</a:t>
+            </a:r>
+            <a:r>
+              <a:rPr lang="zh-TW" altLang="en-US" sz="2000" dirty="0" smtClean="0"/>
+              <a:t>所有 </a:t>
+            </a:r>
+            <a:r>
+              <a:rPr lang="en-US" altLang="zh-TW" sz="2000" dirty="0" smtClean="0"/>
+              <a:t>replica </a:t>
+            </a:r>
+            <a:r>
+              <a:rPr lang="zh-TW" altLang="en-US" sz="2000" dirty="0" smtClean="0"/>
+              <a:t>都</a:t>
+            </a:r>
+            <a:r>
+              <a:rPr lang="zh-TW" altLang="en-US" sz="2000" dirty="0"/>
+              <a:t>跟上</a:t>
+            </a:r>
+            <a:r>
+              <a:rPr lang="zh-TW" altLang="en-US" sz="2000" dirty="0" smtClean="0"/>
+              <a:t>了 </a:t>
+            </a:r>
+            <a:r>
+              <a:rPr lang="en-US" altLang="zh-TW" sz="2000" dirty="0" smtClean="0"/>
+              <a:t>leader</a:t>
+            </a:r>
+            <a:r>
+              <a:rPr lang="zh-TW" altLang="en-US" sz="2000" dirty="0"/>
+              <a:t>，只有</a:t>
+            </a:r>
+            <a:r>
+              <a:rPr lang="en-US" altLang="zh-TW" sz="2000" dirty="0"/>
+              <a:t>ISR</a:t>
+            </a:r>
+            <a:r>
+              <a:rPr lang="zh-TW" altLang="en-US" sz="2000" dirty="0"/>
+              <a:t>裡的成員才有被選為</a:t>
+            </a:r>
+            <a:r>
+              <a:rPr lang="en-US" altLang="zh-TW" sz="2000" dirty="0"/>
+              <a:t>leader</a:t>
+            </a:r>
+            <a:r>
+              <a:rPr lang="zh-TW" altLang="en-US" sz="2000" dirty="0"/>
+              <a:t>的可能</a:t>
+            </a:r>
+          </a:p>
+        </p:txBody>
+      </p:sp>
+      <p:sp>
+        <p:nvSpPr>
+          <p:cNvPr id="4" name="日期版面配置區 3"/>
+          <p:cNvSpPr>
+            <a:spLocks noGrp="1"/>
+          </p:cNvSpPr>
+          <p:nvPr>
+            <p:ph type="dt" sz="half" idx="10"/>
+          </p:nvPr>
+        </p:nvSpPr>
+        <p:spPr/>
+        <p:txBody>
+          <a:bodyPr/>
+          <a:lstStyle/>
+          <a:p>
+            <a:fld id="{92D689F0-93C6-4C05-849C-0706C5E0351F}" type="datetime1">
+              <a:rPr lang="zh-TW" altLang="en-US" smtClean="0"/>
+              <a:t>2016/5/9</a:t>
+            </a:fld>
+            <a:endParaRPr lang="zh-TW" altLang="en-US"/>
+          </a:p>
+        </p:txBody>
+      </p:sp>
+      <p:sp>
+        <p:nvSpPr>
+          <p:cNvPr id="5" name="頁尾版面配置區 4"/>
+          <p:cNvSpPr>
+            <a:spLocks noGrp="1"/>
+          </p:cNvSpPr>
+          <p:nvPr>
+            <p:ph type="ftr" sz="quarter" idx="11"/>
+          </p:nvPr>
+        </p:nvSpPr>
+        <p:spPr/>
+        <p:txBody>
+          <a:bodyPr/>
+          <a:lstStyle/>
+          <a:p>
+            <a:r>
+              <a:rPr lang="en-US" altLang="zh-TW" smtClean="0"/>
+              <a:t>RETchat </a:t>
+            </a:r>
+            <a:r>
+              <a:rPr lang="zh-TW" altLang="en-US" smtClean="0"/>
+              <a:t>內部教學文件</a:t>
+            </a:r>
+            <a:endParaRPr lang="zh-TW" altLang="en-US"/>
+          </a:p>
+        </p:txBody>
+      </p:sp>
+      <p:sp>
+        <p:nvSpPr>
+          <p:cNvPr id="6" name="投影片編號版面配置區 5"/>
+          <p:cNvSpPr>
+            <a:spLocks noGrp="1"/>
+          </p:cNvSpPr>
+          <p:nvPr>
+            <p:ph type="sldNum" sz="quarter" idx="12"/>
+          </p:nvPr>
+        </p:nvSpPr>
+        <p:spPr/>
+        <p:txBody>
+          <a:bodyPr/>
+          <a:lstStyle/>
+          <a:p>
+            <a:fld id="{C4CC8384-60E7-446C-ABEF-271B71B81947}" type="slidenum">
+              <a:rPr lang="zh-TW" altLang="en-US" smtClean="0"/>
+              <a:t>16</a:t>
+            </a:fld>
+            <a:endParaRPr lang="zh-TW" altLang="en-US"/>
+          </a:p>
+        </p:txBody>
+      </p:sp>
+    </p:spTree>
+    <p:extLst>
+      <p:ext uri="{BB962C8B-B14F-4D97-AF65-F5344CB8AC3E}">
+        <p14:creationId xmlns:p14="http://schemas.microsoft.com/office/powerpoint/2010/main" val="1166973351"/>
+      </p:ext>
+    </p:extLst>
+  </p:cSld>
+  <p:clrMapOvr>
+    <a:masterClrMapping/>
+  </p:clrMapOvr>
+</p:sld>
+</file>
+
+<file path=ppt/slides/slide17.xml><?xml version="1.0" encoding="utf-8"?>
+<p:sld xmlns:a="http://schemas.openxmlformats.org/drawingml/2006/main" xmlns:r="http://schemas.openxmlformats.org/officeDocument/2006/relationships" xmlns:p="http://schemas.openxmlformats.org/presentationml/2006/main">
+  <p:cSld>
+    <p:spTree>
+      <p:nvGrpSpPr>
+        <p:cNvPr id="1" name=""/>
+        <p:cNvGrpSpPr/>
+        <p:nvPr/>
+      </p:nvGrpSpPr>
+      <p:grpSpPr>
+        <a:xfrm>
+          <a:off x="0" y="0"/>
+          <a:ext cx="0" cy="0"/>
+          <a:chOff x="0" y="0"/>
+          <a:chExt cx="0" cy="0"/>
+        </a:xfrm>
+      </p:grpSpPr>
+      <p:sp>
+        <p:nvSpPr>
+          <p:cNvPr id="2" name="標題 1"/>
+          <p:cNvSpPr>
+            <a:spLocks noGrp="1"/>
+          </p:cNvSpPr>
+          <p:nvPr>
+            <p:ph type="title"/>
+          </p:nvPr>
+        </p:nvSpPr>
+        <p:spPr/>
+        <p:txBody>
+          <a:bodyPr>
+            <a:normAutofit fontScale="90000"/>
+          </a:bodyPr>
+          <a:lstStyle/>
+          <a:p>
+            <a:r>
+              <a:rPr lang="en-US" altLang="zh-TW" b="1" dirty="0"/>
+              <a:t>Consumer </a:t>
+            </a:r>
+            <a:r>
+              <a:rPr lang="en-US" altLang="zh-TW" b="1" dirty="0" smtClean="0"/>
+              <a:t>group</a:t>
+            </a:r>
+            <a:endParaRPr lang="zh-TW" altLang="en-US" dirty="0"/>
+          </a:p>
+        </p:txBody>
+      </p:sp>
+      <p:sp>
+        <p:nvSpPr>
+          <p:cNvPr id="3" name="內容版面配置區 2"/>
+          <p:cNvSpPr>
+            <a:spLocks noGrp="1"/>
+          </p:cNvSpPr>
+          <p:nvPr>
+            <p:ph idx="1"/>
+          </p:nvPr>
+        </p:nvSpPr>
+        <p:spPr/>
+        <p:txBody>
+          <a:bodyPr>
+            <a:normAutofit/>
+          </a:bodyPr>
+          <a:lstStyle/>
+          <a:p>
+            <a:r>
               <a:rPr lang="zh-TW" altLang="en-US" sz="2000" dirty="0"/>
               <a:t>每</a:t>
             </a:r>
@@ -7236,7 +7794,7 @@
           <a:p>
             <a:fld id="{92D689F0-93C6-4C05-849C-0706C5E0351F}" type="datetime1">
               <a:rPr lang="zh-TW" altLang="en-US" smtClean="0"/>
-              <a:t>2016/4/30</a:t>
+              <a:t>2016/5/9</a:t>
             </a:fld>
             <a:endParaRPr lang="zh-TW" altLang="en-US"/>
           </a:p>
@@ -7286,7 +7844,7 @@
           <a:p>
             <a:fld id="{C4CC8384-60E7-446C-ABEF-271B71B81947}" type="slidenum">
               <a:rPr lang="zh-TW" altLang="en-US" smtClean="0"/>
-              <a:t>16</a:t>
+              <a:t>17</a:t>
             </a:fld>
             <a:endParaRPr lang="zh-TW" altLang="en-US"/>
           </a:p>
@@ -7346,7 +7904,7 @@
 </p:sld>
 </file>
 
-<file path=ppt/slides/slide17.xml><?xml version="1.0" encoding="utf-8"?>
+<file path=ppt/slides/slide18.xml><?xml version="1.0" encoding="utf-8"?>
 <p:sld xmlns:a="http://schemas.openxmlformats.org/drawingml/2006/main" xmlns:r="http://schemas.openxmlformats.org/officeDocument/2006/relationships" xmlns:p="http://schemas.openxmlformats.org/presentationml/2006/main">
   <p:cSld>
     <p:spTree>
@@ -7424,7 +7982,7 @@
           <a:p>
             <a:fld id="{92D689F0-93C6-4C05-849C-0706C5E0351F}" type="datetime1">
               <a:rPr lang="zh-TW" altLang="en-US" smtClean="0"/>
-              <a:t>2016/4/30</a:t>
+              <a:t>2016/5/9</a:t>
             </a:fld>
             <a:endParaRPr lang="zh-TW" altLang="en-US"/>
           </a:p>
@@ -7474,7 +8032,7 @@
           <a:p>
             <a:fld id="{C4CC8384-60E7-446C-ABEF-271B71B81947}" type="slidenum">
               <a:rPr lang="zh-TW" altLang="en-US" smtClean="0"/>
-              <a:t>17</a:t>
+              <a:t>18</a:t>
             </a:fld>
             <a:endParaRPr lang="zh-TW" altLang="en-US"/>
           </a:p>
@@ -7534,648 +8092,6 @@
 </p:sld>
 </file>
 
-<file path=ppt/slides/slide18.xml><?xml version="1.0" encoding="utf-8"?>
-<p:sld xmlns:a="http://schemas.openxmlformats.org/drawingml/2006/main" xmlns:r="http://schemas.openxmlformats.org/officeDocument/2006/relationships" xmlns:p="http://schemas.openxmlformats.org/presentationml/2006/main">
-  <p:cSld>
-    <p:spTree>
-      <p:nvGrpSpPr>
-        <p:cNvPr id="1" name=""/>
-        <p:cNvGrpSpPr/>
-        <p:nvPr/>
-      </p:nvGrpSpPr>
-      <p:grpSpPr>
-        <a:xfrm>
-          <a:off x="0" y="0"/>
-          <a:ext cx="0" cy="0"/>
-          <a:chOff x="0" y="0"/>
-          <a:chExt cx="0" cy="0"/>
-        </a:xfrm>
-      </p:grpSpPr>
-      <p:sp>
-        <p:nvSpPr>
-          <p:cNvPr id="2" name="標題 1"/>
-          <p:cNvSpPr>
-            <a:spLocks noGrp="1"/>
-          </p:cNvSpPr>
-          <p:nvPr>
-            <p:ph type="title"/>
-          </p:nvPr>
-        </p:nvSpPr>
-        <p:spPr/>
-        <p:txBody>
-          <a:bodyPr>
-            <a:normAutofit fontScale="90000"/>
-          </a:bodyPr>
-          <a:lstStyle/>
-          <a:p>
-            <a:r>
-              <a:rPr lang="en-US" altLang="zh-TW" b="1" dirty="0"/>
-              <a:t>Consumer </a:t>
-            </a:r>
-            <a:r>
-              <a:rPr lang="en-US" altLang="zh-TW" b="1" dirty="0" smtClean="0"/>
-              <a:t>Rebalance</a:t>
-            </a:r>
-            <a:endParaRPr lang="zh-TW" altLang="en-US" dirty="0"/>
-          </a:p>
-        </p:txBody>
-      </p:sp>
-      <p:sp>
-        <p:nvSpPr>
-          <p:cNvPr id="3" name="內容版面配置區 2"/>
-          <p:cNvSpPr>
-            <a:spLocks noGrp="1"/>
-          </p:cNvSpPr>
-          <p:nvPr>
-            <p:ph idx="1"/>
-          </p:nvPr>
-        </p:nvSpPr>
-        <p:spPr/>
-        <p:txBody>
-          <a:bodyPr>
-            <a:noAutofit/>
-          </a:bodyPr>
-          <a:lstStyle/>
-          <a:p>
-            <a:r>
-              <a:rPr lang="en-US" altLang="zh-TW" sz="2000" dirty="0" smtClean="0"/>
-              <a:t>Kafka </a:t>
-            </a:r>
-            <a:r>
-              <a:rPr lang="zh-TW" altLang="en-US" sz="2000" dirty="0" smtClean="0"/>
-              <a:t>每一個 </a:t>
-            </a:r>
-            <a:r>
-              <a:rPr lang="en-US" altLang="zh-TW" sz="2000" dirty="0" smtClean="0"/>
-              <a:t>consumer</a:t>
-            </a:r>
-            <a:r>
-              <a:rPr lang="zh-TW" altLang="en-US" sz="2000" dirty="0"/>
-              <a:t> </a:t>
-            </a:r>
-            <a:r>
-              <a:rPr lang="zh-TW" altLang="en-US" sz="2000" dirty="0" smtClean="0"/>
-              <a:t>只會 </a:t>
-            </a:r>
-            <a:r>
-              <a:rPr lang="en-US" altLang="zh-TW" sz="2000" dirty="0" smtClean="0"/>
-              <a:t>Consume</a:t>
-            </a:r>
-            <a:r>
-              <a:rPr lang="zh-TW" altLang="en-US" sz="2000" dirty="0" smtClean="0"/>
-              <a:t>某</a:t>
-            </a:r>
-            <a:r>
-              <a:rPr lang="zh-TW" altLang="en-US" sz="2000" dirty="0"/>
-              <a:t>一個或多個特定</a:t>
-            </a:r>
-            <a:r>
-              <a:rPr lang="en-US" altLang="zh-TW" sz="2000" dirty="0"/>
-              <a:t>partition</a:t>
-            </a:r>
-            <a:r>
-              <a:rPr lang="zh-TW" altLang="en-US" sz="2000" dirty="0" smtClean="0"/>
-              <a:t>的</a:t>
-            </a:r>
-            <a:r>
-              <a:rPr lang="zh-TW" altLang="en-US" sz="2000" dirty="0"/>
-              <a:t> </a:t>
-            </a:r>
-            <a:r>
-              <a:rPr lang="en-US" altLang="zh-TW" sz="2000" dirty="0" smtClean="0"/>
-              <a:t>message</a:t>
-            </a:r>
-            <a:r>
-              <a:rPr lang="zh-TW" altLang="en-US" sz="2000" dirty="0" smtClean="0"/>
-              <a:t>，而每個 </a:t>
-            </a:r>
-            <a:r>
-              <a:rPr lang="en-US" altLang="zh-TW" sz="2000" dirty="0" smtClean="0"/>
-              <a:t>partition </a:t>
-            </a:r>
-            <a:r>
-              <a:rPr lang="zh-TW" altLang="en-US" sz="2000" dirty="0" smtClean="0"/>
-              <a:t>的</a:t>
-            </a:r>
-            <a:r>
-              <a:rPr lang="zh-TW" altLang="en-US" sz="2000" dirty="0"/>
-              <a:t>數據只會被某一個特定的</a:t>
-            </a:r>
-            <a:r>
-              <a:rPr lang="en-US" altLang="zh-TW" sz="2000" dirty="0" smtClean="0"/>
-              <a:t>consumer</a:t>
-            </a:r>
-            <a:r>
-              <a:rPr lang="zh-TW" altLang="en-US" sz="2000" dirty="0" smtClean="0"/>
-              <a:t>所</a:t>
-            </a:r>
-            <a:r>
-              <a:rPr lang="en-US" altLang="zh-TW" sz="2000" dirty="0" smtClean="0"/>
-              <a:t>Consume</a:t>
-            </a:r>
-          </a:p>
-          <a:p>
-            <a:pPr lvl="1"/>
-            <a:r>
-              <a:rPr lang="zh-TW" altLang="en-US" sz="1800" dirty="0" smtClean="0"/>
-              <a:t>缺點是</a:t>
-            </a:r>
-            <a:r>
-              <a:rPr lang="zh-TW" altLang="en-US" sz="1800" dirty="0"/>
-              <a:t>無法讓同一</a:t>
-            </a:r>
-            <a:r>
-              <a:rPr lang="zh-TW" altLang="en-US" sz="1800" dirty="0" smtClean="0"/>
-              <a:t>個 </a:t>
-            </a:r>
-            <a:r>
-              <a:rPr lang="en-US" altLang="zh-TW" sz="1800" dirty="0" smtClean="0"/>
-              <a:t>consumer group </a:t>
-            </a:r>
-            <a:r>
-              <a:rPr lang="zh-TW" altLang="en-US" sz="1800" dirty="0" smtClean="0"/>
-              <a:t>裡的 </a:t>
-            </a:r>
-            <a:r>
-              <a:rPr lang="en-US" altLang="zh-TW" sz="1800" dirty="0" smtClean="0"/>
-              <a:t>consumer </a:t>
-            </a:r>
-            <a:r>
-              <a:rPr lang="zh-TW" altLang="en-US" sz="1800" dirty="0" smtClean="0"/>
-              <a:t>均勻</a:t>
-            </a:r>
-            <a:r>
-              <a:rPr lang="en-US" altLang="zh-TW" sz="1800" dirty="0" smtClean="0"/>
-              <a:t>Consume</a:t>
-            </a:r>
-            <a:r>
-              <a:rPr lang="zh-TW" altLang="en-US" sz="1800" dirty="0" smtClean="0"/>
-              <a:t>數據</a:t>
-            </a:r>
-            <a:endParaRPr lang="en-US" altLang="zh-TW" sz="1800" dirty="0"/>
-          </a:p>
-          <a:p>
-            <a:pPr lvl="1"/>
-            <a:r>
-              <a:rPr lang="zh-TW" altLang="en-US" sz="1800" dirty="0" smtClean="0"/>
-              <a:t>優點是</a:t>
-            </a:r>
-            <a:r>
-              <a:rPr lang="zh-TW" altLang="en-US" sz="1800" dirty="0"/>
-              <a:t>每</a:t>
-            </a:r>
-            <a:r>
-              <a:rPr lang="zh-TW" altLang="en-US" sz="1800" dirty="0" smtClean="0"/>
-              <a:t>個 </a:t>
-            </a:r>
-            <a:r>
-              <a:rPr lang="en-US" altLang="zh-TW" sz="1800" dirty="0" smtClean="0">
-                <a:solidFill>
-                  <a:srgbClr val="FF0000"/>
-                </a:solidFill>
-              </a:rPr>
-              <a:t>consumer</a:t>
-            </a:r>
-            <a:r>
-              <a:rPr lang="zh-TW" altLang="en-US" sz="1800" dirty="0" smtClean="0">
-                <a:solidFill>
-                  <a:srgbClr val="FF0000"/>
-                </a:solidFill>
-              </a:rPr>
-              <a:t>不用大量的跟 </a:t>
-            </a:r>
-            <a:r>
-              <a:rPr lang="en-US" altLang="zh-TW" sz="1800" dirty="0" smtClean="0">
-                <a:solidFill>
-                  <a:srgbClr val="FF0000"/>
-                </a:solidFill>
-              </a:rPr>
-              <a:t>Broker</a:t>
-            </a:r>
-            <a:r>
-              <a:rPr lang="zh-TW" altLang="en-US" sz="1800" dirty="0" smtClean="0">
-                <a:solidFill>
-                  <a:srgbClr val="FF0000"/>
-                </a:solidFill>
-              </a:rPr>
-              <a:t>通信</a:t>
-            </a:r>
-            <a:r>
-              <a:rPr lang="zh-TW" altLang="en-US" sz="1800" dirty="0"/>
-              <a:t>，減少通信開銷，同時也降低了分配難度，實現也更</a:t>
-            </a:r>
-            <a:r>
-              <a:rPr lang="zh-TW" altLang="en-US" sz="1800" dirty="0" smtClean="0"/>
-              <a:t>簡單，</a:t>
-            </a:r>
-            <a:r>
-              <a:rPr lang="zh-TW" altLang="en-US" sz="1800" dirty="0"/>
-              <a:t>保證每</a:t>
-            </a:r>
-            <a:r>
-              <a:rPr lang="zh-TW" altLang="en-US" sz="1800" dirty="0" smtClean="0"/>
-              <a:t>個 </a:t>
-            </a:r>
-            <a:r>
-              <a:rPr lang="en-US" altLang="zh-TW" sz="1800" dirty="0" smtClean="0"/>
-              <a:t>partition </a:t>
-            </a:r>
-            <a:r>
-              <a:rPr lang="zh-TW" altLang="en-US" sz="1800" dirty="0" smtClean="0"/>
-              <a:t>裡</a:t>
-            </a:r>
-            <a:r>
-              <a:rPr lang="zh-TW" altLang="en-US" sz="1800" dirty="0"/>
-              <a:t>的數據也是有序</a:t>
-            </a:r>
-            <a:r>
-              <a:rPr lang="zh-TW" altLang="en-US" sz="1800" dirty="0" smtClean="0"/>
-              <a:t>被 </a:t>
-            </a:r>
-            <a:r>
-              <a:rPr lang="en-US" altLang="zh-TW" sz="1800" dirty="0" smtClean="0"/>
-              <a:t>Consume</a:t>
-            </a:r>
-          </a:p>
-          <a:p>
-            <a:r>
-              <a:rPr lang="en-US" altLang="zh-TW" sz="2000" dirty="0" smtClean="0"/>
-              <a:t>Consumer </a:t>
-            </a:r>
-            <a:r>
-              <a:rPr lang="zh-TW" altLang="en-US" sz="2000" dirty="0" smtClean="0"/>
-              <a:t>數量與 </a:t>
-            </a:r>
-            <a:r>
-              <a:rPr lang="en-US" altLang="zh-TW" sz="2000" dirty="0" smtClean="0"/>
-              <a:t>Partition </a:t>
-            </a:r>
-            <a:r>
-              <a:rPr lang="zh-TW" altLang="en-US" sz="2000" dirty="0" smtClean="0"/>
-              <a:t>數量相對關係</a:t>
-            </a:r>
-            <a:endParaRPr lang="en-US" altLang="zh-TW" sz="2000" dirty="0" smtClean="0"/>
-          </a:p>
-          <a:p>
-            <a:pPr lvl="1"/>
-            <a:r>
-              <a:rPr lang="zh-TW" altLang="en-US" sz="1800" dirty="0" smtClean="0">
-                <a:solidFill>
-                  <a:srgbClr val="FF0000"/>
-                </a:solidFill>
-              </a:rPr>
-              <a:t>如果 </a:t>
-            </a:r>
-            <a:r>
-              <a:rPr lang="en-US" altLang="zh-TW" sz="1800" dirty="0" smtClean="0">
-                <a:solidFill>
-                  <a:srgbClr val="FF0000"/>
-                </a:solidFill>
-              </a:rPr>
-              <a:t>consumer group </a:t>
-            </a:r>
-            <a:r>
-              <a:rPr lang="zh-TW" altLang="en-US" sz="1800" dirty="0" smtClean="0">
-                <a:solidFill>
-                  <a:srgbClr val="FF0000"/>
-                </a:solidFill>
-              </a:rPr>
-              <a:t>中 </a:t>
-            </a:r>
-            <a:r>
-              <a:rPr lang="en-US" altLang="zh-TW" sz="1800" dirty="0" smtClean="0">
-                <a:solidFill>
-                  <a:srgbClr val="FF0000"/>
-                </a:solidFill>
-              </a:rPr>
-              <a:t>consumer </a:t>
-            </a:r>
-            <a:r>
-              <a:rPr lang="zh-TW" altLang="en-US" sz="1800" dirty="0" smtClean="0">
-                <a:solidFill>
-                  <a:srgbClr val="FF0000"/>
-                </a:solidFill>
-              </a:rPr>
-              <a:t>數量</a:t>
-            </a:r>
-            <a:r>
-              <a:rPr lang="zh-TW" altLang="en-US" sz="1800" dirty="0">
-                <a:solidFill>
-                  <a:srgbClr val="FF0000"/>
-                </a:solidFill>
-              </a:rPr>
-              <a:t>少於</a:t>
-            </a:r>
-            <a:r>
-              <a:rPr lang="en-US" altLang="zh-TW" sz="1800" dirty="0">
-                <a:solidFill>
-                  <a:srgbClr val="FF0000"/>
-                </a:solidFill>
-              </a:rPr>
-              <a:t>partition</a:t>
-            </a:r>
-            <a:r>
-              <a:rPr lang="zh-TW" altLang="en-US" sz="1800" dirty="0">
-                <a:solidFill>
-                  <a:srgbClr val="FF0000"/>
-                </a:solidFill>
-              </a:rPr>
-              <a:t>數量</a:t>
-            </a:r>
-            <a:r>
-              <a:rPr lang="zh-TW" altLang="en-US" sz="1800" dirty="0"/>
-              <a:t>，則至少有</a:t>
-            </a:r>
-            <a:r>
-              <a:rPr lang="zh-TW" altLang="en-US" sz="1800" dirty="0" smtClean="0"/>
-              <a:t>一個 </a:t>
-            </a:r>
-            <a:r>
-              <a:rPr lang="en-US" altLang="zh-TW" sz="1800" dirty="0" smtClean="0"/>
-              <a:t>consumer </a:t>
-            </a:r>
-            <a:r>
-              <a:rPr lang="zh-TW" altLang="en-US" sz="1800" dirty="0" smtClean="0"/>
-              <a:t>會 </a:t>
-            </a:r>
-            <a:r>
-              <a:rPr lang="en-US" altLang="zh-TW" sz="1800" dirty="0" smtClean="0"/>
-              <a:t>Consume </a:t>
-            </a:r>
-            <a:r>
-              <a:rPr lang="zh-TW" altLang="en-US" sz="1800" dirty="0" smtClean="0"/>
-              <a:t>多個 </a:t>
-            </a:r>
-            <a:r>
-              <a:rPr lang="en-US" altLang="zh-TW" sz="1800" dirty="0" smtClean="0"/>
-              <a:t>partition </a:t>
-            </a:r>
-            <a:r>
-              <a:rPr lang="zh-TW" altLang="en-US" sz="1800" dirty="0" smtClean="0"/>
-              <a:t>的數據</a:t>
-            </a:r>
-            <a:endParaRPr lang="en-US" altLang="zh-TW" sz="1800" dirty="0" smtClean="0"/>
-          </a:p>
-          <a:p>
-            <a:pPr lvl="1"/>
-            <a:r>
-              <a:rPr lang="zh-TW" altLang="en-US" sz="1800" dirty="0" smtClean="0">
-                <a:solidFill>
-                  <a:srgbClr val="FF0000"/>
-                </a:solidFill>
-              </a:rPr>
-              <a:t>如果 </a:t>
-            </a:r>
-            <a:r>
-              <a:rPr lang="en-US" altLang="zh-TW" sz="1800" dirty="0" smtClean="0">
-                <a:solidFill>
-                  <a:srgbClr val="FF0000"/>
-                </a:solidFill>
-              </a:rPr>
-              <a:t>consumer </a:t>
-            </a:r>
-            <a:r>
-              <a:rPr lang="zh-TW" altLang="en-US" sz="1800" dirty="0" smtClean="0">
-                <a:solidFill>
-                  <a:srgbClr val="FF0000"/>
-                </a:solidFill>
-              </a:rPr>
-              <a:t>的</a:t>
-            </a:r>
-            <a:r>
-              <a:rPr lang="zh-TW" altLang="en-US" sz="1800" dirty="0">
-                <a:solidFill>
-                  <a:srgbClr val="FF0000"/>
-                </a:solidFill>
-              </a:rPr>
-              <a:t>數量</a:t>
-            </a:r>
-            <a:r>
-              <a:rPr lang="zh-TW" altLang="en-US" sz="1800" dirty="0" smtClean="0">
-                <a:solidFill>
-                  <a:srgbClr val="FF0000"/>
-                </a:solidFill>
-              </a:rPr>
-              <a:t>與 </a:t>
-            </a:r>
-            <a:r>
-              <a:rPr lang="en-US" altLang="zh-TW" sz="1800" dirty="0" smtClean="0">
-                <a:solidFill>
-                  <a:srgbClr val="FF0000"/>
-                </a:solidFill>
-              </a:rPr>
-              <a:t>partition </a:t>
-            </a:r>
-            <a:r>
-              <a:rPr lang="zh-TW" altLang="en-US" sz="1800" dirty="0" smtClean="0">
-                <a:solidFill>
-                  <a:srgbClr val="FF0000"/>
-                </a:solidFill>
-              </a:rPr>
-              <a:t>數量</a:t>
-            </a:r>
-            <a:r>
-              <a:rPr lang="zh-TW" altLang="en-US" sz="1800" dirty="0">
-                <a:solidFill>
-                  <a:srgbClr val="FF0000"/>
-                </a:solidFill>
-              </a:rPr>
-              <a:t>相同</a:t>
-            </a:r>
-            <a:r>
-              <a:rPr lang="zh-TW" altLang="en-US" sz="1800" dirty="0"/>
-              <a:t>，則正好一個</a:t>
-            </a:r>
-            <a:r>
-              <a:rPr lang="en-US" altLang="zh-TW" sz="1800" dirty="0" smtClean="0"/>
-              <a:t>consumer Consume</a:t>
-            </a:r>
-            <a:r>
-              <a:rPr lang="zh-TW" altLang="en-US" sz="1800" dirty="0"/>
-              <a:t>一個</a:t>
-            </a:r>
-            <a:r>
-              <a:rPr lang="en-US" altLang="zh-TW" sz="1800" dirty="0"/>
-              <a:t>partition</a:t>
-            </a:r>
-            <a:r>
-              <a:rPr lang="zh-TW" altLang="en-US" sz="1800" dirty="0"/>
-              <a:t>的</a:t>
-            </a:r>
-            <a:r>
-              <a:rPr lang="zh-TW" altLang="en-US" sz="1800" dirty="0" smtClean="0"/>
-              <a:t>數據</a:t>
-            </a:r>
-            <a:endParaRPr lang="en-US" altLang="zh-TW" sz="1800" dirty="0"/>
-          </a:p>
-          <a:p>
-            <a:pPr lvl="1"/>
-            <a:r>
-              <a:rPr lang="zh-TW" altLang="en-US" sz="1800" dirty="0" smtClean="0">
-                <a:solidFill>
-                  <a:srgbClr val="FF0000"/>
-                </a:solidFill>
-              </a:rPr>
-              <a:t>如果</a:t>
-            </a:r>
-            <a:r>
-              <a:rPr lang="en-US" altLang="zh-TW" sz="1800" dirty="0">
-                <a:solidFill>
-                  <a:srgbClr val="FF0000"/>
-                </a:solidFill>
-              </a:rPr>
-              <a:t>consumer</a:t>
-            </a:r>
-            <a:r>
-              <a:rPr lang="zh-TW" altLang="en-US" sz="1800" dirty="0">
-                <a:solidFill>
-                  <a:srgbClr val="FF0000"/>
-                </a:solidFill>
-              </a:rPr>
-              <a:t>的數量多於</a:t>
-            </a:r>
-            <a:r>
-              <a:rPr lang="en-US" altLang="zh-TW" sz="1800" dirty="0">
-                <a:solidFill>
-                  <a:srgbClr val="FF0000"/>
-                </a:solidFill>
-              </a:rPr>
-              <a:t>partition</a:t>
-            </a:r>
-            <a:r>
-              <a:rPr lang="zh-TW" altLang="en-US" sz="1800" dirty="0">
-                <a:solidFill>
-                  <a:srgbClr val="FF0000"/>
-                </a:solidFill>
-              </a:rPr>
-              <a:t>的數量時</a:t>
-            </a:r>
-            <a:r>
-              <a:rPr lang="zh-TW" altLang="en-US" sz="1800" dirty="0"/>
-              <a:t>，會有部分</a:t>
-            </a:r>
-            <a:r>
-              <a:rPr lang="en-US" altLang="zh-TW" sz="1800" dirty="0"/>
-              <a:t>consumer</a:t>
-            </a:r>
-            <a:r>
-              <a:rPr lang="zh-TW" altLang="en-US" sz="1800" dirty="0"/>
-              <a:t>無法</a:t>
-            </a:r>
-            <a:r>
-              <a:rPr lang="en-US" altLang="zh-TW" sz="1800" dirty="0"/>
-              <a:t>Consume</a:t>
-            </a:r>
-            <a:r>
-              <a:rPr lang="zh-TW" altLang="en-US" sz="1800" dirty="0"/>
-              <a:t>該</a:t>
-            </a:r>
-            <a:r>
-              <a:rPr lang="en-US" altLang="zh-TW" sz="1800" dirty="0"/>
-              <a:t>topic</a:t>
-            </a:r>
-            <a:r>
-              <a:rPr lang="zh-TW" altLang="en-US" sz="1800" dirty="0"/>
-              <a:t>下任何一條</a:t>
-            </a:r>
-            <a:r>
-              <a:rPr lang="en-US" altLang="zh-TW" sz="1800" dirty="0"/>
-              <a:t>Message</a:t>
-            </a:r>
-            <a:r>
-              <a:rPr lang="zh-TW" altLang="en-US" sz="1800" dirty="0"/>
-              <a:t>。 </a:t>
-            </a:r>
-            <a:endParaRPr lang="en-US" altLang="zh-TW" sz="1800" dirty="0"/>
-          </a:p>
-        </p:txBody>
-      </p:sp>
-      <p:sp>
-        <p:nvSpPr>
-          <p:cNvPr id="4" name="日期版面配置區 3"/>
-          <p:cNvSpPr>
-            <a:spLocks noGrp="1"/>
-          </p:cNvSpPr>
-          <p:nvPr>
-            <p:ph type="dt" sz="half" idx="10"/>
-          </p:nvPr>
-        </p:nvSpPr>
-        <p:spPr/>
-        <p:txBody>
-          <a:bodyPr/>
-          <a:lstStyle/>
-          <a:p>
-            <a:fld id="{92D689F0-93C6-4C05-849C-0706C5E0351F}" type="datetime1">
-              <a:rPr lang="zh-TW" altLang="en-US" smtClean="0"/>
-              <a:t>2016/4/30</a:t>
-            </a:fld>
-            <a:endParaRPr lang="zh-TW" altLang="en-US"/>
-          </a:p>
-        </p:txBody>
-      </p:sp>
-      <p:sp>
-        <p:nvSpPr>
-          <p:cNvPr id="5" name="頁尾版面配置區 4"/>
-          <p:cNvSpPr>
-            <a:spLocks noGrp="1"/>
-          </p:cNvSpPr>
-          <p:nvPr>
-            <p:ph type="ftr" sz="quarter" idx="11"/>
-          </p:nvPr>
-        </p:nvSpPr>
-        <p:spPr/>
-        <p:txBody>
-          <a:bodyPr/>
-          <a:lstStyle/>
-          <a:p>
-            <a:r>
-              <a:rPr lang="en-US" altLang="zh-TW" smtClean="0"/>
-              <a:t>RETchat </a:t>
-            </a:r>
-            <a:r>
-              <a:rPr lang="zh-TW" altLang="en-US" smtClean="0"/>
-              <a:t>內部教學文件</a:t>
-            </a:r>
-            <a:endParaRPr lang="zh-TW" altLang="en-US"/>
-          </a:p>
-        </p:txBody>
-      </p:sp>
-      <p:sp>
-        <p:nvSpPr>
-          <p:cNvPr id="6" name="投影片編號版面配置區 5"/>
-          <p:cNvSpPr>
-            <a:spLocks noGrp="1"/>
-          </p:cNvSpPr>
-          <p:nvPr>
-            <p:ph type="sldNum" sz="quarter" idx="12"/>
-          </p:nvPr>
-        </p:nvSpPr>
-        <p:spPr/>
-        <p:txBody>
-          <a:bodyPr/>
-          <a:lstStyle/>
-          <a:p>
-            <a:fld id="{C4CC8384-60E7-446C-ABEF-271B71B81947}" type="slidenum">
-              <a:rPr lang="zh-TW" altLang="en-US" smtClean="0"/>
-              <a:t>18</a:t>
-            </a:fld>
-            <a:endParaRPr lang="zh-TW" altLang="en-US"/>
-          </a:p>
-        </p:txBody>
-      </p:sp>
-    </p:spTree>
-    <p:extLst>
-      <p:ext uri="{BB962C8B-B14F-4D97-AF65-F5344CB8AC3E}">
-        <p14:creationId xmlns:p14="http://schemas.microsoft.com/office/powerpoint/2010/main" val="4067967547"/>
-      </p:ext>
-    </p:extLst>
-  </p:cSld>
-  <p:clrMapOvr>
-    <a:masterClrMapping/>
-  </p:clrMapOvr>
-</p:sld>
-</file>
-
 <file path=ppt/slides/slide19.xml><?xml version="1.0" encoding="utf-8"?>
 <p:sld xmlns:a="http://schemas.openxmlformats.org/drawingml/2006/main" xmlns:r="http://schemas.openxmlformats.org/officeDocument/2006/relationships" xmlns:p="http://schemas.openxmlformats.org/presentationml/2006/main">
   <p:cSld>
@@ -8211,8 +8127,12 @@
           <a:lstStyle/>
           <a:p>
             <a:r>
+              <a:rPr lang="en-US" altLang="zh-TW" b="1" dirty="0"/>
+              <a:t>Consumer </a:t>
+            </a:r>
+            <a:r>
               <a:rPr lang="en-US" altLang="zh-TW" b="1" dirty="0" smtClean="0"/>
-              <a:t>Deliver guarantee</a:t>
+              <a:t>Rebalance</a:t>
             </a:r>
             <a:endParaRPr lang="zh-TW" altLang="en-US" dirty="0"/>
           </a:p>
@@ -8228,33 +8148,281 @@
             <p:ph idx="1"/>
           </p:nvPr>
         </p:nvSpPr>
-        <p:spPr>
-          <a:xfrm>
-            <a:off x="628650" y="1274617"/>
-            <a:ext cx="7886700" cy="5081733"/>
-          </a:xfrm>
-        </p:spPr>
+        <p:spPr/>
         <p:txBody>
           <a:bodyPr>
-            <a:normAutofit lnSpcReduction="10000"/>
+            <a:noAutofit/>
           </a:bodyPr>
           <a:lstStyle/>
           <a:p>
             <a:r>
-              <a:rPr lang="zh-TW" altLang="en-US" sz="2000" dirty="0" smtClean="0"/>
-              <a:t>有三種選擇：</a:t>
+              <a:rPr lang="en-US" altLang="zh-TW" sz="2000" dirty="0" smtClean="0"/>
+              <a:t>Kafka </a:t>
+            </a:r>
+            <a:r>
+              <a:rPr lang="zh-TW" altLang="en-US" sz="2000" dirty="0" smtClean="0"/>
+              <a:t>每一個 </a:t>
+            </a:r>
+            <a:r>
+              <a:rPr lang="en-US" altLang="zh-TW" sz="2000" dirty="0" smtClean="0"/>
+              <a:t>consumer</a:t>
+            </a:r>
+            <a:r>
+              <a:rPr lang="zh-TW" altLang="en-US" sz="2000" dirty="0"/>
+              <a:t> </a:t>
+            </a:r>
+            <a:r>
+              <a:rPr lang="zh-TW" altLang="en-US" sz="2000" dirty="0" smtClean="0"/>
+              <a:t>只會 </a:t>
+            </a:r>
+            <a:r>
+              <a:rPr lang="en-US" altLang="zh-TW" sz="2000" dirty="0" smtClean="0"/>
+              <a:t>Consume</a:t>
+            </a:r>
+            <a:r>
+              <a:rPr lang="zh-TW" altLang="en-US" sz="2000" dirty="0" smtClean="0"/>
+              <a:t>某</a:t>
+            </a:r>
+            <a:r>
+              <a:rPr lang="zh-TW" altLang="en-US" sz="2000" dirty="0"/>
+              <a:t>一個或多個特定</a:t>
+            </a:r>
+            <a:r>
+              <a:rPr lang="en-US" altLang="zh-TW" sz="2000" dirty="0"/>
+              <a:t>partition</a:t>
+            </a:r>
+            <a:r>
+              <a:rPr lang="zh-TW" altLang="en-US" sz="2000" dirty="0" smtClean="0"/>
+              <a:t>的</a:t>
+            </a:r>
+            <a:r>
+              <a:rPr lang="zh-TW" altLang="en-US" sz="2000" dirty="0"/>
+              <a:t> </a:t>
+            </a:r>
+            <a:r>
+              <a:rPr lang="en-US" altLang="zh-TW" sz="2000" dirty="0" smtClean="0"/>
+              <a:t>message</a:t>
+            </a:r>
+            <a:r>
+              <a:rPr lang="zh-TW" altLang="en-US" sz="2000" dirty="0" smtClean="0"/>
+              <a:t>，而每個 </a:t>
+            </a:r>
+            <a:r>
+              <a:rPr lang="en-US" altLang="zh-TW" sz="2000" dirty="0" smtClean="0"/>
+              <a:t>partition </a:t>
+            </a:r>
+            <a:r>
+              <a:rPr lang="zh-TW" altLang="en-US" sz="2000" dirty="0" smtClean="0"/>
+              <a:t>的</a:t>
+            </a:r>
+            <a:r>
+              <a:rPr lang="zh-TW" altLang="en-US" sz="2000" dirty="0"/>
+              <a:t>數據只會被某一個特定的</a:t>
+            </a:r>
+            <a:r>
+              <a:rPr lang="en-US" altLang="zh-TW" sz="2000" dirty="0" smtClean="0"/>
+              <a:t>consumer</a:t>
+            </a:r>
+            <a:r>
+              <a:rPr lang="zh-TW" altLang="en-US" sz="2000" dirty="0" smtClean="0"/>
+              <a:t>所</a:t>
+            </a:r>
+            <a:r>
+              <a:rPr lang="en-US" altLang="zh-TW" sz="2000" dirty="0" smtClean="0"/>
+              <a:t>Consume</a:t>
+            </a:r>
+          </a:p>
+          <a:p>
+            <a:pPr lvl="1"/>
+            <a:r>
+              <a:rPr lang="zh-TW" altLang="en-US" sz="1800" dirty="0" smtClean="0"/>
+              <a:t>缺點是</a:t>
+            </a:r>
+            <a:r>
+              <a:rPr lang="zh-TW" altLang="en-US" sz="1800" dirty="0"/>
+              <a:t>無法讓同一</a:t>
+            </a:r>
+            <a:r>
+              <a:rPr lang="zh-TW" altLang="en-US" sz="1800" dirty="0" smtClean="0"/>
+              <a:t>個 </a:t>
+            </a:r>
+            <a:r>
+              <a:rPr lang="en-US" altLang="zh-TW" sz="1800" dirty="0" smtClean="0"/>
+              <a:t>consumer group </a:t>
+            </a:r>
+            <a:r>
+              <a:rPr lang="zh-TW" altLang="en-US" sz="1800" dirty="0" smtClean="0"/>
+              <a:t>裡的 </a:t>
+            </a:r>
+            <a:r>
+              <a:rPr lang="en-US" altLang="zh-TW" sz="1800" dirty="0" smtClean="0"/>
+              <a:t>consumer </a:t>
+            </a:r>
+            <a:r>
+              <a:rPr lang="zh-TW" altLang="en-US" sz="1800" dirty="0" smtClean="0"/>
+              <a:t>均勻</a:t>
+            </a:r>
+            <a:r>
+              <a:rPr lang="en-US" altLang="zh-TW" sz="1800" dirty="0" smtClean="0"/>
+              <a:t>Consume</a:t>
+            </a:r>
+            <a:r>
+              <a:rPr lang="zh-TW" altLang="en-US" sz="1800" dirty="0" smtClean="0"/>
+              <a:t>數據</a:t>
+            </a:r>
+            <a:endParaRPr lang="en-US" altLang="zh-TW" sz="1800" dirty="0"/>
+          </a:p>
+          <a:p>
+            <a:pPr lvl="1"/>
+            <a:r>
+              <a:rPr lang="zh-TW" altLang="en-US" sz="1800" dirty="0" smtClean="0"/>
+              <a:t>優點是</a:t>
+            </a:r>
+            <a:r>
+              <a:rPr lang="zh-TW" altLang="en-US" sz="1800" dirty="0"/>
+              <a:t>每</a:t>
+            </a:r>
+            <a:r>
+              <a:rPr lang="zh-TW" altLang="en-US" sz="1800" dirty="0" smtClean="0"/>
+              <a:t>個 </a:t>
+            </a:r>
+            <a:r>
+              <a:rPr lang="en-US" altLang="zh-TW" sz="1800" dirty="0" smtClean="0">
+                <a:solidFill>
+                  <a:srgbClr val="FF0000"/>
+                </a:solidFill>
+              </a:rPr>
+              <a:t>consumer</a:t>
+            </a:r>
+            <a:r>
+              <a:rPr lang="zh-TW" altLang="en-US" sz="1800" dirty="0" smtClean="0">
+                <a:solidFill>
+                  <a:srgbClr val="FF0000"/>
+                </a:solidFill>
+              </a:rPr>
+              <a:t>不用大量的跟 </a:t>
+            </a:r>
+            <a:r>
+              <a:rPr lang="en-US" altLang="zh-TW" sz="1800" dirty="0" smtClean="0">
+                <a:solidFill>
+                  <a:srgbClr val="FF0000"/>
+                </a:solidFill>
+              </a:rPr>
+              <a:t>Broker</a:t>
+            </a:r>
+            <a:r>
+              <a:rPr lang="zh-TW" altLang="en-US" sz="1800" dirty="0" smtClean="0">
+                <a:solidFill>
+                  <a:srgbClr val="FF0000"/>
+                </a:solidFill>
+              </a:rPr>
+              <a:t>通信</a:t>
+            </a:r>
+            <a:r>
+              <a:rPr lang="zh-TW" altLang="en-US" sz="1800" dirty="0"/>
+              <a:t>，減少通信開銷，同時也降低了分配難度，實現也更</a:t>
+            </a:r>
+            <a:r>
+              <a:rPr lang="zh-TW" altLang="en-US" sz="1800" dirty="0" smtClean="0"/>
+              <a:t>簡單，</a:t>
+            </a:r>
+            <a:r>
+              <a:rPr lang="zh-TW" altLang="en-US" sz="1800" dirty="0"/>
+              <a:t>保證每</a:t>
+            </a:r>
+            <a:r>
+              <a:rPr lang="zh-TW" altLang="en-US" sz="1800" dirty="0" smtClean="0"/>
+              <a:t>個 </a:t>
+            </a:r>
+            <a:r>
+              <a:rPr lang="en-US" altLang="zh-TW" sz="1800" dirty="0" smtClean="0"/>
+              <a:t>partition </a:t>
+            </a:r>
+            <a:r>
+              <a:rPr lang="zh-TW" altLang="en-US" sz="1800" dirty="0" smtClean="0"/>
+              <a:t>裡</a:t>
+            </a:r>
+            <a:r>
+              <a:rPr lang="zh-TW" altLang="en-US" sz="1800" dirty="0"/>
+              <a:t>的數據也是有序</a:t>
+            </a:r>
+            <a:r>
+              <a:rPr lang="zh-TW" altLang="en-US" sz="1800" dirty="0" smtClean="0"/>
+              <a:t>被 </a:t>
+            </a:r>
+            <a:r>
+              <a:rPr lang="en-US" altLang="zh-TW" sz="1800" dirty="0" smtClean="0"/>
+              <a:t>Consume</a:t>
+            </a:r>
+          </a:p>
+          <a:p>
+            <a:r>
+              <a:rPr lang="en-US" altLang="zh-TW" sz="2000" dirty="0" smtClean="0"/>
+              <a:t>Consumer </a:t>
+            </a:r>
+            <a:r>
+              <a:rPr lang="zh-TW" altLang="en-US" sz="2000" dirty="0" smtClean="0"/>
+              <a:t>數量與 </a:t>
+            </a:r>
+            <a:r>
+              <a:rPr lang="en-US" altLang="zh-TW" sz="2000" dirty="0" smtClean="0"/>
+              <a:t>Partition </a:t>
+            </a:r>
+            <a:r>
+              <a:rPr lang="zh-TW" altLang="en-US" sz="2000" dirty="0" smtClean="0"/>
+              <a:t>數量相對關係</a:t>
             </a:r>
             <a:endParaRPr lang="en-US" altLang="zh-TW" sz="2000" dirty="0" smtClean="0"/>
           </a:p>
           <a:p>
             <a:pPr lvl="1"/>
             <a:r>
+              <a:rPr lang="zh-TW" altLang="en-US" sz="1800" dirty="0" smtClean="0">
+                <a:solidFill>
+                  <a:srgbClr val="FF0000"/>
+                </a:solidFill>
+              </a:rPr>
+              <a:t>如果 </a:t>
+            </a:r>
+            <a:r>
               <a:rPr lang="en-US" altLang="zh-TW" sz="1800" dirty="0" smtClean="0">
                 <a:solidFill>
                   <a:srgbClr val="FF0000"/>
                 </a:solidFill>
               </a:rPr>
-              <a:t>At </a:t>
+              <a:t>consumer group </a:t>
+            </a:r>
+            <a:r>
+              <a:rPr lang="zh-TW" altLang="en-US" sz="1800" dirty="0" smtClean="0">
+                <a:solidFill>
+                  <a:srgbClr val="FF0000"/>
+                </a:solidFill>
+              </a:rPr>
+              <a:t>中 </a:t>
+            </a:r>
+            <a:r>
+              <a:rPr lang="en-US" altLang="zh-TW" sz="1800" dirty="0" smtClean="0">
+                <a:solidFill>
+                  <a:srgbClr val="FF0000"/>
+                </a:solidFill>
+              </a:rPr>
+              <a:t>consumer </a:t>
+            </a:r>
+            <a:r>
+              <a:rPr lang="zh-TW" altLang="en-US" sz="1800" dirty="0" smtClean="0">
+                <a:solidFill>
+                  <a:srgbClr val="FF0000"/>
+                </a:solidFill>
+              </a:rPr>
+              <a:t>數量</a:t>
+            </a:r>
+            <a:r>
+              <a:rPr lang="zh-TW" altLang="en-US" sz="1800" dirty="0">
+                <a:solidFill>
+                  <a:srgbClr val="FF0000"/>
+                </a:solidFill>
+              </a:rPr>
+              <a:t>少於</a:t>
             </a:r>
             <a:r>
               <a:rPr lang="en-US" altLang="zh-TW" sz="1800" dirty="0">
@@ -8262,7 +8430,59 @@
                   <a:srgbClr val="FF0000"/>
                 </a:solidFill>
               </a:rPr>
-              <a:t>most </a:t>
+              <a:t>partition</a:t>
+            </a:r>
+            <a:r>
+              <a:rPr lang="zh-TW" altLang="en-US" sz="1800" dirty="0">
+                <a:solidFill>
+                  <a:srgbClr val="FF0000"/>
+                </a:solidFill>
+              </a:rPr>
+              <a:t>數量</a:t>
+            </a:r>
+            <a:r>
+              <a:rPr lang="zh-TW" altLang="en-US" sz="1800" dirty="0"/>
+              <a:t>，則至少有</a:t>
+            </a:r>
+            <a:r>
+              <a:rPr lang="zh-TW" altLang="en-US" sz="1800" dirty="0" smtClean="0"/>
+              <a:t>一個 </a:t>
+            </a:r>
+            <a:r>
+              <a:rPr lang="en-US" altLang="zh-TW" sz="1800" dirty="0" smtClean="0"/>
+              <a:t>consumer </a:t>
+            </a:r>
+            <a:r>
+              <a:rPr lang="zh-TW" altLang="en-US" sz="1800" dirty="0" smtClean="0"/>
+              <a:t>會 </a:t>
+            </a:r>
+            <a:r>
+              <a:rPr lang="en-US" altLang="zh-TW" sz="1800" dirty="0" smtClean="0"/>
+              <a:t>Consume </a:t>
+            </a:r>
+            <a:r>
+              <a:rPr lang="zh-TW" altLang="en-US" sz="1800" dirty="0" smtClean="0"/>
+              <a:t>多個 </a:t>
+            </a:r>
+            <a:r>
+              <a:rPr lang="en-US" altLang="zh-TW" sz="1800" dirty="0" smtClean="0"/>
+              <a:t>partition </a:t>
+            </a:r>
+            <a:r>
+              <a:rPr lang="zh-TW" altLang="en-US" sz="1800" dirty="0" smtClean="0"/>
+              <a:t>的數據</a:t>
+            </a:r>
+            <a:endParaRPr lang="en-US" altLang="zh-TW" sz="1800" dirty="0" smtClean="0"/>
+          </a:p>
+          <a:p>
+            <a:pPr lvl="1"/>
+            <a:r>
+              <a:rPr lang="zh-TW" altLang="en-US" sz="1800" dirty="0" smtClean="0">
+                <a:solidFill>
+                  <a:srgbClr val="FF0000"/>
+                </a:solidFill>
+              </a:rPr>
+              <a:t>如果 </a:t>
             </a:r>
             <a:r>
               <a:rPr lang="en-US" altLang="zh-TW" sz="1800" dirty="0" smtClean="0">
@@ -8270,413 +8490,161 @@
                   <a:srgbClr val="FF0000"/>
                 </a:solidFill>
               </a:rPr>
-              <a:t>once</a:t>
+              <a:t>consumer </a:t>
+            </a:r>
+            <a:r>
+              <a:rPr lang="zh-TW" altLang="en-US" sz="1800" dirty="0" smtClean="0">
+                <a:solidFill>
+                  <a:srgbClr val="FF0000"/>
+                </a:solidFill>
+              </a:rPr>
+              <a:t>的</a:t>
+            </a:r>
+            <a:r>
+              <a:rPr lang="zh-TW" altLang="en-US" sz="1800" dirty="0">
+                <a:solidFill>
+                  <a:srgbClr val="FF0000"/>
+                </a:solidFill>
+              </a:rPr>
+              <a:t>數量</a:t>
+            </a:r>
+            <a:r>
+              <a:rPr lang="zh-TW" altLang="en-US" sz="1800" dirty="0" smtClean="0">
+                <a:solidFill>
+                  <a:srgbClr val="FF0000"/>
+                </a:solidFill>
+              </a:rPr>
+              <a:t>與 </a:t>
+            </a:r>
+            <a:r>
+              <a:rPr lang="en-US" altLang="zh-TW" sz="1800" dirty="0" smtClean="0">
+                <a:solidFill>
+                  <a:srgbClr val="FF0000"/>
+                </a:solidFill>
+              </a:rPr>
+              <a:t>partition </a:t>
+            </a:r>
+            <a:r>
+              <a:rPr lang="zh-TW" altLang="en-US" sz="1800" dirty="0" smtClean="0">
+                <a:solidFill>
+                  <a:srgbClr val="FF0000"/>
+                </a:solidFill>
+              </a:rPr>
+              <a:t>數量</a:t>
+            </a:r>
+            <a:r>
+              <a:rPr lang="zh-TW" altLang="en-US" sz="1800" dirty="0">
+                <a:solidFill>
+                  <a:srgbClr val="FF0000"/>
+                </a:solidFill>
+              </a:rPr>
+              <a:t>相同</a:t>
+            </a:r>
+            <a:r>
+              <a:rPr lang="zh-TW" altLang="en-US" sz="1800" dirty="0"/>
+              <a:t>，則正好一個</a:t>
+            </a:r>
+            <a:r>
+              <a:rPr lang="en-US" altLang="zh-TW" sz="1800" dirty="0" smtClean="0"/>
+              <a:t>consumer Consume</a:t>
+            </a:r>
+            <a:r>
+              <a:rPr lang="zh-TW" altLang="en-US" sz="1800" dirty="0"/>
+              <a:t>一個</a:t>
+            </a:r>
+            <a:r>
+              <a:rPr lang="en-US" altLang="zh-TW" sz="1800" dirty="0"/>
+              <a:t>partition</a:t>
+            </a:r>
+            <a:r>
+              <a:rPr lang="zh-TW" altLang="en-US" sz="1800" dirty="0"/>
+              <a:t>的</a:t>
             </a:r>
             <a:r>
               <a:rPr lang="zh-TW" altLang="en-US" sz="1800" dirty="0" smtClean="0"/>
-              <a:t>：</a:t>
-            </a:r>
-            <a:r>
-              <a:rPr lang="en-US" altLang="zh-TW" sz="1800" dirty="0" smtClean="0"/>
+              <a:t>數據</a:t>
+            </a:r>
+            <a:endParaRPr lang="en-US" altLang="zh-TW" sz="1800" dirty="0"/>
+          </a:p>
+          <a:p>
+            <a:pPr lvl="1"/>
+            <a:r>
+              <a:rPr lang="zh-TW" altLang="en-US" sz="1800" dirty="0" smtClean="0">
+                <a:solidFill>
+                  <a:srgbClr val="FF0000"/>
+                </a:solidFill>
+              </a:rPr>
+              <a:t>如果</a:t>
+            </a:r>
+            <a:r>
+              <a:rPr lang="en-US" altLang="zh-TW" sz="1800" dirty="0">
+                <a:solidFill>
+                  <a:srgbClr val="FF0000"/>
+                </a:solidFill>
+              </a:rPr>
+              <a:t>consumer</a:t>
+            </a:r>
+            <a:r>
+              <a:rPr lang="zh-TW" altLang="en-US" sz="1800" dirty="0">
+                <a:solidFill>
+                  <a:srgbClr val="FF0000"/>
+                </a:solidFill>
+              </a:rPr>
+              <a:t>的數量多於</a:t>
+            </a:r>
+            <a:r>
+              <a:rPr lang="en-US" altLang="zh-TW" sz="1800" dirty="0">
+                <a:solidFill>
+                  <a:srgbClr val="FF0000"/>
+                </a:solidFill>
+              </a:rPr>
+              <a:t>partition</a:t>
+            </a:r>
+            <a:r>
+              <a:rPr lang="zh-TW" altLang="en-US" sz="1800" dirty="0">
+                <a:solidFill>
+                  <a:srgbClr val="FF0000"/>
+                </a:solidFill>
+              </a:rPr>
+              <a:t>的數量時</a:t>
+            </a:r>
+            <a:r>
+              <a:rPr lang="zh-TW" altLang="en-US" sz="1800" dirty="0"/>
+              <a:t>，會有部分</a:t>
+            </a:r>
+            <a:r>
+              <a:rPr lang="en-US" altLang="zh-TW" sz="1800" dirty="0"/>
+              <a:t>consumer</a:t>
+            </a:r>
+            <a:r>
+              <a:rPr lang="zh-TW" altLang="en-US" sz="1800" dirty="0"/>
+              <a:t>無法</a:t>
+            </a:r>
+            <a:r>
+              <a:rPr lang="en-US" altLang="zh-TW" sz="1800" dirty="0"/>
+              <a:t>Consume</a:t>
+            </a:r>
+            <a:r>
+              <a:rPr lang="zh-TW" altLang="en-US" sz="1800" dirty="0"/>
+              <a:t>該</a:t>
+            </a:r>
+            <a:r>
+              <a:rPr lang="en-US" altLang="zh-TW" sz="1800" dirty="0"/>
+              <a:t>topic</a:t>
+            </a:r>
+            <a:r>
+              <a:rPr lang="zh-TW" altLang="en-US" sz="1800" dirty="0"/>
+              <a:t>下任何一條</a:t>
+            </a:r>
+            <a:r>
+              <a:rPr lang="en-US" altLang="zh-TW" sz="1800" dirty="0"/>
               <a:t>Message</a:t>
             </a:r>
             <a:r>
-              <a:rPr lang="zh-TW" altLang="en-US" sz="1800" dirty="0" smtClean="0"/>
-              <a:t>可能</a:t>
-            </a:r>
-            <a:r>
               <a:rPr lang="zh-TW" altLang="en-US" sz="1800" dirty="0"/>
-              <a:t>會丟，但絕不會重複傳輸</a:t>
-            </a:r>
-          </a:p>
-          <a:p>
-            <a:pPr lvl="1"/>
-            <a:r>
-              <a:rPr lang="en-US" altLang="zh-TW" sz="1800" dirty="0">
-                <a:solidFill>
-                  <a:srgbClr val="FF0000"/>
-                </a:solidFill>
-              </a:rPr>
-              <a:t>At least one</a:t>
-            </a:r>
-            <a:r>
-              <a:rPr lang="zh-TW" altLang="en-US" sz="1800" dirty="0" smtClean="0"/>
-              <a:t>：</a:t>
-            </a:r>
-            <a:r>
-              <a:rPr lang="en-US" altLang="zh-TW" sz="1800" dirty="0" smtClean="0"/>
-              <a:t>Message</a:t>
-            </a:r>
-            <a:r>
-              <a:rPr lang="zh-TW" altLang="en-US" sz="1800" dirty="0" smtClean="0"/>
-              <a:t>絕不</a:t>
-            </a:r>
-            <a:r>
-              <a:rPr lang="zh-TW" altLang="en-US" sz="1800" dirty="0"/>
-              <a:t>會丟，但可能會重複傳輸</a:t>
-            </a:r>
-          </a:p>
-          <a:p>
-            <a:pPr lvl="1"/>
-            <a:r>
-              <a:rPr lang="en-US" altLang="zh-TW" sz="1800" dirty="0">
-                <a:solidFill>
-                  <a:srgbClr val="FF0000"/>
-                </a:solidFill>
-              </a:rPr>
-              <a:t>Exactly once</a:t>
-            </a:r>
-            <a:r>
-              <a:rPr lang="zh-TW" altLang="en-US" sz="1800" dirty="0" smtClean="0"/>
-              <a:t>：每條</a:t>
-            </a:r>
-            <a:r>
-              <a:rPr lang="en-US" altLang="zh-TW" sz="1800" dirty="0" smtClean="0"/>
-              <a:t>Message</a:t>
-            </a:r>
-            <a:r>
-              <a:rPr lang="zh-TW" altLang="en-US" sz="1800" dirty="0" smtClean="0"/>
-              <a:t>肯定</a:t>
-            </a:r>
-            <a:r>
-              <a:rPr lang="zh-TW" altLang="en-US" sz="1800" dirty="0"/>
-              <a:t>會被傳輸一次且僅傳輸</a:t>
-            </a:r>
-            <a:r>
-              <a:rPr lang="zh-TW" altLang="en-US" sz="1800" dirty="0" smtClean="0"/>
-              <a:t>一次</a:t>
-            </a:r>
-            <a:endParaRPr lang="en-US" altLang="zh-TW" sz="1800" dirty="0" smtClean="0"/>
-          </a:p>
-          <a:p>
-            <a:r>
-              <a:rPr lang="en-US" altLang="zh-TW" sz="2200" dirty="0"/>
-              <a:t>Producer </a:t>
-            </a:r>
-            <a:r>
-              <a:rPr lang="en-US" altLang="zh-TW" sz="2200" dirty="0" smtClean="0"/>
-              <a:t>to Broker guarantee</a:t>
-            </a:r>
-          </a:p>
-          <a:p>
-            <a:pPr lvl="1"/>
-            <a:r>
-              <a:rPr lang="zh-TW" altLang="en-US" sz="1800" dirty="0">
-                <a:solidFill>
-                  <a:srgbClr val="FF0000"/>
-                </a:solidFill>
-              </a:rPr>
-              <a:t>目前默認情況下一</a:t>
-            </a:r>
-            <a:r>
-              <a:rPr lang="zh-TW" altLang="en-US" sz="1800" dirty="0" smtClean="0">
-                <a:solidFill>
-                  <a:srgbClr val="FF0000"/>
-                </a:solidFill>
-              </a:rPr>
-              <a:t>條 </a:t>
-            </a:r>
-            <a:r>
-              <a:rPr lang="en-US" altLang="zh-TW" sz="1800" dirty="0" smtClean="0">
-                <a:solidFill>
-                  <a:srgbClr val="FF0000"/>
-                </a:solidFill>
-              </a:rPr>
-              <a:t>Message </a:t>
-            </a:r>
-            <a:r>
-              <a:rPr lang="zh-TW" altLang="en-US" sz="1800" dirty="0" smtClean="0">
-                <a:solidFill>
-                  <a:srgbClr val="FF0000"/>
-                </a:solidFill>
-              </a:rPr>
-              <a:t>從 </a:t>
-            </a:r>
-            <a:r>
-              <a:rPr lang="en-US" altLang="zh-TW" sz="1800" dirty="0" smtClean="0">
-                <a:solidFill>
-                  <a:srgbClr val="FF0000"/>
-                </a:solidFill>
-              </a:rPr>
-              <a:t>producer </a:t>
-            </a:r>
-            <a:r>
-              <a:rPr lang="zh-TW" altLang="en-US" sz="1800" dirty="0" smtClean="0">
-                <a:solidFill>
-                  <a:srgbClr val="FF0000"/>
-                </a:solidFill>
-              </a:rPr>
-              <a:t>和</a:t>
-            </a:r>
-            <a:r>
-              <a:rPr lang="en-US" altLang="zh-TW" sz="1800" dirty="0" smtClean="0">
-                <a:solidFill>
-                  <a:srgbClr val="FF0000"/>
-                </a:solidFill>
-              </a:rPr>
-              <a:t>Broker</a:t>
-            </a:r>
-            <a:r>
-              <a:rPr lang="zh-TW" altLang="en-US" sz="1800" dirty="0" smtClean="0">
-                <a:solidFill>
-                  <a:srgbClr val="FF0000"/>
-                </a:solidFill>
-              </a:rPr>
-              <a:t>是</a:t>
-            </a:r>
-            <a:r>
-              <a:rPr lang="zh-TW" altLang="en-US" sz="1800" dirty="0">
-                <a:solidFill>
-                  <a:srgbClr val="FF0000"/>
-                </a:solidFill>
-              </a:rPr>
-              <a:t>確保了</a:t>
-            </a:r>
-            <a:r>
-              <a:rPr lang="en-US" altLang="zh-TW" sz="1800" dirty="0">
-                <a:solidFill>
-                  <a:srgbClr val="FF0000"/>
-                </a:solidFill>
-              </a:rPr>
-              <a:t>At least once </a:t>
-            </a:r>
-            <a:r>
-              <a:rPr lang="zh-TW" altLang="en-US" sz="1800" dirty="0"/>
-              <a:t>，但可通過設置</a:t>
-            </a:r>
-            <a:r>
-              <a:rPr lang="en-US" altLang="zh-TW" sz="1800" dirty="0"/>
-              <a:t>producer</a:t>
-            </a:r>
-            <a:r>
-              <a:rPr lang="zh-TW" altLang="en-US" sz="1800" dirty="0"/>
-              <a:t>異步發送</a:t>
-            </a:r>
-            <a:r>
-              <a:rPr lang="zh-TW" altLang="en-US" sz="1800" dirty="0" smtClean="0"/>
-              <a:t>實現 </a:t>
-            </a:r>
-            <a:r>
-              <a:rPr lang="en-US" altLang="zh-TW" sz="1800" dirty="0" smtClean="0"/>
-              <a:t>At </a:t>
-            </a:r>
-            <a:r>
-              <a:rPr lang="en-US" altLang="zh-TW" sz="1800" dirty="0"/>
-              <a:t>most </a:t>
-            </a:r>
-            <a:r>
-              <a:rPr lang="en-US" altLang="zh-TW" sz="1800" dirty="0" smtClean="0"/>
-              <a:t>once</a:t>
-            </a:r>
-          </a:p>
-          <a:p>
-            <a:pPr lvl="1"/>
-            <a:r>
-              <a:rPr lang="zh-TW" altLang="en-US" sz="1800" dirty="0" smtClean="0"/>
-              <a:t>要做到 </a:t>
-            </a:r>
-            <a:r>
-              <a:rPr lang="en-US" altLang="zh-TW" sz="1800" dirty="0" smtClean="0"/>
-              <a:t>Exactly one  </a:t>
-            </a:r>
-            <a:r>
-              <a:rPr lang="zh-TW" altLang="en-US" sz="1800" dirty="0" smtClean="0"/>
-              <a:t>可以透過 </a:t>
-            </a:r>
-            <a:r>
-              <a:rPr lang="en-US" altLang="zh-TW" sz="1800" dirty="0" smtClean="0"/>
-              <a:t>Producer </a:t>
-            </a:r>
-            <a:r>
-              <a:rPr lang="zh-TW" altLang="en-US" sz="1800" dirty="0" smtClean="0"/>
-              <a:t>生成類似 </a:t>
-            </a:r>
-            <a:r>
-              <a:rPr lang="en-US" altLang="zh-TW" sz="1800" dirty="0" smtClean="0"/>
-              <a:t>primary key </a:t>
-            </a:r>
-            <a:r>
-              <a:rPr lang="zh-TW" altLang="en-US" sz="1800" dirty="0" smtClean="0"/>
-              <a:t>的東西，當有異常時就</a:t>
-            </a:r>
-            <a:r>
-              <a:rPr lang="en-US" altLang="zh-TW" sz="1800" dirty="0"/>
-              <a:t> </a:t>
-            </a:r>
-            <a:r>
-              <a:rPr lang="en-US" altLang="zh-TW" sz="1800" dirty="0" smtClean="0"/>
-              <a:t>retry</a:t>
-            </a:r>
-            <a:r>
-              <a:rPr lang="zh-TW" altLang="en-US" sz="1800" dirty="0" smtClean="0"/>
-              <a:t>（尚未實做）</a:t>
-            </a:r>
-            <a:endParaRPr lang="en-US" altLang="zh-TW" sz="1800" dirty="0" smtClean="0"/>
-          </a:p>
-          <a:p>
-            <a:r>
-              <a:rPr lang="en-US" altLang="zh-TW" sz="2200" dirty="0" smtClean="0"/>
-              <a:t>Broker to Consumer guarantee</a:t>
-            </a:r>
-          </a:p>
-          <a:p>
-            <a:pPr lvl="1"/>
-            <a:r>
-              <a:rPr lang="zh-TW" altLang="en-US" sz="1800" dirty="0" smtClean="0">
-                <a:solidFill>
-                  <a:srgbClr val="FF0000"/>
-                </a:solidFill>
-              </a:rPr>
-              <a:t>當讀取訊息後做 </a:t>
-            </a:r>
-            <a:r>
-              <a:rPr lang="en-US" altLang="zh-TW" sz="1800" dirty="0" smtClean="0">
-                <a:solidFill>
-                  <a:srgbClr val="FF0000"/>
-                </a:solidFill>
-              </a:rPr>
-              <a:t>commit</a:t>
-            </a:r>
-            <a:r>
-              <a:rPr lang="zh-TW" altLang="en-US" sz="1800" dirty="0" smtClean="0">
-                <a:solidFill>
-                  <a:srgbClr val="FF0000"/>
-                </a:solidFill>
-              </a:rPr>
-              <a:t>，下次就會從下一個訊息讀取，也可以設定 </a:t>
-            </a:r>
-            <a:r>
-              <a:rPr lang="en-US" altLang="zh-TW" sz="1800" dirty="0" smtClean="0">
-                <a:solidFill>
-                  <a:srgbClr val="FF0000"/>
-                </a:solidFill>
-              </a:rPr>
-              <a:t>auto commit</a:t>
-            </a:r>
-            <a:r>
-              <a:rPr lang="zh-TW" altLang="en-US" sz="1800" dirty="0" smtClean="0">
-                <a:solidFill>
-                  <a:srgbClr val="FF0000"/>
-                </a:solidFill>
-              </a:rPr>
-              <a:t>，基本上已經可以完成 </a:t>
-            </a:r>
-            <a:r>
-              <a:rPr lang="en-US" altLang="zh-TW" sz="1800" dirty="0">
-                <a:solidFill>
-                  <a:srgbClr val="FF0000"/>
-                </a:solidFill>
-              </a:rPr>
-              <a:t>Exactly </a:t>
-            </a:r>
-            <a:r>
-              <a:rPr lang="en-US" altLang="zh-TW" sz="1800" dirty="0" smtClean="0">
-                <a:solidFill>
-                  <a:srgbClr val="FF0000"/>
-                </a:solidFill>
-              </a:rPr>
-              <a:t>once</a:t>
-            </a:r>
-          </a:p>
-          <a:p>
-            <a:pPr lvl="1"/>
-            <a:r>
-              <a:rPr lang="zh-TW" altLang="en-US" sz="1800" dirty="0" smtClean="0"/>
-              <a:t>訊息需要處理，</a:t>
-            </a:r>
-            <a:r>
-              <a:rPr lang="en-US" altLang="zh-TW" sz="1800" dirty="0" smtClean="0"/>
-              <a:t>commit </a:t>
-            </a:r>
-            <a:r>
-              <a:rPr lang="zh-TW" altLang="en-US" sz="1800" dirty="0" smtClean="0"/>
-              <a:t>跟處理先後有很大關係</a:t>
-            </a:r>
-            <a:endParaRPr lang="en-US" altLang="zh-TW" sz="1800" dirty="0" smtClean="0"/>
-          </a:p>
-          <a:p>
-            <a:pPr lvl="2"/>
-            <a:r>
-              <a:rPr lang="zh-TW" altLang="en-US" sz="1600" dirty="0" smtClean="0"/>
-              <a:t>讀取後先 </a:t>
-            </a:r>
-            <a:r>
-              <a:rPr lang="en-US" altLang="zh-TW" sz="1600" dirty="0" smtClean="0"/>
-              <a:t>commit </a:t>
-            </a:r>
-            <a:r>
-              <a:rPr lang="zh-TW" altLang="en-US" sz="1600" dirty="0" smtClean="0"/>
-              <a:t>再處理：資料處理失敗無法復原</a:t>
-            </a:r>
-            <a:endParaRPr lang="en-US" altLang="zh-TW" sz="1600" dirty="0" smtClean="0"/>
-          </a:p>
-          <a:p>
-            <a:pPr lvl="2"/>
-            <a:r>
-              <a:rPr lang="zh-TW" altLang="en-US" sz="1600" dirty="0" smtClean="0"/>
-              <a:t>讀取後先處理再 </a:t>
-            </a:r>
-            <a:r>
-              <a:rPr lang="en-US" altLang="zh-TW" sz="1600" dirty="0" smtClean="0"/>
-              <a:t>commit</a:t>
-            </a:r>
-            <a:r>
-              <a:rPr lang="zh-TW" altLang="en-US" sz="1600" dirty="0" smtClean="0"/>
-              <a:t>：資料有可能重複處理</a:t>
-            </a:r>
-            <a:endParaRPr lang="en-US" altLang="zh-TW" sz="1600" dirty="0" smtClean="0"/>
-          </a:p>
-          <a:p>
-            <a:pPr lvl="1"/>
-            <a:r>
-              <a:rPr lang="zh-TW" altLang="en-US" sz="1800" dirty="0"/>
-              <a:t>如果一定要做到</a:t>
-            </a:r>
-            <a:r>
-              <a:rPr lang="en-US" altLang="zh-TW" sz="1800" dirty="0"/>
-              <a:t>Exactly once </a:t>
-            </a:r>
-            <a:r>
-              <a:rPr lang="zh-TW" altLang="en-US" sz="1800" dirty="0"/>
-              <a:t>，就需要</a:t>
-            </a:r>
-            <a:r>
-              <a:rPr lang="zh-TW" altLang="en-US" sz="1800" dirty="0" smtClean="0"/>
-              <a:t>協調 </a:t>
-            </a:r>
-            <a:r>
-              <a:rPr lang="en-US" altLang="zh-TW" sz="1800" dirty="0" smtClean="0"/>
-              <a:t>Offset </a:t>
-            </a:r>
-            <a:r>
-              <a:rPr lang="zh-TW" altLang="en-US" sz="1800" dirty="0" smtClean="0"/>
-              <a:t>和</a:t>
-            </a:r>
-            <a:r>
-              <a:rPr lang="zh-TW" altLang="en-US" sz="1800" dirty="0"/>
-              <a:t>實際操作的</a:t>
-            </a:r>
-            <a:r>
-              <a:rPr lang="zh-TW" altLang="en-US" sz="1800" dirty="0" smtClean="0"/>
-              <a:t>輸出有一種作法是兩</a:t>
-            </a:r>
-            <a:r>
-              <a:rPr lang="zh-TW" altLang="en-US" sz="1800" dirty="0"/>
-              <a:t>階段</a:t>
-            </a:r>
-            <a:r>
-              <a:rPr lang="zh-TW" altLang="en-US" sz="1800" dirty="0" smtClean="0"/>
-              <a:t>提交（</a:t>
-            </a:r>
-            <a:r>
-              <a:rPr lang="en-US" altLang="zh-TW" sz="1800" dirty="0" smtClean="0"/>
-              <a:t>2 Phase commit</a:t>
-            </a:r>
-            <a:r>
-              <a:rPr lang="zh-TW" altLang="en-US" sz="1800" dirty="0" smtClean="0"/>
-              <a:t>）</a:t>
-            </a:r>
-            <a:endParaRPr lang="zh-TW" altLang="en-US" sz="2200" dirty="0"/>
+              <a:t>。 </a:t>
+            </a:r>
+            <a:endParaRPr lang="en-US" altLang="zh-TW" sz="1800" dirty="0"/>
           </a:p>
         </p:txBody>
       </p:sp>
@@ -8697,7 +8665,7 @@
           <a:p>
             <a:fld id="{92D689F0-93C6-4C05-849C-0706C5E0351F}" type="datetime1">
               <a:rPr lang="zh-TW" altLang="en-US" smtClean="0"/>
-              <a:t>2016/4/30</a:t>
+              <a:t>2016/5/9</a:t>
             </a:fld>
             <a:endParaRPr lang="zh-TW" altLang="en-US"/>
           </a:p>
@@ -8756,7 +8724,7 @@
     </p:spTree>
     <p:extLst>
       <p:ext uri="{BB962C8B-B14F-4D97-AF65-F5344CB8AC3E}">
-        <p14:creationId xmlns:p14="http://schemas.microsoft.com/office/powerpoint/2010/main" val="3505361144"/>
+        <p14:creationId xmlns:p14="http://schemas.microsoft.com/office/powerpoint/2010/main" val="4067967547"/>
       </p:ext>
     </p:extLst>
   </p:cSld>
@@ -8880,7 +8848,7 @@
           <a:p>
             <a:fld id="{92D689F0-93C6-4C05-849C-0706C5E0351F}" type="datetime1">
               <a:rPr lang="zh-TW" altLang="en-US" smtClean="0"/>
-              <a:t>2016/4/30</a:t>
+              <a:t>2016/5/9</a:t>
             </a:fld>
             <a:endParaRPr lang="zh-TW" altLang="en-US"/>
           </a:p>
@@ -8984,6 +8952,596 @@
           <a:lstStyle/>
           <a:p>
             <a:r>
+              <a:rPr lang="en-US" altLang="zh-TW" b="1" dirty="0" smtClean="0"/>
+              <a:t>Deliver guarantee</a:t>
+            </a:r>
+            <a:endParaRPr lang="zh-TW" altLang="en-US" dirty="0"/>
+          </a:p>
+        </p:txBody>
+      </p:sp>
+      <p:sp>
+        <p:nvSpPr>
+          <p:cNvPr id="3" name="內容版面配置區 2"/>
+          <p:cNvSpPr>
+            <a:spLocks noGrp="1"/>
+          </p:cNvSpPr>
+          <p:nvPr>
+            <p:ph idx="1"/>
+          </p:nvPr>
+        </p:nvSpPr>
+        <p:spPr>
+          <a:xfrm>
+            <a:off x="628650" y="1274617"/>
+            <a:ext cx="7886700" cy="5081733"/>
+          </a:xfrm>
+        </p:spPr>
+        <p:txBody>
+          <a:bodyPr>
+            <a:normAutofit lnSpcReduction="10000"/>
+          </a:bodyPr>
+          <a:lstStyle/>
+          <a:p>
+            <a:r>
+              <a:rPr lang="zh-TW" altLang="en-US" sz="2000" dirty="0" smtClean="0"/>
+              <a:t>有三種選擇：</a:t>
+            </a:r>
+            <a:endParaRPr lang="en-US" altLang="zh-TW" sz="2000" dirty="0" smtClean="0"/>
+          </a:p>
+          <a:p>
+            <a:pPr lvl="1"/>
+            <a:r>
+              <a:rPr lang="en-US" altLang="zh-TW" sz="1800" dirty="0" smtClean="0">
+                <a:solidFill>
+                  <a:srgbClr val="FF0000"/>
+                </a:solidFill>
+              </a:rPr>
+              <a:t>At </a:t>
+            </a:r>
+            <a:r>
+              <a:rPr lang="en-US" altLang="zh-TW" sz="1800" dirty="0">
+                <a:solidFill>
+                  <a:srgbClr val="FF0000"/>
+                </a:solidFill>
+              </a:rPr>
+              <a:t>most </a:t>
+            </a:r>
+            <a:r>
+              <a:rPr lang="en-US" altLang="zh-TW" sz="1800" dirty="0" smtClean="0">
+                <a:solidFill>
+                  <a:srgbClr val="FF0000"/>
+                </a:solidFill>
+              </a:rPr>
+              <a:t>once</a:t>
+            </a:r>
+            <a:r>
+              <a:rPr lang="zh-TW" altLang="en-US" sz="1800" dirty="0" smtClean="0"/>
+              <a:t>：</a:t>
+            </a:r>
+            <a:r>
+              <a:rPr lang="en-US" altLang="zh-TW" sz="1800" dirty="0" smtClean="0"/>
+              <a:t>Message</a:t>
+            </a:r>
+            <a:r>
+              <a:rPr lang="zh-TW" altLang="en-US" sz="1800" dirty="0" smtClean="0"/>
+              <a:t>可能</a:t>
+            </a:r>
+            <a:r>
+              <a:rPr lang="zh-TW" altLang="en-US" sz="1800" dirty="0"/>
+              <a:t>會丟，但絕不會重複傳輸</a:t>
+            </a:r>
+          </a:p>
+          <a:p>
+            <a:pPr lvl="1"/>
+            <a:r>
+              <a:rPr lang="en-US" altLang="zh-TW" sz="1800" dirty="0">
+                <a:solidFill>
+                  <a:srgbClr val="FF0000"/>
+                </a:solidFill>
+              </a:rPr>
+              <a:t>At least one</a:t>
+            </a:r>
+            <a:r>
+              <a:rPr lang="zh-TW" altLang="en-US" sz="1800" dirty="0" smtClean="0"/>
+              <a:t>：</a:t>
+            </a:r>
+            <a:r>
+              <a:rPr lang="en-US" altLang="zh-TW" sz="1800" dirty="0" smtClean="0"/>
+              <a:t>Message</a:t>
+            </a:r>
+            <a:r>
+              <a:rPr lang="zh-TW" altLang="en-US" sz="1800" dirty="0" smtClean="0"/>
+              <a:t>絕不</a:t>
+            </a:r>
+            <a:r>
+              <a:rPr lang="zh-TW" altLang="en-US" sz="1800" dirty="0"/>
+              <a:t>會丟，但可能會重複傳輸</a:t>
+            </a:r>
+          </a:p>
+          <a:p>
+            <a:pPr lvl="1"/>
+            <a:r>
+              <a:rPr lang="en-US" altLang="zh-TW" sz="1800" dirty="0">
+                <a:solidFill>
+                  <a:srgbClr val="FF0000"/>
+                </a:solidFill>
+              </a:rPr>
+              <a:t>Exactly once</a:t>
+            </a:r>
+            <a:r>
+              <a:rPr lang="zh-TW" altLang="en-US" sz="1800" dirty="0" smtClean="0"/>
+              <a:t>：每條</a:t>
+            </a:r>
+            <a:r>
+              <a:rPr lang="en-US" altLang="zh-TW" sz="1800" dirty="0" smtClean="0"/>
+              <a:t>Message</a:t>
+            </a:r>
+            <a:r>
+              <a:rPr lang="zh-TW" altLang="en-US" sz="1800" dirty="0" smtClean="0"/>
+              <a:t>肯定</a:t>
+            </a:r>
+            <a:r>
+              <a:rPr lang="zh-TW" altLang="en-US" sz="1800" dirty="0"/>
+              <a:t>會被傳輸一次且僅傳輸</a:t>
+            </a:r>
+            <a:r>
+              <a:rPr lang="zh-TW" altLang="en-US" sz="1800" dirty="0" smtClean="0"/>
+              <a:t>一次</a:t>
+            </a:r>
+            <a:endParaRPr lang="en-US" altLang="zh-TW" sz="1800" dirty="0" smtClean="0"/>
+          </a:p>
+          <a:p>
+            <a:r>
+              <a:rPr lang="en-US" altLang="zh-TW" sz="2200" dirty="0"/>
+              <a:t>Producer </a:t>
+            </a:r>
+            <a:r>
+              <a:rPr lang="en-US" altLang="zh-TW" sz="2200" dirty="0" smtClean="0"/>
+              <a:t>to Broker guarantee</a:t>
+            </a:r>
+          </a:p>
+          <a:p>
+            <a:pPr lvl="1"/>
+            <a:r>
+              <a:rPr lang="zh-TW" altLang="en-US" sz="1800" dirty="0">
+                <a:solidFill>
+                  <a:srgbClr val="FF0000"/>
+                </a:solidFill>
+              </a:rPr>
+              <a:t>目前默認情況下一</a:t>
+            </a:r>
+            <a:r>
+              <a:rPr lang="zh-TW" altLang="en-US" sz="1800" dirty="0" smtClean="0">
+                <a:solidFill>
+                  <a:srgbClr val="FF0000"/>
+                </a:solidFill>
+              </a:rPr>
+              <a:t>條 </a:t>
+            </a:r>
+            <a:r>
+              <a:rPr lang="en-US" altLang="zh-TW" sz="1800" dirty="0" smtClean="0">
+                <a:solidFill>
+                  <a:srgbClr val="FF0000"/>
+                </a:solidFill>
+              </a:rPr>
+              <a:t>Message </a:t>
+            </a:r>
+            <a:r>
+              <a:rPr lang="zh-TW" altLang="en-US" sz="1800" dirty="0" smtClean="0">
+                <a:solidFill>
+                  <a:srgbClr val="FF0000"/>
+                </a:solidFill>
+              </a:rPr>
+              <a:t>從 </a:t>
+            </a:r>
+            <a:r>
+              <a:rPr lang="en-US" altLang="zh-TW" sz="1800" dirty="0" smtClean="0">
+                <a:solidFill>
+                  <a:srgbClr val="FF0000"/>
+                </a:solidFill>
+              </a:rPr>
+              <a:t>producer </a:t>
+            </a:r>
+            <a:r>
+              <a:rPr lang="zh-TW" altLang="en-US" sz="1800" dirty="0" smtClean="0">
+                <a:solidFill>
+                  <a:srgbClr val="FF0000"/>
+                </a:solidFill>
+              </a:rPr>
+              <a:t>和</a:t>
+            </a:r>
+            <a:r>
+              <a:rPr lang="en-US" altLang="zh-TW" sz="1800" dirty="0" smtClean="0">
+                <a:solidFill>
+                  <a:srgbClr val="FF0000"/>
+                </a:solidFill>
+              </a:rPr>
+              <a:t>Broker</a:t>
+            </a:r>
+            <a:r>
+              <a:rPr lang="zh-TW" altLang="en-US" sz="1800" dirty="0" smtClean="0">
+                <a:solidFill>
+                  <a:srgbClr val="FF0000"/>
+                </a:solidFill>
+              </a:rPr>
+              <a:t>是</a:t>
+            </a:r>
+            <a:r>
+              <a:rPr lang="zh-TW" altLang="en-US" sz="1800" dirty="0">
+                <a:solidFill>
+                  <a:srgbClr val="FF0000"/>
+                </a:solidFill>
+              </a:rPr>
+              <a:t>確保了</a:t>
+            </a:r>
+            <a:r>
+              <a:rPr lang="en-US" altLang="zh-TW" sz="1800" dirty="0">
+                <a:solidFill>
+                  <a:srgbClr val="FF0000"/>
+                </a:solidFill>
+              </a:rPr>
+              <a:t>At least once </a:t>
+            </a:r>
+            <a:r>
+              <a:rPr lang="zh-TW" altLang="en-US" sz="1800" dirty="0"/>
+              <a:t>，但可通過設置</a:t>
+            </a:r>
+            <a:r>
+              <a:rPr lang="en-US" altLang="zh-TW" sz="1800" dirty="0"/>
+              <a:t>producer</a:t>
+            </a:r>
+            <a:r>
+              <a:rPr lang="zh-TW" altLang="en-US" sz="1800" dirty="0"/>
+              <a:t>異步發送</a:t>
+            </a:r>
+            <a:r>
+              <a:rPr lang="zh-TW" altLang="en-US" sz="1800" dirty="0" smtClean="0"/>
+              <a:t>實現 </a:t>
+            </a:r>
+            <a:r>
+              <a:rPr lang="en-US" altLang="zh-TW" sz="1800" dirty="0" smtClean="0"/>
+              <a:t>At </a:t>
+            </a:r>
+            <a:r>
+              <a:rPr lang="en-US" altLang="zh-TW" sz="1800" dirty="0"/>
+              <a:t>most </a:t>
+            </a:r>
+            <a:r>
+              <a:rPr lang="en-US" altLang="zh-TW" sz="1800" dirty="0" smtClean="0"/>
+              <a:t>once</a:t>
+            </a:r>
+          </a:p>
+          <a:p>
+            <a:pPr lvl="1"/>
+            <a:r>
+              <a:rPr lang="zh-TW" altLang="en-US" sz="1800" dirty="0" smtClean="0"/>
+              <a:t>要做到 </a:t>
+            </a:r>
+            <a:r>
+              <a:rPr lang="en-US" altLang="zh-TW" sz="1800" dirty="0" smtClean="0"/>
+              <a:t>Exactly one  </a:t>
+            </a:r>
+            <a:r>
+              <a:rPr lang="zh-TW" altLang="en-US" sz="1800" dirty="0" smtClean="0"/>
+              <a:t>可以透過 </a:t>
+            </a:r>
+            <a:r>
+              <a:rPr lang="en-US" altLang="zh-TW" sz="1800" dirty="0" smtClean="0"/>
+              <a:t>Producer </a:t>
+            </a:r>
+            <a:r>
+              <a:rPr lang="zh-TW" altLang="en-US" sz="1800" dirty="0" smtClean="0"/>
+              <a:t>生成類似 </a:t>
+            </a:r>
+            <a:r>
+              <a:rPr lang="en-US" altLang="zh-TW" sz="1800" dirty="0" smtClean="0"/>
+              <a:t>primary key </a:t>
+            </a:r>
+            <a:r>
+              <a:rPr lang="zh-TW" altLang="en-US" sz="1800" dirty="0" smtClean="0"/>
+              <a:t>的東西，當有異常時就</a:t>
+            </a:r>
+            <a:r>
+              <a:rPr lang="en-US" altLang="zh-TW" sz="1800" dirty="0"/>
+              <a:t> </a:t>
+            </a:r>
+            <a:r>
+              <a:rPr lang="en-US" altLang="zh-TW" sz="1800" dirty="0" smtClean="0"/>
+              <a:t>retry</a:t>
+            </a:r>
+            <a:r>
+              <a:rPr lang="zh-TW" altLang="en-US" sz="1800" dirty="0" smtClean="0"/>
+              <a:t>（尚未實做）</a:t>
+            </a:r>
+            <a:endParaRPr lang="en-US" altLang="zh-TW" sz="1800" dirty="0" smtClean="0"/>
+          </a:p>
+          <a:p>
+            <a:r>
+              <a:rPr lang="en-US" altLang="zh-TW" sz="2200" dirty="0" smtClean="0"/>
+              <a:t>Broker to Consumer guarantee</a:t>
+            </a:r>
+          </a:p>
+          <a:p>
+            <a:pPr lvl="1"/>
+            <a:r>
+              <a:rPr lang="zh-TW" altLang="en-US" sz="1800" dirty="0" smtClean="0">
+                <a:solidFill>
+                  <a:srgbClr val="FF0000"/>
+                </a:solidFill>
+              </a:rPr>
+              <a:t>當讀取訊息後做 </a:t>
+            </a:r>
+            <a:r>
+              <a:rPr lang="en-US" altLang="zh-TW" sz="1800" dirty="0" smtClean="0">
+                <a:solidFill>
+                  <a:srgbClr val="FF0000"/>
+                </a:solidFill>
+              </a:rPr>
+              <a:t>commit</a:t>
+            </a:r>
+            <a:r>
+              <a:rPr lang="zh-TW" altLang="en-US" sz="1800" dirty="0" smtClean="0">
+                <a:solidFill>
+                  <a:srgbClr val="FF0000"/>
+                </a:solidFill>
+              </a:rPr>
+              <a:t>，下次就會從下一個訊息讀取，也可以設定 </a:t>
+            </a:r>
+            <a:r>
+              <a:rPr lang="en-US" altLang="zh-TW" sz="1800" dirty="0" smtClean="0">
+                <a:solidFill>
+                  <a:srgbClr val="FF0000"/>
+                </a:solidFill>
+              </a:rPr>
+              <a:t>auto commit</a:t>
+            </a:r>
+            <a:r>
+              <a:rPr lang="zh-TW" altLang="en-US" sz="1800" dirty="0" smtClean="0">
+                <a:solidFill>
+                  <a:srgbClr val="FF0000"/>
+                </a:solidFill>
+              </a:rPr>
+              <a:t>，基本上已經可以完成 </a:t>
+            </a:r>
+            <a:r>
+              <a:rPr lang="en-US" altLang="zh-TW" sz="1800" dirty="0">
+                <a:solidFill>
+                  <a:srgbClr val="FF0000"/>
+                </a:solidFill>
+              </a:rPr>
+              <a:t>Exactly </a:t>
+            </a:r>
+            <a:r>
+              <a:rPr lang="en-US" altLang="zh-TW" sz="1800" dirty="0" smtClean="0">
+                <a:solidFill>
+                  <a:srgbClr val="FF0000"/>
+                </a:solidFill>
+              </a:rPr>
+              <a:t>once</a:t>
+            </a:r>
+          </a:p>
+          <a:p>
+            <a:pPr lvl="1"/>
+            <a:r>
+              <a:rPr lang="zh-TW" altLang="en-US" sz="1800" dirty="0" smtClean="0"/>
+              <a:t>訊息需要處理，</a:t>
+            </a:r>
+            <a:r>
+              <a:rPr lang="en-US" altLang="zh-TW" sz="1800" dirty="0" smtClean="0"/>
+              <a:t>commit </a:t>
+            </a:r>
+            <a:r>
+              <a:rPr lang="zh-TW" altLang="en-US" sz="1800" dirty="0" smtClean="0"/>
+              <a:t>跟處理先後有很大關係</a:t>
+            </a:r>
+            <a:endParaRPr lang="en-US" altLang="zh-TW" sz="1800" dirty="0" smtClean="0"/>
+          </a:p>
+          <a:p>
+            <a:pPr lvl="2"/>
+            <a:r>
+              <a:rPr lang="zh-TW" altLang="en-US" sz="1600" dirty="0" smtClean="0"/>
+              <a:t>讀取後先 </a:t>
+            </a:r>
+            <a:r>
+              <a:rPr lang="en-US" altLang="zh-TW" sz="1600" dirty="0" smtClean="0"/>
+              <a:t>commit </a:t>
+            </a:r>
+            <a:r>
+              <a:rPr lang="zh-TW" altLang="en-US" sz="1600" dirty="0" smtClean="0"/>
+              <a:t>再處理：資料處理失敗無法復原</a:t>
+            </a:r>
+            <a:endParaRPr lang="en-US" altLang="zh-TW" sz="1600" dirty="0" smtClean="0"/>
+          </a:p>
+          <a:p>
+            <a:pPr lvl="2"/>
+            <a:r>
+              <a:rPr lang="zh-TW" altLang="en-US" sz="1600" dirty="0" smtClean="0"/>
+              <a:t>讀取後先處理再 </a:t>
+            </a:r>
+            <a:r>
+              <a:rPr lang="en-US" altLang="zh-TW" sz="1600" dirty="0" smtClean="0"/>
+              <a:t>commit</a:t>
+            </a:r>
+            <a:r>
+              <a:rPr lang="zh-TW" altLang="en-US" sz="1600" dirty="0" smtClean="0"/>
+              <a:t>：資料有可能重複處理</a:t>
+            </a:r>
+            <a:endParaRPr lang="en-US" altLang="zh-TW" sz="1600" dirty="0" smtClean="0"/>
+          </a:p>
+          <a:p>
+            <a:pPr lvl="1"/>
+            <a:r>
+              <a:rPr lang="zh-TW" altLang="en-US" sz="1800" dirty="0"/>
+              <a:t>如果一定要做到</a:t>
+            </a:r>
+            <a:r>
+              <a:rPr lang="en-US" altLang="zh-TW" sz="1800" dirty="0"/>
+              <a:t>Exactly once </a:t>
+            </a:r>
+            <a:r>
+              <a:rPr lang="zh-TW" altLang="en-US" sz="1800" dirty="0"/>
+              <a:t>，就需要</a:t>
+            </a:r>
+            <a:r>
+              <a:rPr lang="zh-TW" altLang="en-US" sz="1800" dirty="0" smtClean="0"/>
+              <a:t>協調 </a:t>
+            </a:r>
+            <a:r>
+              <a:rPr lang="en-US" altLang="zh-TW" sz="1800" dirty="0" smtClean="0"/>
+              <a:t>Offset </a:t>
+            </a:r>
+            <a:r>
+              <a:rPr lang="zh-TW" altLang="en-US" sz="1800" dirty="0" smtClean="0"/>
+              <a:t>和</a:t>
+            </a:r>
+            <a:r>
+              <a:rPr lang="zh-TW" altLang="en-US" sz="1800" dirty="0"/>
+              <a:t>實際操作的</a:t>
+            </a:r>
+            <a:r>
+              <a:rPr lang="zh-TW" altLang="en-US" sz="1800" dirty="0" smtClean="0"/>
+              <a:t>輸出有一種作法是兩</a:t>
+            </a:r>
+            <a:r>
+              <a:rPr lang="zh-TW" altLang="en-US" sz="1800" dirty="0"/>
+              <a:t>階段</a:t>
+            </a:r>
+            <a:r>
+              <a:rPr lang="zh-TW" altLang="en-US" sz="1800" dirty="0" smtClean="0"/>
+              <a:t>提交（</a:t>
+            </a:r>
+            <a:r>
+              <a:rPr lang="en-US" altLang="zh-TW" sz="1800" dirty="0" smtClean="0"/>
+              <a:t>2 Phase commit</a:t>
+            </a:r>
+            <a:r>
+              <a:rPr lang="zh-TW" altLang="en-US" sz="1800" dirty="0" smtClean="0"/>
+              <a:t>）</a:t>
+            </a:r>
+            <a:endParaRPr lang="zh-TW" altLang="en-US" sz="2200" dirty="0"/>
+          </a:p>
+        </p:txBody>
+      </p:sp>
+      <p:sp>
+        <p:nvSpPr>
+          <p:cNvPr id="4" name="日期版面配置區 3"/>
+          <p:cNvSpPr>
+            <a:spLocks noGrp="1"/>
+          </p:cNvSpPr>
+          <p:nvPr>
+            <p:ph type="dt" sz="half" idx="10"/>
+          </p:nvPr>
+        </p:nvSpPr>
+        <p:spPr/>
+        <p:txBody>
+          <a:bodyPr/>
+          <a:lstStyle/>
+          <a:p>
+            <a:fld id="{92D689F0-93C6-4C05-849C-0706C5E0351F}" type="datetime1">
+              <a:rPr lang="zh-TW" altLang="en-US" smtClean="0"/>
+              <a:t>2016/5/9</a:t>
+            </a:fld>
+            <a:endParaRPr lang="zh-TW" altLang="en-US"/>
+          </a:p>
+        </p:txBody>
+      </p:sp>
+      <p:sp>
+        <p:nvSpPr>
+          <p:cNvPr id="5" name="頁尾版面配置區 4"/>
+          <p:cNvSpPr>
+            <a:spLocks noGrp="1"/>
+          </p:cNvSpPr>
+          <p:nvPr>
+            <p:ph type="ftr" sz="quarter" idx="11"/>
+          </p:nvPr>
+        </p:nvSpPr>
+        <p:spPr/>
+        <p:txBody>
+          <a:bodyPr/>
+          <a:lstStyle/>
+          <a:p>
+            <a:r>
+              <a:rPr lang="en-US" altLang="zh-TW" smtClean="0"/>
+              <a:t>RETchat </a:t>
+            </a:r>
+            <a:r>
+              <a:rPr lang="zh-TW" altLang="en-US" smtClean="0"/>
+              <a:t>內部教學文件</a:t>
+            </a:r>
+            <a:endParaRPr lang="zh-TW" altLang="en-US"/>
+          </a:p>
+        </p:txBody>
+      </p:sp>
+      <p:sp>
+        <p:nvSpPr>
+          <p:cNvPr id="6" name="投影片編號版面配置區 5"/>
+          <p:cNvSpPr>
+            <a:spLocks noGrp="1"/>
+          </p:cNvSpPr>
+          <p:nvPr>
+            <p:ph type="sldNum" sz="quarter" idx="12"/>
+          </p:nvPr>
+        </p:nvSpPr>
+        <p:spPr/>
+        <p:txBody>
+          <a:bodyPr/>
+          <a:lstStyle/>
+          <a:p>
+            <a:fld id="{C4CC8384-60E7-446C-ABEF-271B71B81947}" type="slidenum">
+              <a:rPr lang="zh-TW" altLang="en-US" smtClean="0"/>
+              <a:t>20</a:t>
+            </a:fld>
+            <a:endParaRPr lang="zh-TW" altLang="en-US"/>
+          </a:p>
+        </p:txBody>
+      </p:sp>
+    </p:spTree>
+    <p:extLst>
+      <p:ext uri="{BB962C8B-B14F-4D97-AF65-F5344CB8AC3E}">
+        <p14:creationId xmlns:p14="http://schemas.microsoft.com/office/powerpoint/2010/main" val="3505361144"/>
+      </p:ext>
+    </p:extLst>
+  </p:cSld>
+  <p:clrMapOvr>
+    <a:masterClrMapping/>
+  </p:clrMapOvr>
+</p:sld>
+</file>
+
+<file path=ppt/slides/slide21.xml><?xml version="1.0" encoding="utf-8"?>
+<p:sld xmlns:a="http://schemas.openxmlformats.org/drawingml/2006/main" xmlns:r="http://schemas.openxmlformats.org/officeDocument/2006/relationships" xmlns:p="http://schemas.openxmlformats.org/presentationml/2006/main">
+  <p:cSld>
+    <p:spTree>
+      <p:nvGrpSpPr>
+        <p:cNvPr id="1" name=""/>
+        <p:cNvGrpSpPr/>
+        <p:nvPr/>
+      </p:nvGrpSpPr>
+      <p:grpSpPr>
+        <a:xfrm>
+          <a:off x="0" y="0"/>
+          <a:ext cx="0" cy="0"/>
+          <a:chOff x="0" y="0"/>
+          <a:chExt cx="0" cy="0"/>
+        </a:xfrm>
+      </p:grpSpPr>
+      <p:sp>
+        <p:nvSpPr>
+          <p:cNvPr id="2" name="標題 1"/>
+          <p:cNvSpPr>
+            <a:spLocks noGrp="1"/>
+          </p:cNvSpPr>
+          <p:nvPr>
+            <p:ph type="title"/>
+          </p:nvPr>
+        </p:nvSpPr>
+        <p:spPr/>
+        <p:txBody>
+          <a:bodyPr>
+            <a:normAutofit fontScale="90000"/>
+          </a:bodyPr>
+          <a:lstStyle/>
+          <a:p>
+            <a:r>
               <a:rPr lang="zh-TW" altLang="en-US" dirty="0" smtClean="0"/>
               <a:t>效能測試</a:t>
             </a:r>
@@ -9201,7 +9759,7 @@
           <a:p>
             <a:fld id="{92D689F0-93C6-4C05-849C-0706C5E0351F}" type="datetime1">
               <a:rPr lang="zh-TW" altLang="en-US" smtClean="0"/>
-              <a:t>2016/4/30</a:t>
+              <a:t>2016/5/9</a:t>
             </a:fld>
             <a:endParaRPr lang="zh-TW" altLang="en-US"/>
           </a:p>
@@ -9251,7 +9809,7 @@
           <a:p>
             <a:fld id="{C4CC8384-60E7-446C-ABEF-271B71B81947}" type="slidenum">
               <a:rPr lang="zh-TW" altLang="en-US" smtClean="0"/>
-              <a:t>20</a:t>
+              <a:t>21</a:t>
             </a:fld>
             <a:endParaRPr lang="zh-TW" altLang="en-US"/>
           </a:p>
@@ -9270,7 +9828,7 @@
 </p:sld>
 </file>
 
-<file path=ppt/slides/slide21.xml><?xml version="1.0" encoding="utf-8"?>
+<file path=ppt/slides/slide22.xml><?xml version="1.0" encoding="utf-8"?>
 <p:sld xmlns:a="http://schemas.openxmlformats.org/drawingml/2006/main" xmlns:r="http://schemas.openxmlformats.org/officeDocument/2006/relationships" xmlns:p="http://schemas.openxmlformats.org/presentationml/2006/main">
   <p:cSld>
     <p:spTree>
@@ -9651,7 +10209,7 @@
           <a:p>
             <a:fld id="{92D689F0-93C6-4C05-849C-0706C5E0351F}" type="datetime1">
               <a:rPr lang="zh-TW" altLang="en-US" smtClean="0"/>
-              <a:t>2016/4/30</a:t>
+              <a:t>2016/5/9</a:t>
             </a:fld>
             <a:endParaRPr lang="zh-TW" altLang="en-US"/>
           </a:p>
@@ -9701,7 +10259,7 @@
           <a:p>
             <a:fld id="{C4CC8384-60E7-446C-ABEF-271B71B81947}" type="slidenum">
               <a:rPr lang="zh-TW" altLang="en-US" smtClean="0"/>
-              <a:t>21</a:t>
+              <a:t>22</a:t>
             </a:fld>
             <a:endParaRPr lang="zh-TW" altLang="en-US"/>
           </a:p>
@@ -10243,7 +10801,7 @@
 </p:sld>
 </file>
 
-<file path=ppt/slides/slide22.xml><?xml version="1.0" encoding="utf-8"?>
+<file path=ppt/slides/slide23.xml><?xml version="1.0" encoding="utf-8"?>
 <p:sld xmlns:a="http://schemas.openxmlformats.org/drawingml/2006/main" xmlns:r="http://schemas.openxmlformats.org/officeDocument/2006/relationships" xmlns:p="http://schemas.openxmlformats.org/presentationml/2006/main">
   <p:cSld>
     <p:spTree>
@@ -10408,7 +10966,7 @@
           <a:p>
             <a:fld id="{92D689F0-93C6-4C05-849C-0706C5E0351F}" type="datetime1">
               <a:rPr lang="zh-TW" altLang="en-US" smtClean="0"/>
-              <a:t>2016/4/30</a:t>
+              <a:t>2016/5/9</a:t>
             </a:fld>
             <a:endParaRPr lang="zh-TW" altLang="en-US"/>
           </a:p>
@@ -10458,7 +11016,7 @@
           <a:p>
             <a:fld id="{C4CC8384-60E7-446C-ABEF-271B71B81947}" type="slidenum">
               <a:rPr lang="zh-TW" altLang="en-US" smtClean="0"/>
-              <a:t>22</a:t>
+              <a:t>23</a:t>
             </a:fld>
             <a:endParaRPr lang="zh-TW" altLang="en-US"/>
           </a:p>
@@ -10542,7 +11100,7 @@
 </p:sld>
 </file>
 
-<file path=ppt/slides/slide23.xml><?xml version="1.0" encoding="utf-8"?>
+<file path=ppt/slides/slide24.xml><?xml version="1.0" encoding="utf-8"?>
 <p:sld xmlns:a="http://schemas.openxmlformats.org/drawingml/2006/main" xmlns:r="http://schemas.openxmlformats.org/officeDocument/2006/relationships" xmlns:p="http://schemas.openxmlformats.org/presentationml/2006/main">
   <p:cSld>
     <p:spTree>
@@ -10764,7 +11322,7 @@
           <a:p>
             <a:fld id="{92D689F0-93C6-4C05-849C-0706C5E0351F}" type="datetime1">
               <a:rPr lang="zh-TW" altLang="en-US" smtClean="0"/>
-              <a:t>2016/4/30</a:t>
+              <a:t>2016/5/9</a:t>
             </a:fld>
             <a:endParaRPr lang="zh-TW" altLang="en-US"/>
           </a:p>
@@ -10814,7 +11372,7 @@
           <a:p>
             <a:fld id="{C4CC8384-60E7-446C-ABEF-271B71B81947}" type="slidenum">
               <a:rPr lang="zh-TW" altLang="en-US" smtClean="0"/>
-              <a:t>23</a:t>
+              <a:t>24</a:t>
             </a:fld>
             <a:endParaRPr lang="zh-TW" altLang="en-US"/>
           </a:p>
@@ -11076,7 +11634,7 @@
           <a:p>
             <a:fld id="{6FE6A2BB-5F92-4730-B1AA-AC930742E823}" type="datetime1">
               <a:rPr lang="zh-TW" altLang="en-US" smtClean="0"/>
-              <a:t>2016/4/30</a:t>
+              <a:t>2016/5/9</a:t>
             </a:fld>
             <a:endParaRPr lang="zh-TW" altLang="en-US"/>
           </a:p>
@@ -11482,7 +12040,7 @@
           <a:p>
             <a:fld id="{3398EBDF-F31D-4AED-9E9D-38CFFEA789F0}" type="datetime1">
               <a:rPr lang="zh-TW" altLang="en-US" smtClean="0"/>
-              <a:t>2016/4/30</a:t>
+              <a:t>2016/5/9</a:t>
             </a:fld>
             <a:endParaRPr lang="zh-TW" altLang="en-US"/>
           </a:p>
@@ -12095,7 +12653,7 @@
           <a:p>
             <a:fld id="{F2352E28-FFDA-4B4E-A804-717A8225CEA6}" type="datetime1">
               <a:rPr lang="zh-TW" altLang="en-US" smtClean="0"/>
-              <a:t>2016/4/30</a:t>
+              <a:t>2016/5/9</a:t>
             </a:fld>
             <a:endParaRPr lang="zh-TW" altLang="en-US"/>
           </a:p>
@@ -12487,7 +13045,7 @@
           <a:p>
             <a:fld id="{E9B09559-7CAE-4A27-B869-0BAAC6757E80}" type="datetime1">
               <a:rPr lang="zh-TW" altLang="en-US" smtClean="0"/>
-              <a:t>2016/4/30</a:t>
+              <a:t>2016/5/9</a:t>
             </a:fld>
             <a:endParaRPr lang="zh-TW" altLang="en-US"/>
           </a:p>
@@ -12616,7 +13174,15 @@
           <a:p>
             <a:r>
               <a:rPr lang="zh-TW" altLang="en-US" dirty="0" smtClean="0"/>
-              <a:t>展示架構</a:t>
+              <a:t>展示架構（</a:t>
+            </a:r>
+            <a:r>
+              <a:rPr lang="en-US" altLang="zh-TW" dirty="0" err="1" smtClean="0"/>
+              <a:t>Flume,Kafka</a:t>
+            </a:r>
+            <a:r>
+              <a:rPr lang="zh-TW" altLang="en-US" dirty="0" smtClean="0"/>
+              <a:t>）</a:t>
             </a:r>
             <a:endParaRPr lang="zh-TW" altLang="en-US" dirty="0"/>
           </a:p>
@@ -13192,7 +13758,7 @@
           <a:p>
             <a:fld id="{CA109E51-3B50-4A82-9325-904DB547BA51}" type="datetime1">
               <a:rPr lang="zh-TW" altLang="en-US" smtClean="0"/>
-              <a:t>2016/4/30</a:t>
+              <a:t>2016/5/9</a:t>
             </a:fld>
             <a:endParaRPr lang="zh-TW" altLang="en-US"/>
           </a:p>
@@ -13303,12 +13869,16 @@
           <a:lstStyle/>
           <a:p>
             <a:r>
-              <a:rPr lang="en-US" altLang="zh-TW" b="1" dirty="0"/>
-              <a:t>Push vs. </a:t>
-            </a:r>
-            <a:r>
-              <a:rPr lang="en-US" altLang="zh-TW" b="1" dirty="0" smtClean="0"/>
-              <a:t>Pull</a:t>
+              <a:rPr lang="zh-TW" altLang="en-US" dirty="0" smtClean="0"/>
+              <a:t>展示架構（</a:t>
+            </a:r>
+            <a:r>
+              <a:rPr lang="en-US" altLang="zh-TW" dirty="0" smtClean="0"/>
+              <a:t>Flume, Kafka, Spark</a:t>
+            </a:r>
+            <a:r>
+              <a:rPr lang="zh-TW" altLang="en-US" dirty="0" smtClean="0"/>
+              <a:t>）</a:t>
             </a:r>
             <a:endParaRPr lang="zh-TW" altLang="en-US" dirty="0"/>
           </a:p>
@@ -13316,400 +13886,558 @@
       </p:sp>
       <p:sp>
         <p:nvSpPr>
-          <p:cNvPr id="3" name="內容版面配置區 2"/>
-          <p:cNvSpPr>
-            <a:spLocks noGrp="1"/>
-          </p:cNvSpPr>
-          <p:nvPr>
-            <p:ph idx="1"/>
+          <p:cNvPr id="4" name="矩形 3"/>
+          <p:cNvSpPr/>
+          <p:nvPr/>
+        </p:nvSpPr>
+        <p:spPr>
+          <a:xfrm>
+            <a:off x="767194" y="2701635"/>
+            <a:ext cx="1588077" cy="852055"/>
+          </a:xfrm>
+          <a:prstGeom prst="rect">
+            <a:avLst/>
+          </a:prstGeom>
+        </p:spPr>
+        <p:style>
+          <a:lnRef idx="2">
+            <a:schemeClr val="accent1">
+              <a:shade val="50000"/>
+            </a:schemeClr>
+          </a:lnRef>
+          <a:fillRef idx="1">
+            <a:schemeClr val="accent1"/>
+          </a:fillRef>
+          <a:effectRef idx="0">
+            <a:schemeClr val="accent1"/>
+          </a:effectRef>
+          <a:fontRef idx="minor">
+            <a:schemeClr val="lt1"/>
+          </a:fontRef>
+        </p:style>
+        <p:txBody>
+          <a:bodyPr rtlCol="0" anchor="t"/>
+          <a:lstStyle/>
+          <a:p>
+            <a:pPr algn="ctr"/>
+            <a:r>
+              <a:rPr lang="en-US" altLang="zh-TW" dirty="0" smtClean="0"/>
+              <a:t>Console</a:t>
+            </a:r>
+            <a:endParaRPr lang="zh-TW" altLang="en-US" dirty="0"/>
+          </a:p>
+        </p:txBody>
+      </p:sp>
+      <p:sp>
+        <p:nvSpPr>
+          <p:cNvPr id="8" name="文字方塊 7"/>
+          <p:cNvSpPr txBox="1"/>
+          <p:nvPr/>
+        </p:nvSpPr>
+        <p:spPr>
+          <a:xfrm>
+            <a:off x="2169390" y="2909638"/>
+            <a:ext cx="1170709" cy="369332"/>
+          </a:xfrm>
+          <a:prstGeom prst="rect">
+            <a:avLst/>
+          </a:prstGeom>
+          <a:noFill/>
+        </p:spPr>
+        <p:txBody>
+          <a:bodyPr wrap="square" rtlCol="0">
+            <a:spAutoFit/>
+          </a:bodyPr>
+          <a:lstStyle/>
+          <a:p>
+            <a:pPr algn="ctr"/>
+            <a:r>
+              <a:rPr lang="en-US" altLang="zh-TW" dirty="0" smtClean="0"/>
+              <a:t>Flume</a:t>
+            </a:r>
+            <a:endParaRPr lang="zh-TW" altLang="en-US" dirty="0"/>
+          </a:p>
+        </p:txBody>
+      </p:sp>
+      <p:sp>
+        <p:nvSpPr>
+          <p:cNvPr id="9" name="矩形 8"/>
+          <p:cNvSpPr/>
+          <p:nvPr/>
+        </p:nvSpPr>
+        <p:spPr>
+          <a:xfrm>
+            <a:off x="948168" y="3138054"/>
+            <a:ext cx="1226127" cy="353291"/>
+          </a:xfrm>
+          <a:prstGeom prst="rect">
+            <a:avLst/>
+          </a:prstGeom>
+        </p:spPr>
+        <p:style>
+          <a:lnRef idx="1">
+            <a:schemeClr val="dk1"/>
+          </a:lnRef>
+          <a:fillRef idx="2">
+            <a:schemeClr val="dk1"/>
+          </a:fillRef>
+          <a:effectRef idx="1">
+            <a:schemeClr val="dk1"/>
+          </a:effectRef>
+          <a:fontRef idx="minor">
+            <a:schemeClr val="dk1"/>
+          </a:fontRef>
+        </p:style>
+        <p:txBody>
+          <a:bodyPr rtlCol="0" anchor="ctr"/>
+          <a:lstStyle/>
+          <a:p>
+            <a:pPr algn="ctr"/>
+            <a:r>
+              <a:rPr lang="en-US" altLang="zh-TW" dirty="0" smtClean="0"/>
+              <a:t>article</a:t>
+            </a:r>
+            <a:endParaRPr lang="zh-TW" altLang="en-US" dirty="0"/>
+          </a:p>
+        </p:txBody>
+      </p:sp>
+      <p:sp>
+        <p:nvSpPr>
+          <p:cNvPr id="10" name="矩形 9"/>
+          <p:cNvSpPr/>
+          <p:nvPr/>
+        </p:nvSpPr>
+        <p:spPr>
+          <a:xfrm>
+            <a:off x="3220314" y="2038349"/>
+            <a:ext cx="1588077" cy="2670466"/>
+          </a:xfrm>
+          <a:prstGeom prst="rect">
+            <a:avLst/>
+          </a:prstGeom>
+        </p:spPr>
+        <p:style>
+          <a:lnRef idx="2">
+            <a:schemeClr val="accent1">
+              <a:shade val="50000"/>
+            </a:schemeClr>
+          </a:lnRef>
+          <a:fillRef idx="1">
+            <a:schemeClr val="accent1"/>
+          </a:fillRef>
+          <a:effectRef idx="0">
+            <a:schemeClr val="accent1"/>
+          </a:effectRef>
+          <a:fontRef idx="minor">
+            <a:schemeClr val="lt1"/>
+          </a:fontRef>
+        </p:style>
+        <p:txBody>
+          <a:bodyPr rtlCol="0" anchor="t"/>
+          <a:lstStyle/>
+          <a:p>
+            <a:pPr algn="ctr"/>
+            <a:r>
+              <a:rPr lang="en-US" altLang="zh-TW" dirty="0" smtClean="0"/>
+              <a:t>Kafka</a:t>
+            </a:r>
+            <a:endParaRPr lang="zh-TW" altLang="en-US" dirty="0"/>
+          </a:p>
+        </p:txBody>
+      </p:sp>
+      <p:sp>
+        <p:nvSpPr>
+          <p:cNvPr id="7" name="向右箭號 6"/>
+          <p:cNvSpPr/>
+          <p:nvPr/>
+        </p:nvSpPr>
+        <p:spPr>
+          <a:xfrm>
+            <a:off x="2216727" y="3248889"/>
+            <a:ext cx="1127846" cy="138547"/>
+          </a:xfrm>
+          <a:prstGeom prst="rightArrow">
+            <a:avLst/>
+          </a:prstGeom>
+        </p:spPr>
+        <p:style>
+          <a:lnRef idx="2">
+            <a:schemeClr val="dk1">
+              <a:shade val="50000"/>
+            </a:schemeClr>
+          </a:lnRef>
+          <a:fillRef idx="1">
+            <a:schemeClr val="dk1"/>
+          </a:fillRef>
+          <a:effectRef idx="0">
+            <a:schemeClr val="dk1"/>
+          </a:effectRef>
+          <a:fontRef idx="minor">
+            <a:schemeClr val="lt1"/>
+          </a:fontRef>
+        </p:style>
+        <p:txBody>
+          <a:bodyPr rtlCol="0" anchor="ctr"/>
+          <a:lstStyle/>
+          <a:p>
+            <a:pPr algn="ctr"/>
+            <a:endParaRPr lang="zh-TW" altLang="en-US"/>
+          </a:p>
+        </p:txBody>
+      </p:sp>
+      <p:sp>
+        <p:nvSpPr>
+          <p:cNvPr id="12" name="圓角矩形 11"/>
+          <p:cNvSpPr/>
+          <p:nvPr/>
+        </p:nvSpPr>
+        <p:spPr>
+          <a:xfrm>
+            <a:off x="3408215" y="2670463"/>
+            <a:ext cx="1212273" cy="1641764"/>
+          </a:xfrm>
+          <a:prstGeom prst="roundRect">
+            <a:avLst/>
+          </a:prstGeom>
+        </p:spPr>
+        <p:style>
+          <a:lnRef idx="1">
+            <a:schemeClr val="accent6"/>
+          </a:lnRef>
+          <a:fillRef idx="2">
+            <a:schemeClr val="accent6"/>
+          </a:fillRef>
+          <a:effectRef idx="1">
+            <a:schemeClr val="accent6"/>
+          </a:effectRef>
+          <a:fontRef idx="minor">
+            <a:schemeClr val="dk1"/>
+          </a:fontRef>
+        </p:style>
+        <p:txBody>
+          <a:bodyPr rtlCol="0" anchor="t"/>
+          <a:lstStyle/>
+          <a:p>
+            <a:pPr algn="ctr"/>
+            <a:r>
+              <a:rPr lang="en-US" altLang="zh-TW" dirty="0" err="1" smtClean="0"/>
+              <a:t>mytopic</a:t>
+            </a:r>
+            <a:endParaRPr lang="zh-TW" altLang="en-US" dirty="0"/>
+          </a:p>
+        </p:txBody>
+      </p:sp>
+      <p:sp>
+        <p:nvSpPr>
+          <p:cNvPr id="13" name="矩形 12"/>
+          <p:cNvSpPr/>
+          <p:nvPr/>
+        </p:nvSpPr>
+        <p:spPr>
+          <a:xfrm>
+            <a:off x="5724668" y="2038349"/>
+            <a:ext cx="1992313" cy="2670466"/>
+          </a:xfrm>
+          <a:prstGeom prst="rect">
+            <a:avLst/>
+          </a:prstGeom>
+        </p:spPr>
+        <p:style>
+          <a:lnRef idx="2">
+            <a:schemeClr val="accent1">
+              <a:shade val="50000"/>
+            </a:schemeClr>
+          </a:lnRef>
+          <a:fillRef idx="1">
+            <a:schemeClr val="accent1"/>
+          </a:fillRef>
+          <a:effectRef idx="0">
+            <a:schemeClr val="accent1"/>
+          </a:effectRef>
+          <a:fontRef idx="minor">
+            <a:schemeClr val="lt1"/>
+          </a:fontRef>
+        </p:style>
+        <p:txBody>
+          <a:bodyPr rtlCol="0" anchor="t"/>
+          <a:lstStyle/>
+          <a:p>
+            <a:pPr algn="ctr"/>
+            <a:r>
+              <a:rPr lang="en-US" altLang="zh-TW" dirty="0" smtClean="0"/>
+              <a:t>Java</a:t>
+            </a:r>
+            <a:endParaRPr lang="zh-TW" altLang="en-US" dirty="0"/>
+          </a:p>
+        </p:txBody>
+      </p:sp>
+      <p:sp>
+        <p:nvSpPr>
+          <p:cNvPr id="14" name="文字方塊 13"/>
+          <p:cNvSpPr txBox="1"/>
+          <p:nvPr/>
+        </p:nvSpPr>
+        <p:spPr>
+          <a:xfrm>
+            <a:off x="4666672" y="2664904"/>
+            <a:ext cx="1170709" cy="646331"/>
+          </a:xfrm>
+          <a:prstGeom prst="rect">
+            <a:avLst/>
+          </a:prstGeom>
+          <a:noFill/>
+        </p:spPr>
+        <p:txBody>
+          <a:bodyPr wrap="square" rtlCol="0">
+            <a:spAutoFit/>
+          </a:bodyPr>
+          <a:lstStyle/>
+          <a:p>
+            <a:pPr algn="ctr"/>
+            <a:r>
+              <a:rPr lang="en-US" altLang="zh-TW" dirty="0" smtClean="0"/>
+              <a:t>Kafka </a:t>
+            </a:r>
+          </a:p>
+          <a:p>
+            <a:pPr algn="ctr"/>
+            <a:r>
+              <a:rPr lang="en-US" altLang="zh-TW" dirty="0" smtClean="0"/>
+              <a:t>Consume</a:t>
+            </a:r>
+            <a:endParaRPr lang="zh-TW" altLang="en-US" dirty="0"/>
+          </a:p>
+        </p:txBody>
+      </p:sp>
+      <p:sp>
+        <p:nvSpPr>
+          <p:cNvPr id="15" name="向右箭號 14"/>
+          <p:cNvSpPr/>
+          <p:nvPr/>
+        </p:nvSpPr>
+        <p:spPr>
+          <a:xfrm>
+            <a:off x="4714873" y="3258371"/>
+            <a:ext cx="1127846" cy="138547"/>
+          </a:xfrm>
+          <a:prstGeom prst="rightArrow">
+            <a:avLst/>
+          </a:prstGeom>
+        </p:spPr>
+        <p:style>
+          <a:lnRef idx="2">
+            <a:schemeClr val="dk1">
+              <a:shade val="50000"/>
+            </a:schemeClr>
+          </a:lnRef>
+          <a:fillRef idx="1">
+            <a:schemeClr val="dk1"/>
+          </a:fillRef>
+          <a:effectRef idx="0">
+            <a:schemeClr val="dk1"/>
+          </a:effectRef>
+          <a:fontRef idx="minor">
+            <a:schemeClr val="lt1"/>
+          </a:fontRef>
+        </p:style>
+        <p:txBody>
+          <a:bodyPr rtlCol="0" anchor="ctr"/>
+          <a:lstStyle/>
+          <a:p>
+            <a:pPr algn="ctr"/>
+            <a:endParaRPr lang="zh-TW" altLang="en-US"/>
+          </a:p>
+        </p:txBody>
+      </p:sp>
+      <p:sp>
+        <p:nvSpPr>
+          <p:cNvPr id="16" name="文字方塊 15"/>
+          <p:cNvSpPr txBox="1"/>
+          <p:nvPr/>
+        </p:nvSpPr>
+        <p:spPr>
+          <a:xfrm>
+            <a:off x="2166644" y="3367885"/>
+            <a:ext cx="1170709" cy="646331"/>
+          </a:xfrm>
+          <a:prstGeom prst="rect">
+            <a:avLst/>
+          </a:prstGeom>
+          <a:noFill/>
+        </p:spPr>
+        <p:txBody>
+          <a:bodyPr wrap="square" rtlCol="0">
+            <a:spAutoFit/>
+          </a:bodyPr>
+          <a:lstStyle/>
+          <a:p>
+            <a:pPr algn="ctr"/>
+            <a:r>
+              <a:rPr lang="en-US" altLang="zh-TW" dirty="0" smtClean="0"/>
+              <a:t>Kafka </a:t>
+            </a:r>
+          </a:p>
+          <a:p>
+            <a:pPr algn="ctr"/>
+            <a:r>
+              <a:rPr lang="en-US" altLang="zh-TW" dirty="0" smtClean="0"/>
+              <a:t>Produce</a:t>
+            </a:r>
+            <a:endParaRPr lang="zh-TW" altLang="en-US" dirty="0"/>
+          </a:p>
+        </p:txBody>
+      </p:sp>
+      <p:sp>
+        <p:nvSpPr>
+          <p:cNvPr id="17" name="圓角矩形 16"/>
+          <p:cNvSpPr/>
+          <p:nvPr/>
+        </p:nvSpPr>
+        <p:spPr>
+          <a:xfrm>
+            <a:off x="3483973" y="3153184"/>
+            <a:ext cx="1071856" cy="316101"/>
+          </a:xfrm>
+          <a:prstGeom prst="roundRect">
+            <a:avLst/>
+          </a:prstGeom>
+        </p:spPr>
+        <p:style>
+          <a:lnRef idx="1">
+            <a:schemeClr val="accent2"/>
+          </a:lnRef>
+          <a:fillRef idx="2">
+            <a:schemeClr val="accent2"/>
+          </a:fillRef>
+          <a:effectRef idx="1">
+            <a:schemeClr val="accent2"/>
+          </a:effectRef>
+          <a:fontRef idx="minor">
+            <a:schemeClr val="dk1"/>
+          </a:fontRef>
+        </p:style>
+        <p:txBody>
+          <a:bodyPr rtlCol="0" anchor="ctr"/>
+          <a:lstStyle/>
+          <a:p>
+            <a:pPr algn="ctr"/>
+            <a:r>
+              <a:rPr lang="en-US" altLang="zh-TW" dirty="0" smtClean="0"/>
+              <a:t>Message</a:t>
+            </a:r>
+            <a:endParaRPr lang="zh-TW" altLang="en-US" dirty="0"/>
+          </a:p>
+        </p:txBody>
+      </p:sp>
+      <p:sp>
+        <p:nvSpPr>
+          <p:cNvPr id="18" name="圓角矩形 17"/>
+          <p:cNvSpPr/>
+          <p:nvPr/>
+        </p:nvSpPr>
+        <p:spPr>
+          <a:xfrm>
+            <a:off x="3483973" y="3553690"/>
+            <a:ext cx="1071856" cy="316101"/>
+          </a:xfrm>
+          <a:prstGeom prst="roundRect">
+            <a:avLst/>
+          </a:prstGeom>
+        </p:spPr>
+        <p:style>
+          <a:lnRef idx="1">
+            <a:schemeClr val="accent2"/>
+          </a:lnRef>
+          <a:fillRef idx="2">
+            <a:schemeClr val="accent2"/>
+          </a:fillRef>
+          <a:effectRef idx="1">
+            <a:schemeClr val="accent2"/>
+          </a:effectRef>
+          <a:fontRef idx="minor">
+            <a:schemeClr val="dk1"/>
+          </a:fontRef>
+        </p:style>
+        <p:txBody>
+          <a:bodyPr rtlCol="0" anchor="ctr"/>
+          <a:lstStyle/>
+          <a:p>
+            <a:pPr algn="ctr"/>
+            <a:r>
+              <a:rPr lang="en-US" altLang="zh-TW" dirty="0" smtClean="0"/>
+              <a:t>Message</a:t>
+            </a:r>
+            <a:endParaRPr lang="zh-TW" altLang="en-US" dirty="0"/>
+          </a:p>
+        </p:txBody>
+      </p:sp>
+      <p:sp>
+        <p:nvSpPr>
+          <p:cNvPr id="19" name="圓角矩形 18"/>
+          <p:cNvSpPr/>
+          <p:nvPr/>
+        </p:nvSpPr>
+        <p:spPr>
+          <a:xfrm>
+            <a:off x="6086908" y="2664904"/>
+            <a:ext cx="1340861" cy="1641764"/>
+          </a:xfrm>
+          <a:prstGeom prst="roundRect">
+            <a:avLst/>
+          </a:prstGeom>
+        </p:spPr>
+        <p:style>
+          <a:lnRef idx="1">
+            <a:schemeClr val="accent6"/>
+          </a:lnRef>
+          <a:fillRef idx="2">
+            <a:schemeClr val="accent6"/>
+          </a:fillRef>
+          <a:effectRef idx="1">
+            <a:schemeClr val="accent6"/>
+          </a:effectRef>
+          <a:fontRef idx="minor">
+            <a:schemeClr val="dk1"/>
+          </a:fontRef>
+        </p:style>
+        <p:txBody>
+          <a:bodyPr rtlCol="0" anchor="t"/>
+          <a:lstStyle/>
+          <a:p>
+            <a:pPr algn="ctr"/>
+            <a:r>
+              <a:rPr lang="en-US" altLang="zh-TW" dirty="0" smtClean="0"/>
+              <a:t>Spark</a:t>
+            </a:r>
+          </a:p>
+          <a:p>
+            <a:pPr algn="ctr"/>
+            <a:r>
+              <a:rPr lang="en-US" altLang="zh-TW" dirty="0" smtClean="0"/>
+              <a:t>Streaming</a:t>
+            </a:r>
+            <a:endParaRPr lang="zh-TW" altLang="en-US" dirty="0"/>
+          </a:p>
+        </p:txBody>
+      </p:sp>
+      <p:sp>
+        <p:nvSpPr>
+          <p:cNvPr id="22" name="日期版面配置區 21"/>
+          <p:cNvSpPr>
+            <a:spLocks noGrp="1"/>
+          </p:cNvSpPr>
+          <p:nvPr>
+            <p:ph type="dt" sz="half" idx="10"/>
           </p:nvPr>
         </p:nvSpPr>
         <p:spPr/>
         <p:txBody>
-          <a:bodyPr>
-            <a:normAutofit/>
-          </a:bodyPr>
-          <a:lstStyle/>
-          <a:p>
-            <a:r>
-              <a:rPr lang="zh-TW" altLang="en-US" sz="2000" dirty="0" smtClean="0">
-                <a:solidFill>
-                  <a:srgbClr val="FF0000"/>
-                </a:solidFill>
-              </a:rPr>
-              <a:t>由 </a:t>
-            </a:r>
-            <a:r>
-              <a:rPr lang="en-US" altLang="zh-TW" sz="2000" dirty="0" smtClean="0">
-                <a:solidFill>
-                  <a:srgbClr val="FF0000"/>
-                </a:solidFill>
-              </a:rPr>
-              <a:t>producer </a:t>
-            </a:r>
-            <a:r>
-              <a:rPr lang="zh-TW" altLang="en-US" sz="2000" dirty="0" smtClean="0">
-                <a:solidFill>
-                  <a:srgbClr val="FF0000"/>
-                </a:solidFill>
-              </a:rPr>
-              <a:t>向</a:t>
-            </a:r>
-            <a:r>
-              <a:rPr lang="en-US" altLang="zh-TW" sz="2000" dirty="0" smtClean="0">
-                <a:solidFill>
-                  <a:srgbClr val="FF0000"/>
-                </a:solidFill>
-              </a:rPr>
-              <a:t>Broker push  message </a:t>
-            </a:r>
-            <a:r>
-              <a:rPr lang="zh-TW" altLang="en-US" sz="2000" dirty="0" smtClean="0">
-                <a:solidFill>
-                  <a:srgbClr val="FF0000"/>
-                </a:solidFill>
-              </a:rPr>
-              <a:t>並由 </a:t>
-            </a:r>
-            <a:r>
-              <a:rPr lang="en-US" altLang="zh-TW" sz="2000" dirty="0" smtClean="0">
-                <a:solidFill>
-                  <a:srgbClr val="FF0000"/>
-                </a:solidFill>
-              </a:rPr>
-              <a:t>consumer </a:t>
-            </a:r>
-            <a:r>
-              <a:rPr lang="zh-TW" altLang="en-US" sz="2000" dirty="0" smtClean="0">
-                <a:solidFill>
-                  <a:srgbClr val="FF0000"/>
-                </a:solidFill>
-              </a:rPr>
-              <a:t>從 </a:t>
-            </a:r>
-            <a:r>
-              <a:rPr lang="en-US" altLang="zh-TW" sz="2000" dirty="0" smtClean="0">
-                <a:solidFill>
-                  <a:srgbClr val="FF0000"/>
-                </a:solidFill>
-              </a:rPr>
-              <a:t>Broker pull message</a:t>
-            </a:r>
-          </a:p>
-          <a:p>
-            <a:pPr lvl="1">
-              <a:buFont typeface="Wingdings" panose="05000000000000000000" pitchFamily="2" charset="2"/>
-              <a:buChar char="Ø"/>
-            </a:pPr>
-            <a:r>
-              <a:rPr lang="en-US" altLang="zh-TW" sz="1800" dirty="0" smtClean="0"/>
-              <a:t> Facebook </a:t>
-            </a:r>
-            <a:r>
-              <a:rPr lang="zh-TW" altLang="en-US" sz="1800" dirty="0" smtClean="0"/>
-              <a:t>的 </a:t>
-            </a:r>
-            <a:r>
-              <a:rPr lang="en-US" altLang="zh-TW" sz="1800" dirty="0" smtClean="0"/>
-              <a:t>Scribe </a:t>
-            </a:r>
-            <a:r>
-              <a:rPr lang="zh-TW" altLang="en-US" sz="1800" dirty="0" smtClean="0"/>
-              <a:t>和 </a:t>
-            </a:r>
-            <a:r>
-              <a:rPr lang="en-US" altLang="zh-TW" sz="1800" dirty="0" smtClean="0"/>
-              <a:t>Cloudera </a:t>
-            </a:r>
-            <a:r>
-              <a:rPr lang="zh-TW" altLang="en-US" sz="1800" dirty="0" smtClean="0"/>
-              <a:t>的 </a:t>
-            </a:r>
-            <a:r>
-              <a:rPr lang="en-US" altLang="zh-TW" sz="1800" dirty="0" smtClean="0"/>
-              <a:t>Flume </a:t>
-            </a:r>
-            <a:r>
-              <a:rPr lang="zh-TW" altLang="en-US" sz="1800" dirty="0" smtClean="0"/>
-              <a:t>則是用</a:t>
-            </a:r>
-            <a:r>
-              <a:rPr lang="en-US" altLang="zh-TW" sz="1800" dirty="0" smtClean="0"/>
-              <a:t>push</a:t>
-            </a:r>
-            <a:r>
-              <a:rPr lang="zh-TW" altLang="en-US" sz="1800" dirty="0" smtClean="0"/>
-              <a:t>模式</a:t>
-            </a:r>
-            <a:endParaRPr lang="en-US" altLang="zh-TW" sz="1800" dirty="0" smtClean="0"/>
-          </a:p>
-          <a:p>
-            <a:r>
-              <a:rPr lang="en-US" altLang="zh-TW" sz="2000" dirty="0" smtClean="0"/>
-              <a:t>Push </a:t>
-            </a:r>
-            <a:r>
-              <a:rPr lang="zh-TW" altLang="en-US" sz="2000" dirty="0" smtClean="0"/>
-              <a:t>模式和 </a:t>
-            </a:r>
-            <a:r>
-              <a:rPr lang="en-US" altLang="zh-TW" sz="2000" dirty="0" smtClean="0"/>
-              <a:t>pull </a:t>
-            </a:r>
-            <a:r>
-              <a:rPr lang="zh-TW" altLang="en-US" sz="2000" dirty="0" smtClean="0"/>
-              <a:t>模式</a:t>
-            </a:r>
-            <a:r>
-              <a:rPr lang="zh-TW" altLang="en-US" sz="2000" dirty="0"/>
-              <a:t>各有</a:t>
-            </a:r>
-            <a:r>
-              <a:rPr lang="zh-TW" altLang="en-US" sz="2000" dirty="0" smtClean="0"/>
-              <a:t>優劣</a:t>
-            </a:r>
-            <a:endParaRPr lang="en-US" altLang="zh-TW" sz="2000" dirty="0" smtClean="0"/>
-          </a:p>
-          <a:p>
-            <a:pPr lvl="1"/>
-            <a:r>
-              <a:rPr lang="en-US" altLang="zh-TW" sz="1800" dirty="0" smtClean="0"/>
-              <a:t>Push </a:t>
-            </a:r>
-            <a:r>
-              <a:rPr lang="zh-TW" altLang="en-US" sz="1800" dirty="0" smtClean="0"/>
-              <a:t>模式</a:t>
-            </a:r>
-            <a:r>
-              <a:rPr lang="zh-TW" altLang="en-US" sz="1800" dirty="0">
-                <a:solidFill>
-                  <a:srgbClr val="FF0000"/>
-                </a:solidFill>
-              </a:rPr>
-              <a:t>很難</a:t>
-            </a:r>
-            <a:r>
-              <a:rPr lang="zh-TW" altLang="en-US" sz="1800" dirty="0" smtClean="0">
-                <a:solidFill>
-                  <a:srgbClr val="FF0000"/>
-                </a:solidFill>
-              </a:rPr>
-              <a:t>適應 </a:t>
-            </a:r>
-            <a:r>
-              <a:rPr lang="en-US" altLang="zh-TW" sz="1800" dirty="0" smtClean="0">
-                <a:solidFill>
-                  <a:srgbClr val="FF0000"/>
-                </a:solidFill>
-              </a:rPr>
-              <a:t>Consume </a:t>
-            </a:r>
-            <a:r>
-              <a:rPr lang="zh-TW" altLang="en-US" sz="1800" dirty="0" smtClean="0">
-                <a:solidFill>
-                  <a:srgbClr val="FF0000"/>
-                </a:solidFill>
-              </a:rPr>
-              <a:t>速率</a:t>
-            </a:r>
-            <a:r>
-              <a:rPr lang="zh-TW" altLang="en-US" sz="1800" dirty="0">
-                <a:solidFill>
-                  <a:srgbClr val="FF0000"/>
-                </a:solidFill>
-              </a:rPr>
-              <a:t>不同</a:t>
-            </a:r>
-            <a:r>
-              <a:rPr lang="zh-TW" altLang="en-US" sz="1800" dirty="0" smtClean="0">
-                <a:solidFill>
-                  <a:srgbClr val="FF0000"/>
-                </a:solidFill>
-              </a:rPr>
-              <a:t>的 </a:t>
-            </a:r>
-            <a:r>
-              <a:rPr lang="en-US" altLang="zh-TW" sz="1800" dirty="0" smtClean="0">
-                <a:solidFill>
-                  <a:srgbClr val="FF0000"/>
-                </a:solidFill>
-              </a:rPr>
-              <a:t>Consumer</a:t>
-            </a:r>
-            <a:r>
-              <a:rPr lang="zh-TW" altLang="en-US" sz="1800" dirty="0" smtClean="0"/>
-              <a:t>，因為</a:t>
-            </a:r>
-            <a:r>
-              <a:rPr lang="en-US" altLang="zh-TW" sz="1800" dirty="0" smtClean="0"/>
-              <a:t> message </a:t>
-            </a:r>
-            <a:r>
-              <a:rPr lang="zh-TW" altLang="en-US" sz="1800" dirty="0" smtClean="0"/>
-              <a:t>發送</a:t>
-            </a:r>
-            <a:r>
-              <a:rPr lang="zh-TW" altLang="en-US" sz="1800" dirty="0"/>
-              <a:t>速率是</a:t>
-            </a:r>
-            <a:r>
-              <a:rPr lang="zh-TW" altLang="en-US" sz="1800" dirty="0" smtClean="0"/>
-              <a:t>由 </a:t>
-            </a:r>
-            <a:r>
-              <a:rPr lang="en-US" altLang="zh-TW" sz="1800" dirty="0" smtClean="0"/>
-              <a:t>Broker </a:t>
-            </a:r>
-            <a:r>
-              <a:rPr lang="zh-TW" altLang="en-US" sz="1800" dirty="0" smtClean="0"/>
-              <a:t>決定的</a:t>
-            </a:r>
-            <a:endParaRPr lang="en-US" altLang="zh-TW" sz="1800" dirty="0" smtClean="0"/>
-          </a:p>
-          <a:p>
-            <a:pPr lvl="1"/>
-            <a:r>
-              <a:rPr lang="en-US" altLang="zh-TW" sz="1800" dirty="0" smtClean="0"/>
-              <a:t>Push </a:t>
-            </a:r>
-            <a:r>
-              <a:rPr lang="zh-TW" altLang="en-US" sz="1800" dirty="0" smtClean="0"/>
-              <a:t>模式</a:t>
-            </a:r>
-            <a:r>
-              <a:rPr lang="zh-TW" altLang="en-US" sz="1800" dirty="0"/>
-              <a:t>的目標是盡可能以最快速度</a:t>
-            </a:r>
-            <a:r>
-              <a:rPr lang="zh-TW" altLang="en-US" sz="1800" dirty="0" smtClean="0"/>
-              <a:t>傳遞</a:t>
-            </a:r>
-            <a:r>
-              <a:rPr lang="en-US" altLang="zh-TW" sz="1800" dirty="0" smtClean="0"/>
-              <a:t> message</a:t>
-            </a:r>
-            <a:r>
-              <a:rPr lang="zh-TW" altLang="en-US" sz="1800" dirty="0" smtClean="0"/>
-              <a:t>，</a:t>
-            </a:r>
-            <a:r>
-              <a:rPr lang="zh-TW" altLang="en-US" sz="1800" dirty="0"/>
-              <a:t>但是這樣很容易造成</a:t>
-            </a:r>
-            <a:r>
-              <a:rPr lang="en-US" altLang="zh-TW" sz="1800" dirty="0">
-                <a:solidFill>
-                  <a:srgbClr val="FF0000"/>
-                </a:solidFill>
-              </a:rPr>
-              <a:t>consumer</a:t>
-            </a:r>
-            <a:r>
-              <a:rPr lang="zh-TW" altLang="en-US" sz="1800" dirty="0">
-                <a:solidFill>
-                  <a:srgbClr val="FF0000"/>
-                </a:solidFill>
-              </a:rPr>
-              <a:t>來不及</a:t>
-            </a:r>
-            <a:r>
-              <a:rPr lang="zh-TW" altLang="en-US" sz="1800" dirty="0" smtClean="0">
-                <a:solidFill>
-                  <a:srgbClr val="FF0000"/>
-                </a:solidFill>
-              </a:rPr>
-              <a:t>處理</a:t>
-            </a:r>
-            <a:r>
-              <a:rPr lang="en-US" altLang="zh-TW" sz="1800" dirty="0" smtClean="0">
-                <a:solidFill>
-                  <a:srgbClr val="FF0000"/>
-                </a:solidFill>
-              </a:rPr>
-              <a:t> message </a:t>
-            </a:r>
-            <a:r>
-              <a:rPr lang="zh-TW" altLang="en-US" sz="1800" dirty="0" smtClean="0"/>
-              <a:t>，典型</a:t>
-            </a:r>
-            <a:r>
-              <a:rPr lang="zh-TW" altLang="en-US" sz="1800" dirty="0"/>
-              <a:t>的表現就是拒絕服務以及網絡</a:t>
-            </a:r>
-            <a:r>
-              <a:rPr lang="zh-TW" altLang="en-US" sz="1800" dirty="0" smtClean="0"/>
-              <a:t>擁塞</a:t>
-            </a:r>
-            <a:endParaRPr lang="en-US" altLang="zh-TW" sz="1800" dirty="0" smtClean="0"/>
-          </a:p>
-          <a:p>
-            <a:pPr lvl="1"/>
-            <a:r>
-              <a:rPr lang="zh-TW" altLang="en-US" sz="1800" dirty="0" smtClean="0"/>
-              <a:t>而 </a:t>
-            </a:r>
-            <a:r>
-              <a:rPr lang="en-US" altLang="zh-TW" sz="1800" dirty="0" smtClean="0"/>
-              <a:t>pull </a:t>
-            </a:r>
-            <a:r>
-              <a:rPr lang="zh-TW" altLang="en-US" sz="1800" dirty="0" smtClean="0"/>
-              <a:t>模式</a:t>
-            </a:r>
-            <a:r>
-              <a:rPr lang="zh-TW" altLang="en-US" sz="1800" dirty="0"/>
-              <a:t>則可以</a:t>
-            </a:r>
-            <a:r>
-              <a:rPr lang="zh-TW" altLang="en-US" sz="1800" dirty="0" smtClean="0"/>
-              <a:t>根據 </a:t>
-            </a:r>
-            <a:r>
-              <a:rPr lang="en-US" altLang="zh-TW" sz="1800" dirty="0" smtClean="0"/>
-              <a:t>consumer </a:t>
-            </a:r>
-            <a:r>
-              <a:rPr lang="zh-TW" altLang="en-US" sz="1800" dirty="0" smtClean="0"/>
-              <a:t>的能力</a:t>
-            </a:r>
-            <a:r>
-              <a:rPr lang="zh-TW" altLang="en-US" sz="1800" dirty="0"/>
-              <a:t>以適當的</a:t>
-            </a:r>
-            <a:r>
-              <a:rPr lang="zh-TW" altLang="en-US" sz="1800" dirty="0" smtClean="0"/>
-              <a:t>速率</a:t>
-            </a:r>
-            <a:r>
-              <a:rPr lang="en-US" altLang="zh-TW" sz="1800" dirty="0" smtClean="0"/>
-              <a:t>Consume message</a:t>
-            </a:r>
-            <a:r>
-              <a:rPr lang="zh-TW" altLang="en-US" sz="1800" dirty="0" smtClean="0"/>
-              <a:t>。</a:t>
-            </a:r>
-            <a:endParaRPr lang="zh-TW" altLang="en-US" sz="1800" dirty="0"/>
-          </a:p>
-        </p:txBody>
-      </p:sp>
-      <p:sp>
-        <p:nvSpPr>
-          <p:cNvPr id="4" name="日期版面配置區 3"/>
-          <p:cNvSpPr>
-            <a:spLocks noGrp="1"/>
-          </p:cNvSpPr>
-          <p:nvPr>
-            <p:ph type="dt" sz="half" idx="10"/>
-          </p:nvPr>
-        </p:nvSpPr>
-        <p:spPr/>
-        <p:txBody>
           <a:bodyPr/>
           <a:lstStyle/>
           <a:p>
-            <a:fld id="{7881C9AD-F160-4701-BD43-84A1A87D55D9}" type="datetime1">
-              <a:rPr lang="zh-TW" altLang="en-US" smtClean="0"/>
-              <a:t>2016/4/30</a:t>
+            <a:fld id="{CA109E51-3B50-4A82-9325-904DB547BA51}" type="datetime1">
+              <a:rPr lang="zh-TW" altLang="en-US" smtClean="0"/>
+              <a:t>2016/5/9</a:t>
             </a:fld>
             <a:endParaRPr lang="zh-TW" altLang="en-US"/>
           </a:p>
@@ -13717,7 +14445,7 @@
       </p:sp>
       <p:sp>
         <p:nvSpPr>
-          <p:cNvPr id="5" name="頁尾版面配置區 4"/>
+          <p:cNvPr id="23" name="頁尾版面配置區 22"/>
           <p:cNvSpPr>
             <a:spLocks noGrp="1"/>
           </p:cNvSpPr>
@@ -13744,7 +14472,7 @@
       </p:sp>
       <p:sp>
         <p:nvSpPr>
-          <p:cNvPr id="6" name="投影片編號版面配置區 5"/>
+          <p:cNvPr id="24" name="投影片編號版面配置區 23"/>
           <p:cNvSpPr>
             <a:spLocks noGrp="1"/>
           </p:cNvSpPr>
@@ -13765,16 +14493,46 @@
           </a:p>
         </p:txBody>
       </p:sp>
+      <p:pic>
+        <p:nvPicPr>
+          <p:cNvPr id="3" name="圖片 2"/>
+          <p:cNvPicPr>
+            <a:picLocks noChangeAspect="1"/>
+          </p:cNvPicPr>
+          <p:nvPr/>
+        </p:nvPicPr>
+        <p:blipFill rotWithShape="1">
+          <a:blip r:embed="rId2"/>
+          <a:srcRect r="53555"/>
+          <a:stretch/>
+        </p:blipFill>
+        <p:spPr>
+          <a:xfrm>
+            <a:off x="6514691" y="3553690"/>
+            <a:ext cx="1694128" cy="2028571"/>
+          </a:xfrm>
+          <a:prstGeom prst="rect">
+            <a:avLst/>
+          </a:prstGeom>
+        </p:spPr>
+      </p:pic>
     </p:spTree>
     <p:extLst>
       <p:ext uri="{BB962C8B-B14F-4D97-AF65-F5344CB8AC3E}">
-        <p14:creationId xmlns:p14="http://schemas.microsoft.com/office/powerpoint/2010/main" val="4124616250"/>
+        <p14:creationId xmlns:p14="http://schemas.microsoft.com/office/powerpoint/2010/main" val="4160030760"/>
       </p:ext>
     </p:extLst>
   </p:cSld>
   <p:clrMapOvr>
     <a:masterClrMapping/>
   </p:clrMapOvr>
+  <p:timing>
+    <p:tnLst>
+      <p:par>
+        <p:cTn id="1" dur="indefinite" restart="never" nodeType="tmRoot"/>
+      </p:par>
+    </p:tnLst>
+  </p:timing>
 </p:sld>
 </file>
 
@@ -13814,11 +14572,11 @@
           <a:p>
             <a:r>
               <a:rPr lang="en-US" altLang="zh-TW" b="1" dirty="0"/>
-              <a:t>Topic &amp; </a:t>
+              <a:t>Push vs. </a:t>
             </a:r>
             <a:r>
               <a:rPr lang="en-US" altLang="zh-TW" b="1" dirty="0" smtClean="0"/>
-              <a:t>Partition</a:t>
+              <a:t>Pull</a:t>
             </a:r>
             <a:endParaRPr lang="zh-TW" altLang="en-US" dirty="0"/>
           </a:p>
@@ -13842,416 +14600,369 @@
           <a:lstStyle/>
           <a:p>
             <a:r>
+              <a:rPr lang="zh-TW" altLang="en-US" sz="2000" dirty="0" smtClean="0">
+                <a:solidFill>
+                  <a:srgbClr val="FF0000"/>
+                </a:solidFill>
+              </a:rPr>
+              <a:t>由 </a:t>
+            </a:r>
+            <a:r>
+              <a:rPr lang="en-US" altLang="zh-TW" sz="2000" dirty="0" smtClean="0">
+                <a:solidFill>
+                  <a:srgbClr val="FF0000"/>
+                </a:solidFill>
+              </a:rPr>
+              <a:t>producer </a:t>
+            </a:r>
+            <a:r>
+              <a:rPr lang="zh-TW" altLang="en-US" sz="2000" dirty="0" smtClean="0">
+                <a:solidFill>
+                  <a:srgbClr val="FF0000"/>
+                </a:solidFill>
+              </a:rPr>
+              <a:t>向</a:t>
+            </a:r>
+            <a:r>
+              <a:rPr lang="en-US" altLang="zh-TW" sz="2000" dirty="0" smtClean="0">
+                <a:solidFill>
+                  <a:srgbClr val="FF0000"/>
+                </a:solidFill>
+              </a:rPr>
+              <a:t>Broker push  message </a:t>
+            </a:r>
+            <a:r>
+              <a:rPr lang="zh-TW" altLang="en-US" sz="2000" dirty="0" smtClean="0">
+                <a:solidFill>
+                  <a:srgbClr val="FF0000"/>
+                </a:solidFill>
+              </a:rPr>
+              <a:t>並由 </a:t>
+            </a:r>
+            <a:r>
+              <a:rPr lang="en-US" altLang="zh-TW" sz="2000" dirty="0" smtClean="0">
+                <a:solidFill>
+                  <a:srgbClr val="FF0000"/>
+                </a:solidFill>
+              </a:rPr>
+              <a:t>consumer </a:t>
+            </a:r>
+            <a:r>
+              <a:rPr lang="zh-TW" altLang="en-US" sz="2000" dirty="0" smtClean="0">
+                <a:solidFill>
+                  <a:srgbClr val="FF0000"/>
+                </a:solidFill>
+              </a:rPr>
+              <a:t>從 </a:t>
+            </a:r>
+            <a:r>
+              <a:rPr lang="en-US" altLang="zh-TW" sz="2000" dirty="0" smtClean="0">
+                <a:solidFill>
+                  <a:srgbClr val="FF0000"/>
+                </a:solidFill>
+              </a:rPr>
+              <a:t>Broker pull message</a:t>
+            </a:r>
+          </a:p>
+          <a:p>
+            <a:pPr lvl="1">
+              <a:buFont typeface="Wingdings" panose="05000000000000000000" pitchFamily="2" charset="2"/>
+              <a:buChar char="Ø"/>
+            </a:pPr>
+            <a:r>
+              <a:rPr lang="en-US" altLang="zh-TW" sz="1800" dirty="0" smtClean="0"/>
+              <a:t> Facebook </a:t>
+            </a:r>
+            <a:r>
+              <a:rPr lang="zh-TW" altLang="en-US" sz="1800" dirty="0" smtClean="0"/>
+              <a:t>的 </a:t>
+            </a:r>
+            <a:r>
+              <a:rPr lang="en-US" altLang="zh-TW" sz="1800" dirty="0" smtClean="0"/>
+              <a:t>Scribe </a:t>
+            </a:r>
+            <a:r>
+              <a:rPr lang="zh-TW" altLang="en-US" sz="1800" dirty="0" smtClean="0"/>
+              <a:t>和 </a:t>
+            </a:r>
+            <a:r>
+              <a:rPr lang="en-US" altLang="zh-TW" sz="1800" dirty="0" smtClean="0"/>
+              <a:t>Cloudera </a:t>
+            </a:r>
+            <a:r>
+              <a:rPr lang="zh-TW" altLang="en-US" sz="1800" dirty="0" smtClean="0"/>
+              <a:t>的 </a:t>
+            </a:r>
+            <a:r>
+              <a:rPr lang="en-US" altLang="zh-TW" sz="1800" dirty="0" smtClean="0"/>
+              <a:t>Flume </a:t>
+            </a:r>
+            <a:r>
+              <a:rPr lang="zh-TW" altLang="en-US" sz="1800" dirty="0" smtClean="0"/>
+              <a:t>則是用</a:t>
+            </a:r>
+            <a:r>
+              <a:rPr lang="en-US" altLang="zh-TW" sz="1800" dirty="0" smtClean="0"/>
+              <a:t>push</a:t>
+            </a:r>
+            <a:r>
+              <a:rPr lang="zh-TW" altLang="en-US" sz="1800" dirty="0" smtClean="0"/>
+              <a:t>模式</a:t>
+            </a:r>
+            <a:endParaRPr lang="en-US" altLang="zh-TW" sz="1800" dirty="0" smtClean="0"/>
+          </a:p>
+          <a:p>
+            <a:r>
               <a:rPr lang="en-US" altLang="zh-TW" sz="2000" dirty="0" smtClean="0"/>
-              <a:t>Topic </a:t>
-            </a:r>
-            <a:r>
-              <a:rPr lang="zh-TW" altLang="en-US" sz="2000" dirty="0" smtClean="0"/>
-              <a:t>在</a:t>
+              <a:t>Push </a:t>
+            </a:r>
+            <a:r>
+              <a:rPr lang="zh-TW" altLang="en-US" sz="2000" dirty="0" smtClean="0"/>
+              <a:t>模式和 </a:t>
+            </a:r>
+            <a:r>
+              <a:rPr lang="en-US" altLang="zh-TW" sz="2000" dirty="0" smtClean="0"/>
+              <a:t>pull </a:t>
+            </a:r>
+            <a:r>
+              <a:rPr lang="zh-TW" altLang="en-US" sz="2000" dirty="0" smtClean="0"/>
+              <a:t>模式</a:t>
             </a:r>
             <a:r>
               <a:rPr lang="zh-TW" altLang="en-US" sz="2000" dirty="0"/>
-              <a:t>邏輯上可以被認為是一個</a:t>
-            </a:r>
-            <a:r>
-              <a:rPr lang="en-US" altLang="zh-TW" sz="2000" dirty="0" smtClean="0"/>
-              <a:t>queue</a:t>
-            </a:r>
-            <a:r>
-              <a:rPr lang="zh-TW" altLang="en-US" sz="2000" dirty="0" smtClean="0"/>
-              <a:t>，每次 </a:t>
-            </a:r>
-            <a:r>
-              <a:rPr lang="en-US" altLang="zh-TW" sz="2000" dirty="0" smtClean="0"/>
-              <a:t>Produce </a:t>
-            </a:r>
-            <a:r>
-              <a:rPr lang="zh-TW" altLang="en-US" sz="2000" dirty="0" smtClean="0"/>
-              <a:t>或是 </a:t>
-            </a:r>
-            <a:r>
-              <a:rPr lang="en-US" altLang="zh-TW" sz="2000" dirty="0" smtClean="0"/>
+              <a:t>各有</a:t>
+            </a:r>
+            <a:r>
+              <a:rPr lang="zh-TW" altLang="en-US" sz="2000" dirty="0" smtClean="0"/>
+              <a:t>優劣</a:t>
+            </a:r>
+            <a:endParaRPr lang="en-US" altLang="zh-TW" sz="2000" dirty="0" smtClean="0"/>
+          </a:p>
+          <a:p>
+            <a:pPr lvl="1"/>
+            <a:r>
+              <a:rPr lang="en-US" altLang="zh-TW" sz="1800" dirty="0" smtClean="0"/>
+              <a:t>Push </a:t>
+            </a:r>
+            <a:r>
+              <a:rPr lang="zh-TW" altLang="en-US" sz="1800" dirty="0" smtClean="0"/>
+              <a:t>模式</a:t>
+            </a:r>
+            <a:r>
+              <a:rPr lang="zh-TW" altLang="en-US" sz="1800" dirty="0">
+                <a:solidFill>
+                  <a:srgbClr val="FF0000"/>
+                </a:solidFill>
+              </a:rPr>
+              <a:t>很難</a:t>
+            </a:r>
+            <a:r>
+              <a:rPr lang="zh-TW" altLang="en-US" sz="1800" dirty="0" smtClean="0">
+                <a:solidFill>
+                  <a:srgbClr val="FF0000"/>
+                </a:solidFill>
+              </a:rPr>
+              <a:t>適應 </a:t>
+            </a:r>
+            <a:r>
+              <a:rPr lang="en-US" altLang="zh-TW" sz="1800" dirty="0" smtClean="0">
+                <a:solidFill>
+                  <a:srgbClr val="FF0000"/>
+                </a:solidFill>
+              </a:rPr>
               <a:t>Consume </a:t>
             </a:r>
             <a:r>
-              <a:rPr lang="zh-TW" altLang="en-US" sz="2000" dirty="0" smtClean="0"/>
-              <a:t>都</a:t>
-            </a:r>
-            <a:r>
-              <a:rPr lang="zh-TW" altLang="en-US" sz="2000" dirty="0"/>
-              <a:t>必須</a:t>
-            </a:r>
-            <a:r>
-              <a:rPr lang="zh-TW" altLang="en-US" sz="2000" dirty="0" smtClean="0"/>
-              <a:t>指定</a:t>
-            </a:r>
-            <a:r>
-              <a:rPr lang="zh-TW" altLang="en-US" sz="2000" dirty="0"/>
-              <a:t> </a:t>
-            </a:r>
-            <a:r>
-              <a:rPr lang="en-US" altLang="zh-TW" sz="2000" dirty="0" smtClean="0"/>
-              <a:t>topic</a:t>
-            </a:r>
-            <a:r>
-              <a:rPr lang="zh-TW" altLang="en-US" sz="2000" dirty="0"/>
-              <a:t>，可以簡單理解為必須指明把這</a:t>
-            </a:r>
-            <a:r>
-              <a:rPr lang="zh-TW" altLang="en-US" sz="2000" dirty="0" smtClean="0"/>
-              <a:t>條</a:t>
-            </a:r>
-            <a:r>
-              <a:rPr lang="en-US" altLang="zh-TW" sz="2000" dirty="0" smtClean="0"/>
-              <a:t>Message</a:t>
-            </a:r>
-            <a:r>
-              <a:rPr lang="zh-TW" altLang="en-US" sz="2000" dirty="0" smtClean="0"/>
-              <a:t>放進那個</a:t>
-            </a:r>
-            <a:r>
-              <a:rPr lang="en-US" altLang="zh-TW" sz="2000" dirty="0" smtClean="0"/>
-              <a:t>queue</a:t>
-            </a:r>
-            <a:r>
-              <a:rPr lang="zh-TW" altLang="en-US" sz="2000" dirty="0" smtClean="0"/>
-              <a:t>裡</a:t>
-            </a:r>
-            <a:endParaRPr lang="en-US" altLang="zh-TW" sz="2000" dirty="0" smtClean="0"/>
-          </a:p>
-          <a:p>
-            <a:r>
-              <a:rPr lang="zh-TW" altLang="en-US" sz="2000" dirty="0" smtClean="0"/>
-              <a:t>為使吞吐</a:t>
-            </a:r>
-            <a:r>
-              <a:rPr lang="zh-TW" altLang="en-US" sz="2000" dirty="0"/>
-              <a:t>率可以水平擴展，</a:t>
-            </a:r>
-            <a:r>
-              <a:rPr lang="zh-TW" altLang="en-US" sz="2000" dirty="0">
-                <a:solidFill>
-                  <a:srgbClr val="FF0000"/>
-                </a:solidFill>
-              </a:rPr>
-              <a:t>物理上</a:t>
-            </a:r>
-            <a:r>
-              <a:rPr lang="zh-TW" altLang="en-US" sz="2000" dirty="0" smtClean="0">
-                <a:solidFill>
-                  <a:srgbClr val="FF0000"/>
-                </a:solidFill>
-              </a:rPr>
-              <a:t>把 </a:t>
-            </a:r>
-            <a:r>
-              <a:rPr lang="en-US" altLang="zh-TW" sz="2000" dirty="0" smtClean="0">
-                <a:solidFill>
-                  <a:srgbClr val="FF0000"/>
-                </a:solidFill>
-              </a:rPr>
-              <a:t>topic </a:t>
-            </a:r>
-            <a:r>
-              <a:rPr lang="zh-TW" altLang="en-US" sz="2000" dirty="0" smtClean="0">
-                <a:solidFill>
-                  <a:srgbClr val="FF0000"/>
-                </a:solidFill>
-              </a:rPr>
-              <a:t>分成</a:t>
-            </a:r>
-            <a:r>
-              <a:rPr lang="zh-TW" altLang="en-US" sz="2000" dirty="0">
-                <a:solidFill>
-                  <a:srgbClr val="FF0000"/>
-                </a:solidFill>
-              </a:rPr>
-              <a:t>一個或多個</a:t>
-            </a:r>
-            <a:r>
-              <a:rPr lang="en-US" altLang="zh-TW" sz="2000" dirty="0">
-                <a:solidFill>
-                  <a:srgbClr val="FF0000"/>
-                </a:solidFill>
-              </a:rPr>
-              <a:t>partition</a:t>
-            </a:r>
-            <a:r>
-              <a:rPr lang="zh-TW" altLang="en-US" sz="2000" dirty="0">
-                <a:solidFill>
-                  <a:srgbClr val="FF0000"/>
-                </a:solidFill>
-              </a:rPr>
-              <a:t>，每</a:t>
-            </a:r>
-            <a:r>
-              <a:rPr lang="zh-TW" altLang="en-US" sz="2000" dirty="0" smtClean="0">
-                <a:solidFill>
-                  <a:srgbClr val="FF0000"/>
-                </a:solidFill>
-              </a:rPr>
-              <a:t>個 </a:t>
-            </a:r>
-            <a:r>
-              <a:rPr lang="en-US" altLang="zh-TW" sz="2000" dirty="0" smtClean="0">
-                <a:solidFill>
-                  <a:srgbClr val="FF0000"/>
-                </a:solidFill>
-              </a:rPr>
-              <a:t>partition </a:t>
-            </a:r>
-            <a:r>
-              <a:rPr lang="zh-TW" altLang="en-US" sz="2000" dirty="0" smtClean="0">
-                <a:solidFill>
-                  <a:srgbClr val="FF0000"/>
-                </a:solidFill>
-              </a:rPr>
-              <a:t>在</a:t>
-            </a:r>
-            <a:r>
-              <a:rPr lang="zh-TW" altLang="en-US" sz="2000" dirty="0">
-                <a:solidFill>
-                  <a:srgbClr val="FF0000"/>
-                </a:solidFill>
-              </a:rPr>
-              <a:t>物理上對應一個文件夾</a:t>
-            </a:r>
-            <a:r>
-              <a:rPr lang="zh-TW" altLang="en-US" sz="2000" dirty="0"/>
-              <a:t>，該文件夾</a:t>
-            </a:r>
-            <a:r>
-              <a:rPr lang="zh-TW" altLang="en-US" sz="2000" dirty="0" smtClean="0"/>
-              <a:t>下儲存這個 </a:t>
-            </a:r>
-            <a:r>
-              <a:rPr lang="en-US" altLang="zh-TW" sz="2000" dirty="0" smtClean="0"/>
-              <a:t>partition </a:t>
-            </a:r>
-            <a:r>
-              <a:rPr lang="zh-TW" altLang="en-US" sz="2000" dirty="0" smtClean="0"/>
-              <a:t>的所有</a:t>
-            </a:r>
-            <a:r>
-              <a:rPr lang="en-US" altLang="zh-TW" sz="2000" dirty="0" smtClean="0"/>
-              <a:t>Message</a:t>
-            </a:r>
-            <a:r>
-              <a:rPr lang="zh-TW" altLang="en-US" sz="2000" dirty="0" smtClean="0"/>
-              <a:t>和</a:t>
-            </a:r>
-            <a:r>
-              <a:rPr lang="zh-TW" altLang="en-US" sz="2000" dirty="0"/>
-              <a:t>索引文件</a:t>
-            </a:r>
-            <a:r>
-              <a:rPr lang="zh-TW" altLang="en-US" sz="2000" dirty="0" smtClean="0"/>
+              <a:rPr lang="zh-TW" altLang="en-US" sz="1800" dirty="0" smtClean="0">
+                <a:solidFill>
+                  <a:srgbClr val="FF0000"/>
+                </a:solidFill>
+              </a:rPr>
+              <a:t>速率</a:t>
+            </a:r>
+            <a:r>
+              <a:rPr lang="zh-TW" altLang="en-US" sz="1800" dirty="0">
+                <a:solidFill>
+                  <a:srgbClr val="FF0000"/>
+                </a:solidFill>
+              </a:rPr>
+              <a:t>不同</a:t>
+            </a:r>
+            <a:r>
+              <a:rPr lang="zh-TW" altLang="en-US" sz="1800" dirty="0" smtClean="0">
+                <a:solidFill>
+                  <a:srgbClr val="FF0000"/>
+                </a:solidFill>
+              </a:rPr>
+              <a:t>的 </a:t>
+            </a:r>
+            <a:r>
+              <a:rPr lang="en-US" altLang="zh-TW" sz="1800" dirty="0" smtClean="0">
+                <a:solidFill>
+                  <a:srgbClr val="FF0000"/>
+                </a:solidFill>
+              </a:rPr>
+              <a:t>Consumer</a:t>
+            </a:r>
+            <a:r>
+              <a:rPr lang="zh-TW" altLang="en-US" sz="1800" dirty="0" smtClean="0"/>
+              <a:t>，因為</a:t>
+            </a:r>
+            <a:r>
+              <a:rPr lang="en-US" altLang="zh-TW" sz="1800" dirty="0" smtClean="0"/>
+              <a:t> message </a:t>
+            </a:r>
+            <a:r>
+              <a:rPr lang="zh-TW" altLang="en-US" sz="1800" dirty="0" smtClean="0"/>
+              <a:t>發送</a:t>
+            </a:r>
+            <a:r>
+              <a:rPr lang="zh-TW" altLang="en-US" sz="1800" dirty="0"/>
+              <a:t>速率是</a:t>
+            </a:r>
+            <a:r>
+              <a:rPr lang="zh-TW" altLang="en-US" sz="1800" dirty="0" smtClean="0"/>
+              <a:t>由 </a:t>
+            </a:r>
+            <a:r>
+              <a:rPr lang="en-US" altLang="zh-TW" sz="1800" dirty="0" smtClean="0"/>
+              <a:t>Broker </a:t>
+            </a:r>
+            <a:r>
+              <a:rPr lang="zh-TW" altLang="en-US" sz="1800" dirty="0" smtClean="0"/>
+              <a:t>決定的</a:t>
+            </a:r>
+            <a:endParaRPr lang="en-US" altLang="zh-TW" sz="1800" dirty="0" smtClean="0"/>
+          </a:p>
+          <a:p>
+            <a:pPr lvl="1"/>
+            <a:r>
+              <a:rPr lang="en-US" altLang="zh-TW" sz="1800" dirty="0" smtClean="0"/>
+              <a:t>Push </a:t>
+            </a:r>
+            <a:r>
+              <a:rPr lang="zh-TW" altLang="en-US" sz="1800" dirty="0" smtClean="0"/>
+              <a:t>模式</a:t>
+            </a:r>
+            <a:r>
+              <a:rPr lang="zh-TW" altLang="en-US" sz="1800" dirty="0"/>
+              <a:t>的目標是盡可能以最快速度</a:t>
+            </a:r>
+            <a:r>
+              <a:rPr lang="zh-TW" altLang="en-US" sz="1800" dirty="0" smtClean="0"/>
+              <a:t>傳遞</a:t>
+            </a:r>
+            <a:r>
+              <a:rPr lang="en-US" altLang="zh-TW" sz="1800" dirty="0" smtClean="0"/>
+              <a:t> message</a:t>
+            </a:r>
+            <a:r>
+              <a:rPr lang="zh-TW" altLang="en-US" sz="1800" dirty="0" smtClean="0"/>
+              <a:t>，</a:t>
+            </a:r>
+            <a:r>
+              <a:rPr lang="zh-TW" altLang="en-US" sz="1800" dirty="0"/>
+              <a:t>但是這樣很容易造成</a:t>
+            </a:r>
+            <a:r>
+              <a:rPr lang="en-US" altLang="zh-TW" sz="1800" dirty="0">
+                <a:solidFill>
+                  <a:srgbClr val="FF0000"/>
+                </a:solidFill>
+              </a:rPr>
+              <a:t>consumer</a:t>
+            </a:r>
+            <a:r>
+              <a:rPr lang="zh-TW" altLang="en-US" sz="1800" dirty="0">
+                <a:solidFill>
+                  <a:srgbClr val="FF0000"/>
+                </a:solidFill>
+              </a:rPr>
+              <a:t>來不及</a:t>
+            </a:r>
+            <a:r>
+              <a:rPr lang="zh-TW" altLang="en-US" sz="1800" dirty="0" smtClean="0">
+                <a:solidFill>
+                  <a:srgbClr val="FF0000"/>
+                </a:solidFill>
+              </a:rPr>
+              <a:t>處理</a:t>
+            </a:r>
+            <a:r>
+              <a:rPr lang="en-US" altLang="zh-TW" sz="1800" dirty="0" smtClean="0">
+                <a:solidFill>
+                  <a:srgbClr val="FF0000"/>
+                </a:solidFill>
+              </a:rPr>
+              <a:t> message </a:t>
+            </a:r>
+            <a:r>
+              <a:rPr lang="zh-TW" altLang="en-US" sz="1800" dirty="0" smtClean="0"/>
+              <a:t>，典型</a:t>
+            </a:r>
+            <a:r>
+              <a:rPr lang="zh-TW" altLang="en-US" sz="1800" dirty="0"/>
+              <a:t>的表現就是拒絕服務以及網絡</a:t>
+            </a:r>
+            <a:r>
+              <a:rPr lang="zh-TW" altLang="en-US" sz="1800" dirty="0" smtClean="0"/>
+              <a:t>擁塞</a:t>
+            </a:r>
+            <a:endParaRPr lang="en-US" altLang="zh-TW" sz="1800" dirty="0" smtClean="0"/>
+          </a:p>
+          <a:p>
+            <a:pPr lvl="1"/>
+            <a:r>
+              <a:rPr lang="zh-TW" altLang="en-US" sz="1800" dirty="0" smtClean="0"/>
+              <a:t>而 </a:t>
+            </a:r>
+            <a:r>
+              <a:rPr lang="en-US" altLang="zh-TW" sz="1800" dirty="0" smtClean="0"/>
+              <a:t>pull </a:t>
+            </a:r>
+            <a:r>
+              <a:rPr lang="zh-TW" altLang="en-US" sz="1800" dirty="0" smtClean="0"/>
+              <a:t>模式</a:t>
+            </a:r>
+            <a:r>
+              <a:rPr lang="zh-TW" altLang="en-US" sz="1800" dirty="0"/>
+              <a:t>則可以</a:t>
+            </a:r>
+            <a:r>
+              <a:rPr lang="zh-TW" altLang="en-US" sz="1800" dirty="0" smtClean="0"/>
+              <a:t>根據 </a:t>
+            </a:r>
+            <a:r>
+              <a:rPr lang="en-US" altLang="zh-TW" sz="1800" dirty="0" smtClean="0"/>
+              <a:t>consumer </a:t>
+            </a:r>
+            <a:r>
+              <a:rPr lang="zh-TW" altLang="en-US" sz="1800" dirty="0" smtClean="0"/>
+              <a:t>的能力</a:t>
+            </a:r>
+            <a:r>
+              <a:rPr lang="zh-TW" altLang="en-US" sz="1800" dirty="0"/>
+              <a:t>以適當的</a:t>
+            </a:r>
+            <a:r>
+              <a:rPr lang="zh-TW" altLang="en-US" sz="1800" dirty="0" smtClean="0"/>
+              <a:t>速率</a:t>
+            </a:r>
+            <a:r>
+              <a:rPr lang="en-US" altLang="zh-TW" sz="1800" dirty="0" smtClean="0"/>
+              <a:t>Consume message</a:t>
+            </a:r>
+            <a:r>
+              <a:rPr lang="zh-TW" altLang="en-US" sz="1800" dirty="0" smtClean="0"/>
               <a:t>。</a:t>
             </a:r>
-            <a:endParaRPr lang="en-US" altLang="zh-TW" sz="2000" dirty="0" smtClean="0"/>
-          </a:p>
-          <a:p>
-            <a:r>
-              <a:rPr lang="zh-TW" altLang="en-US" sz="2000" dirty="0"/>
-              <a:t>每個日誌文件都</a:t>
-            </a:r>
-            <a:r>
-              <a:rPr lang="zh-TW" altLang="en-US" sz="2000" dirty="0" smtClean="0"/>
-              <a:t>是 </a:t>
-            </a:r>
-            <a:r>
-              <a:rPr lang="en-US" altLang="zh-TW" sz="2000" dirty="0" smtClean="0"/>
-              <a:t>log entries</a:t>
-            </a:r>
-            <a:r>
-              <a:rPr lang="zh-TW" altLang="en-US" sz="2000" dirty="0" smtClean="0"/>
-              <a:t>，每條 </a:t>
-            </a:r>
-            <a:r>
-              <a:rPr lang="en-US" altLang="zh-TW" sz="2000" dirty="0" smtClean="0"/>
-              <a:t>Message </a:t>
-            </a:r>
-            <a:r>
-              <a:rPr lang="zh-TW" altLang="en-US" sz="2000" dirty="0" smtClean="0"/>
-              <a:t>都</a:t>
-            </a:r>
-            <a:r>
-              <a:rPr lang="zh-TW" altLang="en-US" sz="2000" dirty="0"/>
-              <a:t>有一個當前</a:t>
-            </a:r>
-            <a:r>
-              <a:rPr lang="en-US" altLang="zh-TW" sz="2000" dirty="0"/>
-              <a:t>partition</a:t>
-            </a:r>
-            <a:r>
-              <a:rPr lang="zh-TW" altLang="en-US" sz="2000" dirty="0"/>
-              <a:t>下唯一</a:t>
-            </a:r>
-            <a:r>
-              <a:rPr lang="zh-TW" altLang="en-US" sz="2000" dirty="0" smtClean="0"/>
-              <a:t>的 </a:t>
-            </a:r>
-            <a:r>
-              <a:rPr lang="en-US" altLang="zh-TW" sz="2000" dirty="0" smtClean="0"/>
-              <a:t>64 </a:t>
-            </a:r>
-            <a:r>
-              <a:rPr lang="zh-TW" altLang="en-US" sz="2000" dirty="0" smtClean="0"/>
-              <a:t>位元的 </a:t>
-            </a:r>
-            <a:r>
-              <a:rPr lang="en-US" altLang="zh-TW" sz="2000" dirty="0" smtClean="0"/>
-              <a:t>Offset</a:t>
-            </a:r>
-            <a:r>
-              <a:rPr lang="zh-TW" altLang="en-US" sz="2000" dirty="0" smtClean="0"/>
-              <a:t>，說明</a:t>
-            </a:r>
-            <a:r>
-              <a:rPr lang="en-US" altLang="zh-TW" sz="2000" dirty="0" smtClean="0"/>
-              <a:t>Message</a:t>
-            </a:r>
-            <a:r>
-              <a:rPr lang="zh-TW" altLang="en-US" sz="2000" dirty="0" smtClean="0"/>
-              <a:t>的</a:t>
-            </a:r>
-            <a:r>
-              <a:rPr lang="zh-TW" altLang="en-US" sz="2000" dirty="0"/>
-              <a:t>起始</a:t>
-            </a:r>
-            <a:r>
-              <a:rPr lang="zh-TW" altLang="en-US" sz="2000" dirty="0" smtClean="0"/>
-              <a:t>位置</a:t>
-            </a:r>
-            <a:endParaRPr lang="en-US" altLang="zh-TW" sz="2000" dirty="0" smtClean="0"/>
-          </a:p>
-          <a:p>
-            <a:r>
-              <a:rPr lang="zh-TW" altLang="en-US" sz="2000" dirty="0" smtClean="0"/>
-              <a:t>實際儲存的格式</a:t>
-            </a:r>
-            <a:r>
-              <a:rPr lang="zh-TW" altLang="en-US" sz="2000" dirty="0"/>
-              <a:t>如下： </a:t>
-            </a:r>
-            <a:br>
-              <a:rPr lang="zh-TW" altLang="en-US" sz="2000" dirty="0"/>
-            </a:br>
-            <a:r>
-              <a:rPr lang="en-US" altLang="zh-TW" sz="2000" dirty="0"/>
-              <a:t>message length </a:t>
-            </a:r>
-            <a:r>
-              <a:rPr lang="zh-TW" altLang="en-US" sz="2000" dirty="0"/>
-              <a:t>： </a:t>
-            </a:r>
-            <a:r>
-              <a:rPr lang="en-US" altLang="zh-TW" sz="2000" dirty="0"/>
-              <a:t>4 bytes (value: 1+4+n) </a:t>
-            </a:r>
-            <a:br>
-              <a:rPr lang="en-US" altLang="zh-TW" sz="2000" dirty="0"/>
-            </a:br>
-            <a:r>
-              <a:rPr lang="en-US" altLang="zh-TW" sz="2000" dirty="0" smtClean="0"/>
-              <a:t>magic </a:t>
-            </a:r>
-            <a:r>
-              <a:rPr lang="en-US" altLang="zh-TW" sz="2000" dirty="0"/>
-              <a:t>value </a:t>
-            </a:r>
-            <a:r>
-              <a:rPr lang="zh-TW" altLang="en-US" sz="2000" dirty="0"/>
-              <a:t>： </a:t>
-            </a:r>
-            <a:r>
-              <a:rPr lang="en-US" altLang="zh-TW" sz="2000" dirty="0"/>
-              <a:t>1 byte </a:t>
-            </a:r>
-            <a:br>
-              <a:rPr lang="en-US" altLang="zh-TW" sz="2000" dirty="0"/>
-            </a:br>
-            <a:r>
-              <a:rPr lang="en-US" altLang="zh-TW" sz="2000" dirty="0" err="1"/>
-              <a:t>crc</a:t>
-            </a:r>
-            <a:r>
-              <a:rPr lang="en-US" altLang="zh-TW" sz="2000" dirty="0"/>
-              <a:t> </a:t>
-            </a:r>
-            <a:r>
-              <a:rPr lang="zh-TW" altLang="en-US" sz="2000" dirty="0"/>
-              <a:t>： </a:t>
-            </a:r>
-            <a:r>
-              <a:rPr lang="en-US" altLang="zh-TW" sz="2000" dirty="0"/>
-              <a:t>4 bytes </a:t>
-            </a:r>
-            <a:br>
-              <a:rPr lang="en-US" altLang="zh-TW" sz="2000" dirty="0"/>
-            </a:br>
-            <a:r>
-              <a:rPr lang="en-US" altLang="zh-TW" sz="2000" dirty="0"/>
-              <a:t>payload </a:t>
-            </a:r>
-            <a:r>
-              <a:rPr lang="zh-TW" altLang="en-US" sz="2000" dirty="0"/>
-              <a:t>： </a:t>
-            </a:r>
-            <a:r>
-              <a:rPr lang="en-US" altLang="zh-TW" sz="2000" dirty="0"/>
-              <a:t>n bytes </a:t>
-            </a:r>
-          </a:p>
-          <a:p>
-            <a:endParaRPr lang="zh-TW" altLang="en-US" sz="2000" dirty="0"/>
-          </a:p>
-        </p:txBody>
-      </p:sp>
-      <p:pic>
-        <p:nvPicPr>
-          <p:cNvPr id="2050" name="Picture 2" descr="http://www.jasongj.com/img/KafkaAnalysis/topic-partition.png"/>
-          <p:cNvPicPr>
-            <a:picLocks noChangeAspect="1" noChangeArrowheads="1"/>
-          </p:cNvPicPr>
-          <p:nvPr/>
-        </p:nvPicPr>
-        <p:blipFill>
-          <a:blip r:embed="rId2">
-            <a:extLst>
-              <a:ext uri="{28A0092B-C50C-407E-A947-70E740481C1C}">
-                <a14:useLocalDpi xmlns:a14="http://schemas.microsoft.com/office/drawing/2010/main" val="0"/>
-              </a:ext>
-            </a:extLst>
-          </a:blip>
-          <a:srcRect/>
-          <a:stretch>
-            <a:fillRect/>
-          </a:stretch>
-        </p:blipFill>
-        <p:spPr bwMode="auto">
-          <a:xfrm>
-            <a:off x="7340311" y="171163"/>
-            <a:ext cx="1421823" cy="900488"/>
-          </a:xfrm>
-          <a:prstGeom prst="rect">
-            <a:avLst/>
-          </a:prstGeom>
-          <a:noFill/>
-          <a:extLst>
-            <a:ext uri="{909E8E84-426E-40DD-AFC4-6F175D3DCCD1}">
-              <a14:hiddenFill xmlns:a14="http://schemas.microsoft.com/office/drawing/2010/main">
-                <a:solidFill>
-                  <a:srgbClr val="FFFFFF"/>
-                </a:solidFill>
-              </a14:hiddenFill>
-            </a:ext>
-          </a:extLst>
-        </p:spPr>
-      </p:pic>
-      <p:sp>
-        <p:nvSpPr>
-          <p:cNvPr id="6" name="日期版面配置區 5"/>
+            <a:endParaRPr lang="zh-TW" altLang="en-US" sz="1800" dirty="0"/>
+          </a:p>
+        </p:txBody>
+      </p:sp>
+      <p:sp>
+        <p:nvSpPr>
+          <p:cNvPr id="4" name="日期版面配置區 3"/>
           <p:cNvSpPr>
             <a:spLocks noGrp="1"/>
           </p:cNvSpPr>
@@ -14264,9 +14975,9 @@
           <a:bodyPr/>
           <a:lstStyle/>
           <a:p>
-            <a:fld id="{A6B4FD63-7106-40F1-B88D-68961FD465AA}" type="datetime1">
-              <a:rPr lang="zh-TW" altLang="en-US" smtClean="0"/>
-              <a:t>2016/4/30</a:t>
+            <a:fld id="{7881C9AD-F160-4701-BD43-84A1A87D55D9}" type="datetime1">
+              <a:rPr lang="zh-TW" altLang="en-US" smtClean="0"/>
+              <a:t>2016/5/9</a:t>
             </a:fld>
             <a:endParaRPr lang="zh-TW" altLang="en-US"/>
           </a:p>
@@ -14274,7 +14985,7 @@
       </p:sp>
       <p:sp>
         <p:nvSpPr>
-          <p:cNvPr id="7" name="頁尾版面配置區 6"/>
+          <p:cNvPr id="5" name="頁尾版面配置區 4"/>
           <p:cNvSpPr>
             <a:spLocks noGrp="1"/>
           </p:cNvSpPr>
@@ -14301,7 +15012,7 @@
       </p:sp>
       <p:sp>
         <p:nvSpPr>
-          <p:cNvPr id="8" name="投影片編號版面配置區 7"/>
+          <p:cNvPr id="6" name="投影片編號版面配置區 5"/>
           <p:cNvSpPr>
             <a:spLocks noGrp="1"/>
           </p:cNvSpPr>
@@ -14325,7 +15036,7 @@
     </p:spTree>
     <p:extLst>
       <p:ext uri="{BB962C8B-B14F-4D97-AF65-F5344CB8AC3E}">
-        <p14:creationId xmlns:p14="http://schemas.microsoft.com/office/powerpoint/2010/main" val="4225512896"/>
+        <p14:creationId xmlns:p14="http://schemas.microsoft.com/office/powerpoint/2010/main" val="4124616250"/>
       </p:ext>
     </p:extLst>
   </p:cSld>
